--- a/Documents/제안서.pptx
+++ b/Documents/제안서.pptx
@@ -5,7 +5,7 @@
     <p:sldMasterId id="2147483660" r:id="rId1"/>
   </p:sldMasterIdLst>
   <p:notesMasterIdLst>
-    <p:notesMasterId r:id="rId29"/>
+    <p:notesMasterId r:id="rId30"/>
   </p:notesMasterIdLst>
   <p:sldIdLst>
     <p:sldId id="260" r:id="rId2"/>
@@ -14,43 +14,36 @@
     <p:sldId id="267" r:id="rId5"/>
     <p:sldId id="298" r:id="rId6"/>
     <p:sldId id="299" r:id="rId7"/>
-    <p:sldId id="300" r:id="rId8"/>
-    <p:sldId id="272" r:id="rId9"/>
-    <p:sldId id="273" r:id="rId10"/>
-    <p:sldId id="275" r:id="rId11"/>
-    <p:sldId id="277" r:id="rId12"/>
-    <p:sldId id="278" r:id="rId13"/>
-    <p:sldId id="274" r:id="rId14"/>
-    <p:sldId id="262" r:id="rId15"/>
-    <p:sldId id="297" r:id="rId16"/>
-    <p:sldId id="279" r:id="rId17"/>
-    <p:sldId id="280" r:id="rId18"/>
-    <p:sldId id="281" r:id="rId19"/>
-    <p:sldId id="283" r:id="rId20"/>
-    <p:sldId id="285" r:id="rId21"/>
-    <p:sldId id="286" r:id="rId22"/>
-    <p:sldId id="289" r:id="rId23"/>
-    <p:sldId id="290" r:id="rId24"/>
-    <p:sldId id="292" r:id="rId25"/>
-    <p:sldId id="287" r:id="rId26"/>
-    <p:sldId id="288" r:id="rId27"/>
-    <p:sldId id="296" r:id="rId28"/>
+    <p:sldId id="301" r:id="rId8"/>
+    <p:sldId id="300" r:id="rId9"/>
+    <p:sldId id="272" r:id="rId10"/>
+    <p:sldId id="273" r:id="rId11"/>
+    <p:sldId id="275" r:id="rId12"/>
+    <p:sldId id="277" r:id="rId13"/>
+    <p:sldId id="278" r:id="rId14"/>
+    <p:sldId id="274" r:id="rId15"/>
+    <p:sldId id="262" r:id="rId16"/>
+    <p:sldId id="297" r:id="rId17"/>
+    <p:sldId id="279" r:id="rId18"/>
+    <p:sldId id="280" r:id="rId19"/>
+    <p:sldId id="281" r:id="rId20"/>
+    <p:sldId id="283" r:id="rId21"/>
+    <p:sldId id="285" r:id="rId22"/>
+    <p:sldId id="286" r:id="rId23"/>
+    <p:sldId id="289" r:id="rId24"/>
+    <p:sldId id="290" r:id="rId25"/>
+    <p:sldId id="292" r:id="rId26"/>
+    <p:sldId id="287" r:id="rId27"/>
+    <p:sldId id="288" r:id="rId28"/>
+    <p:sldId id="296" r:id="rId29"/>
   </p:sldIdLst>
   <p:sldSz cx="12192000" cy="6858000"/>
   <p:notesSz cx="6858000" cy="9144000"/>
   <p:embeddedFontLst>
     <p:embeddedFont>
-      <p:font typeface="08서울한강체 M" panose="02020603020101020101" pitchFamily="18" charset="-127"/>
-      <p:regular r:id="rId30"/>
-    </p:embeddedFont>
-    <p:embeddedFont>
       <p:font typeface="맑은 고딕" panose="020B0503020000020004" pitchFamily="50" charset="-127"/>
       <p:regular r:id="rId31"/>
       <p:bold r:id="rId32"/>
-    </p:embeddedFont>
-    <p:embeddedFont>
-      <p:font typeface="08서울한강체 L" panose="02020603020101020101" pitchFamily="18" charset="-127"/>
-      <p:regular r:id="rId33"/>
     </p:embeddedFont>
   </p:embeddedFontLst>
   <p:defaultTextStyle>
@@ -238,7 +231,7 @@
           <a:p>
             <a:fld id="{F41D2574-5E87-4506-AB1E-EF6E478392D6}" type="datetimeFigureOut">
               <a:rPr lang="ko-KR" altLang="en-US" smtClean="0"/>
-              <a:t>2023-12-13</a:t>
+              <a:t>2023-12-14</a:t>
             </a:fld>
             <a:endParaRPr lang="ko-KR" altLang="en-US"/>
           </a:p>
@@ -570,7 +563,7 @@
           <a:p>
             <a:fld id="{13BB38E5-0CA4-4D17-A22C-4A51330378B8}" type="slidenum">
               <a:rPr lang="ko-KR" altLang="en-US" smtClean="0"/>
-              <a:t>18</a:t>
+              <a:t>19</a:t>
             </a:fld>
             <a:endParaRPr lang="ko-KR" altLang="en-US"/>
           </a:p>
@@ -654,7 +647,7 @@
           <a:p>
             <a:fld id="{13BB38E5-0CA4-4D17-A22C-4A51330378B8}" type="slidenum">
               <a:rPr lang="ko-KR" altLang="en-US" smtClean="0"/>
-              <a:t>20</a:t>
+              <a:t>21</a:t>
             </a:fld>
             <a:endParaRPr lang="ko-KR" altLang="en-US"/>
           </a:p>
@@ -738,7 +731,7 @@
           <a:p>
             <a:fld id="{13BB38E5-0CA4-4D17-A22C-4A51330378B8}" type="slidenum">
               <a:rPr lang="ko-KR" altLang="en-US" smtClean="0"/>
-              <a:t>21</a:t>
+              <a:t>22</a:t>
             </a:fld>
             <a:endParaRPr lang="ko-KR" altLang="en-US"/>
           </a:p>
@@ -822,7 +815,7 @@
           <a:p>
             <a:fld id="{13BB38E5-0CA4-4D17-A22C-4A51330378B8}" type="slidenum">
               <a:rPr lang="ko-KR" altLang="en-US" smtClean="0"/>
-              <a:t>22</a:t>
+              <a:t>23</a:t>
             </a:fld>
             <a:endParaRPr lang="ko-KR" altLang="en-US"/>
           </a:p>
@@ -906,7 +899,7 @@
           <a:p>
             <a:fld id="{13BB38E5-0CA4-4D17-A22C-4A51330378B8}" type="slidenum">
               <a:rPr lang="ko-KR" altLang="en-US" smtClean="0"/>
-              <a:t>23</a:t>
+              <a:t>24</a:t>
             </a:fld>
             <a:endParaRPr lang="ko-KR" altLang="en-US"/>
           </a:p>
@@ -990,7 +983,7 @@
           <a:p>
             <a:fld id="{13BB38E5-0CA4-4D17-A22C-4A51330378B8}" type="slidenum">
               <a:rPr lang="ko-KR" altLang="en-US" smtClean="0"/>
-              <a:t>24</a:t>
+              <a:t>25</a:t>
             </a:fld>
             <a:endParaRPr lang="ko-KR" altLang="en-US"/>
           </a:p>
@@ -1074,7 +1067,7 @@
           <a:p>
             <a:fld id="{13BB38E5-0CA4-4D17-A22C-4A51330378B8}" type="slidenum">
               <a:rPr lang="ko-KR" altLang="en-US" smtClean="0"/>
-              <a:t>25</a:t>
+              <a:t>26</a:t>
             </a:fld>
             <a:endParaRPr lang="ko-KR" altLang="en-US"/>
           </a:p>
@@ -1158,7 +1151,7 @@
           <a:p>
             <a:fld id="{13BB38E5-0CA4-4D17-A22C-4A51330378B8}" type="slidenum">
               <a:rPr lang="ko-KR" altLang="en-US" smtClean="0"/>
-              <a:t>26</a:t>
+              <a:t>27</a:t>
             </a:fld>
             <a:endParaRPr lang="ko-KR" altLang="en-US"/>
           </a:p>
@@ -1242,7 +1235,7 @@
           <a:p>
             <a:fld id="{13BB38E5-0CA4-4D17-A22C-4A51330378B8}" type="slidenum">
               <a:rPr lang="ko-KR" altLang="en-US" smtClean="0"/>
-              <a:t>27</a:t>
+              <a:t>28</a:t>
             </a:fld>
             <a:endParaRPr lang="ko-KR" altLang="en-US"/>
           </a:p>
@@ -1390,7 +1383,7 @@
           <a:p>
             <a:fld id="{3999BF0B-04AF-44BE-8B9C-CFA74D4B37F7}" type="datetimeFigureOut">
               <a:rPr lang="ko-KR" altLang="en-US" smtClean="0"/>
-              <a:t>2023-12-13</a:t>
+              <a:t>2023-12-14</a:t>
             </a:fld>
             <a:endParaRPr lang="ko-KR" altLang="en-US"/>
           </a:p>
@@ -1558,7 +1551,7 @@
           <a:p>
             <a:fld id="{3999BF0B-04AF-44BE-8B9C-CFA74D4B37F7}" type="datetimeFigureOut">
               <a:rPr lang="ko-KR" altLang="en-US" smtClean="0"/>
-              <a:t>2023-12-13</a:t>
+              <a:t>2023-12-14</a:t>
             </a:fld>
             <a:endParaRPr lang="ko-KR" altLang="en-US"/>
           </a:p>
@@ -1736,7 +1729,7 @@
           <a:p>
             <a:fld id="{3999BF0B-04AF-44BE-8B9C-CFA74D4B37F7}" type="datetimeFigureOut">
               <a:rPr lang="ko-KR" altLang="en-US" smtClean="0"/>
-              <a:t>2023-12-13</a:t>
+              <a:t>2023-12-14</a:t>
             </a:fld>
             <a:endParaRPr lang="ko-KR" altLang="en-US"/>
           </a:p>
@@ -1904,7 +1897,7 @@
           <a:p>
             <a:fld id="{3999BF0B-04AF-44BE-8B9C-CFA74D4B37F7}" type="datetimeFigureOut">
               <a:rPr lang="ko-KR" altLang="en-US" smtClean="0"/>
-              <a:t>2023-12-13</a:t>
+              <a:t>2023-12-14</a:t>
             </a:fld>
             <a:endParaRPr lang="ko-KR" altLang="en-US"/>
           </a:p>
@@ -2149,7 +2142,7 @@
           <a:p>
             <a:fld id="{3999BF0B-04AF-44BE-8B9C-CFA74D4B37F7}" type="datetimeFigureOut">
               <a:rPr lang="ko-KR" altLang="en-US" smtClean="0"/>
-              <a:t>2023-12-13</a:t>
+              <a:t>2023-12-14</a:t>
             </a:fld>
             <a:endParaRPr lang="ko-KR" altLang="en-US"/>
           </a:p>
@@ -2378,7 +2371,7 @@
           <a:p>
             <a:fld id="{3999BF0B-04AF-44BE-8B9C-CFA74D4B37F7}" type="datetimeFigureOut">
               <a:rPr lang="ko-KR" altLang="en-US" smtClean="0"/>
-              <a:t>2023-12-13</a:t>
+              <a:t>2023-12-14</a:t>
             </a:fld>
             <a:endParaRPr lang="ko-KR" altLang="en-US"/>
           </a:p>
@@ -2742,7 +2735,7 @@
           <a:p>
             <a:fld id="{3999BF0B-04AF-44BE-8B9C-CFA74D4B37F7}" type="datetimeFigureOut">
               <a:rPr lang="ko-KR" altLang="en-US" smtClean="0"/>
-              <a:t>2023-12-13</a:t>
+              <a:t>2023-12-14</a:t>
             </a:fld>
             <a:endParaRPr lang="ko-KR" altLang="en-US"/>
           </a:p>
@@ -2859,7 +2852,7 @@
           <a:p>
             <a:fld id="{3999BF0B-04AF-44BE-8B9C-CFA74D4B37F7}" type="datetimeFigureOut">
               <a:rPr lang="ko-KR" altLang="en-US" smtClean="0"/>
-              <a:t>2023-12-13</a:t>
+              <a:t>2023-12-14</a:t>
             </a:fld>
             <a:endParaRPr lang="ko-KR" altLang="en-US"/>
           </a:p>
@@ -2954,7 +2947,7 @@
           <a:p>
             <a:fld id="{3999BF0B-04AF-44BE-8B9C-CFA74D4B37F7}" type="datetimeFigureOut">
               <a:rPr lang="ko-KR" altLang="en-US" smtClean="0"/>
-              <a:t>2023-12-13</a:t>
+              <a:t>2023-12-14</a:t>
             </a:fld>
             <a:endParaRPr lang="ko-KR" altLang="en-US"/>
           </a:p>
@@ -3229,7 +3222,7 @@
           <a:p>
             <a:fld id="{3999BF0B-04AF-44BE-8B9C-CFA74D4B37F7}" type="datetimeFigureOut">
               <a:rPr lang="ko-KR" altLang="en-US" smtClean="0"/>
-              <a:t>2023-12-13</a:t>
+              <a:t>2023-12-14</a:t>
             </a:fld>
             <a:endParaRPr lang="ko-KR" altLang="en-US"/>
           </a:p>
@@ -3481,7 +3474,7 @@
           <a:p>
             <a:fld id="{3999BF0B-04AF-44BE-8B9C-CFA74D4B37F7}" type="datetimeFigureOut">
               <a:rPr lang="ko-KR" altLang="en-US" smtClean="0"/>
-              <a:t>2023-12-13</a:t>
+              <a:t>2023-12-14</a:t>
             </a:fld>
             <a:endParaRPr lang="ko-KR" altLang="en-US"/>
           </a:p>
@@ -3692,7 +3685,7 @@
           <a:p>
             <a:fld id="{3999BF0B-04AF-44BE-8B9C-CFA74D4B37F7}" type="datetimeFigureOut">
               <a:rPr lang="ko-KR" altLang="en-US" smtClean="0"/>
-              <a:t>2023-12-13</a:t>
+              <a:t>2023-12-14</a:t>
             </a:fld>
             <a:endParaRPr lang="ko-KR" altLang="en-US"/>
           </a:p>
@@ -4416,6 +4409,758 @@
                 <a:latin typeface="08서울한강체 L" panose="02020603020101020101" pitchFamily="18" charset="-127"/>
                 <a:ea typeface="08서울한강체 L" panose="02020603020101020101" pitchFamily="18" charset="-127"/>
               </a:rPr>
+              <a:t>04</a:t>
+            </a:r>
+            <a:endParaRPr lang="ko-KR" altLang="en-US" sz="4400" dirty="0">
+              <a:solidFill>
+                <a:schemeClr val="bg1"/>
+              </a:solidFill>
+              <a:latin typeface="08서울한강체 L" panose="02020603020101020101" pitchFamily="18" charset="-127"/>
+              <a:ea typeface="08서울한강체 L" panose="02020603020101020101" pitchFamily="18" charset="-127"/>
+            </a:endParaRPr>
+          </a:p>
+        </p:txBody>
+      </p:sp>
+      <p:sp>
+        <p:nvSpPr>
+          <p:cNvPr id="6" name="TextBox 5"/>
+          <p:cNvSpPr txBox="1"/>
+          <p:nvPr/>
+        </p:nvSpPr>
+        <p:spPr>
+          <a:xfrm>
+            <a:off x="951803" y="96291"/>
+            <a:ext cx="1409360" cy="461665"/>
+          </a:xfrm>
+          <a:prstGeom prst="rect">
+            <a:avLst/>
+          </a:prstGeom>
+          <a:noFill/>
+        </p:spPr>
+        <p:txBody>
+          <a:bodyPr wrap="none" rtlCol="0">
+            <a:spAutoFit/>
+          </a:bodyPr>
+          <a:lstStyle/>
+          <a:p>
+            <a:r>
+              <a:rPr lang="ko-KR" altLang="en-US" sz="2400" dirty="0">
+                <a:solidFill>
+                  <a:srgbClr val="A2272C"/>
+                </a:solidFill>
+                <a:latin typeface="08서울한강체 L" panose="02020603020101020101" pitchFamily="18" charset="-127"/>
+                <a:ea typeface="08서울한강체 L" panose="02020603020101020101" pitchFamily="18" charset="-127"/>
+              </a:rPr>
+              <a:t>개발 환경</a:t>
+            </a:r>
+          </a:p>
+        </p:txBody>
+      </p:sp>
+      <p:pic>
+        <p:nvPicPr>
+          <p:cNvPr id="14" name="그림 13" descr="Swit - Google Play 앱">
+            <a:extLst>
+              <a:ext uri="{FF2B5EF4-FFF2-40B4-BE49-F238E27FC236}">
+                <a16:creationId xmlns:a16="http://schemas.microsoft.com/office/drawing/2014/main" id="{A33C1349-E6F7-A6B0-C481-1E5CF8F1B4FA}"/>
+              </a:ext>
+            </a:extLst>
+          </p:cNvPr>
+          <p:cNvPicPr>
+            <a:picLocks noChangeAspect="1"/>
+          </p:cNvPicPr>
+          <p:nvPr/>
+        </p:nvPicPr>
+        <p:blipFill>
+          <a:blip r:embed="rId2"/>
+          <a:stretch>
+            <a:fillRect/>
+          </a:stretch>
+        </p:blipFill>
+        <p:spPr>
+          <a:xfrm>
+            <a:off x="3089634" y="4180958"/>
+            <a:ext cx="1277545" cy="1263658"/>
+          </a:xfrm>
+          <a:prstGeom prst="rect">
+            <a:avLst/>
+          </a:prstGeom>
+        </p:spPr>
+      </p:pic>
+      <p:pic>
+        <p:nvPicPr>
+          <p:cNvPr id="15" name="Picture 2" descr="i0.wp.com/d15haboszopus7.cloudfront.net/wp-cont..."/>
+          <p:cNvPicPr>
+            <a:picLocks noChangeAspect="1" noChangeArrowheads="1"/>
+          </p:cNvPicPr>
+          <p:nvPr/>
+        </p:nvPicPr>
+        <p:blipFill>
+          <a:blip r:embed="rId3" cstate="print">
+            <a:extLst>
+              <a:ext uri="{28A0092B-C50C-407E-A947-70E740481C1C}">
+                <a14:useLocalDpi xmlns:a14="http://schemas.microsoft.com/office/drawing/2010/main" val="0"/>
+              </a:ext>
+            </a:extLst>
+          </a:blip>
+          <a:srcRect/>
+          <a:stretch>
+            <a:fillRect/>
+          </a:stretch>
+        </p:blipFill>
+        <p:spPr bwMode="auto">
+          <a:xfrm>
+            <a:off x="7641974" y="4392775"/>
+            <a:ext cx="949677" cy="949677"/>
+          </a:xfrm>
+          <a:prstGeom prst="rect">
+            <a:avLst/>
+          </a:prstGeom>
+          <a:noFill/>
+          <a:extLst>
+            <a:ext uri="{909E8E84-426E-40DD-AFC4-6F175D3DCCD1}">
+              <a14:hiddenFill xmlns:a14="http://schemas.microsoft.com/office/drawing/2010/main">
+                <a:solidFill>
+                  <a:srgbClr val="FFFFFF"/>
+                </a:solidFill>
+              </a14:hiddenFill>
+            </a:ext>
+          </a:extLst>
+        </p:spPr>
+      </p:pic>
+      <p:pic>
+        <p:nvPicPr>
+          <p:cNvPr id="16" name="Picture 2" descr="https://cdn.discordapp.com/attachments/1124642447922827336/1168172392170922004/mf4PMrVqvy9KVUQAAAAASUVORK5CYII.png?ex=6550cc51&amp;is=653e5751&amp;hm=960c21fd45c1af4e93c402b439d31f5b70b5c5b3f3dda7a021e80394fc6de043&amp;"/>
+          <p:cNvPicPr>
+            <a:picLocks noChangeAspect="1" noChangeArrowheads="1"/>
+          </p:cNvPicPr>
+          <p:nvPr/>
+        </p:nvPicPr>
+        <p:blipFill>
+          <a:blip r:embed="rId4" cstate="print">
+            <a:extLst>
+              <a:ext uri="{28A0092B-C50C-407E-A947-70E740481C1C}">
+                <a14:useLocalDpi xmlns:a14="http://schemas.microsoft.com/office/drawing/2010/main" val="0"/>
+              </a:ext>
+            </a:extLst>
+          </a:blip>
+          <a:srcRect/>
+          <a:stretch>
+            <a:fillRect/>
+          </a:stretch>
+        </p:blipFill>
+        <p:spPr bwMode="auto">
+          <a:xfrm>
+            <a:off x="1081551" y="4333751"/>
+            <a:ext cx="1008701" cy="1008701"/>
+          </a:xfrm>
+          <a:prstGeom prst="rect">
+            <a:avLst/>
+          </a:prstGeom>
+          <a:noFill/>
+          <a:extLst>
+            <a:ext uri="{909E8E84-426E-40DD-AFC4-6F175D3DCCD1}">
+              <a14:hiddenFill xmlns:a14="http://schemas.microsoft.com/office/drawing/2010/main">
+                <a:solidFill>
+                  <a:srgbClr val="FFFFFF"/>
+                </a:solidFill>
+              </a14:hiddenFill>
+            </a:ext>
+          </a:extLst>
+        </p:spPr>
+      </p:pic>
+      <p:sp>
+        <p:nvSpPr>
+          <p:cNvPr id="17" name="직사각형 16">
+            <a:extLst>
+              <a:ext uri="{FF2B5EF4-FFF2-40B4-BE49-F238E27FC236}">
+                <a16:creationId xmlns:a16="http://schemas.microsoft.com/office/drawing/2014/main" id="{29A2099B-F19F-4235-B59B-48EB888DA1AD}"/>
+              </a:ext>
+            </a:extLst>
+          </p:cNvPr>
+          <p:cNvSpPr/>
+          <p:nvPr/>
+        </p:nvSpPr>
+        <p:spPr>
+          <a:xfrm>
+            <a:off x="887687" y="5278390"/>
+            <a:ext cx="1396427" cy="400110"/>
+          </a:xfrm>
+          <a:prstGeom prst="rect">
+            <a:avLst/>
+          </a:prstGeom>
+        </p:spPr>
+        <p:txBody>
+          <a:bodyPr wrap="square">
+            <a:spAutoFit/>
+          </a:bodyPr>
+          <a:lstStyle/>
+          <a:p>
+            <a:pPr algn="ctr">
+              <a:defRPr lang="ko-KR" altLang="en-US"/>
+            </a:pPr>
+            <a:r>
+              <a:rPr lang="en-US" altLang="ko-KR" sz="2000" dirty="0">
+                <a:ln w="9525">
+                  <a:solidFill>
+                    <a:schemeClr val="bg1">
+                      <a:lumMod val="65000"/>
+                      <a:alpha val="0"/>
+                    </a:schemeClr>
+                  </a:solidFill>
+                </a:ln>
+                <a:latin typeface="08서울한강체 L" panose="02020603020101020101" pitchFamily="18" charset="-127"/>
+                <a:ea typeface="08서울한강체 L" panose="02020603020101020101" pitchFamily="18" charset="-127"/>
+              </a:rPr>
+              <a:t>3Ds Max</a:t>
+            </a:r>
+            <a:endParaRPr lang="ko-KR" altLang="en-US" sz="2000" dirty="0">
+              <a:ln w="9525">
+                <a:solidFill>
+                  <a:schemeClr val="bg1">
+                    <a:lumMod val="65000"/>
+                    <a:alpha val="0"/>
+                  </a:schemeClr>
+                </a:solidFill>
+              </a:ln>
+              <a:latin typeface="08서울한강체 L" panose="02020603020101020101" pitchFamily="18" charset="-127"/>
+              <a:ea typeface="08서울한강체 L" panose="02020603020101020101" pitchFamily="18" charset="-127"/>
+            </a:endParaRPr>
+          </a:p>
+        </p:txBody>
+      </p:sp>
+      <p:sp>
+        <p:nvSpPr>
+          <p:cNvPr id="21" name="직사각형 20"/>
+          <p:cNvSpPr/>
+          <p:nvPr/>
+        </p:nvSpPr>
+        <p:spPr>
+          <a:xfrm>
+            <a:off x="5384697" y="5342452"/>
+            <a:ext cx="1155173" cy="400110"/>
+          </a:xfrm>
+          <a:prstGeom prst="rect">
+            <a:avLst/>
+          </a:prstGeom>
+        </p:spPr>
+        <p:txBody>
+          <a:bodyPr wrap="square">
+            <a:spAutoFit/>
+          </a:bodyPr>
+          <a:lstStyle/>
+          <a:p>
+            <a:pPr algn="ctr">
+              <a:defRPr lang="ko-KR" altLang="en-US"/>
+            </a:pPr>
+            <a:r>
+              <a:rPr lang="en-US" altLang="ko-KR" sz="2000" dirty="0">
+                <a:ln w="9525">
+                  <a:solidFill>
+                    <a:schemeClr val="bg1">
+                      <a:lumMod val="65000"/>
+                      <a:alpha val="0"/>
+                    </a:schemeClr>
+                  </a:solidFill>
+                </a:ln>
+                <a:latin typeface="08서울한강체 L" panose="02020603020101020101" pitchFamily="18" charset="-127"/>
+                <a:ea typeface="08서울한강체 L" panose="02020603020101020101" pitchFamily="18" charset="-127"/>
+              </a:rPr>
+              <a:t>GitHub</a:t>
+            </a:r>
+            <a:endParaRPr lang="ko-KR" altLang="en-US" sz="2000" dirty="0">
+              <a:ln w="9525">
+                <a:solidFill>
+                  <a:schemeClr val="bg1">
+                    <a:lumMod val="65000"/>
+                    <a:alpha val="0"/>
+                  </a:schemeClr>
+                </a:solidFill>
+              </a:ln>
+              <a:latin typeface="08서울한강체 L" panose="02020603020101020101" pitchFamily="18" charset="-127"/>
+              <a:ea typeface="08서울한강체 L" panose="02020603020101020101" pitchFamily="18" charset="-127"/>
+            </a:endParaRPr>
+          </a:p>
+        </p:txBody>
+      </p:sp>
+      <p:grpSp>
+        <p:nvGrpSpPr>
+          <p:cNvPr id="22" name="그룹 21"/>
+          <p:cNvGrpSpPr/>
+          <p:nvPr/>
+        </p:nvGrpSpPr>
+        <p:grpSpPr>
+          <a:xfrm>
+            <a:off x="5147303" y="1722920"/>
+            <a:ext cx="1629960" cy="1805216"/>
+            <a:chOff x="4970345" y="1662163"/>
+            <a:chExt cx="939577" cy="1040602"/>
+          </a:xfrm>
+        </p:grpSpPr>
+        <p:sp>
+          <p:nvSpPr>
+            <p:cNvPr id="23" name="직사각형 22">
+              <a:extLst>
+                <a:ext uri="{FF2B5EF4-FFF2-40B4-BE49-F238E27FC236}">
+                  <a16:creationId xmlns:a16="http://schemas.microsoft.com/office/drawing/2014/main" id="{5DAA2B23-A0BF-449A-B421-78EFB7039076}"/>
+                </a:ext>
+              </a:extLst>
+            </p:cNvPr>
+            <p:cNvSpPr/>
+            <p:nvPr/>
+          </p:nvSpPr>
+          <p:spPr>
+            <a:xfrm>
+              <a:off x="4970345" y="2472125"/>
+              <a:ext cx="939577" cy="230640"/>
+            </a:xfrm>
+            <a:prstGeom prst="rect">
+              <a:avLst/>
+            </a:prstGeom>
+          </p:spPr>
+          <p:txBody>
+            <a:bodyPr wrap="square">
+              <a:spAutoFit/>
+            </a:bodyPr>
+            <a:lstStyle/>
+            <a:p>
+              <a:pPr algn="ctr">
+                <a:defRPr lang="ko-KR" altLang="en-US"/>
+              </a:pPr>
+              <a:r>
+                <a:rPr lang="en-US" altLang="ko-KR" sz="2000" dirty="0">
+                  <a:ln w="9525">
+                    <a:solidFill>
+                      <a:schemeClr val="bg1">
+                        <a:lumMod val="65000"/>
+                        <a:alpha val="0"/>
+                      </a:schemeClr>
+                    </a:solidFill>
+                  </a:ln>
+                  <a:latin typeface="08서울한강체 L" panose="02020603020101020101" pitchFamily="18" charset="-127"/>
+                  <a:ea typeface="08서울한강체 L" panose="02020603020101020101" pitchFamily="18" charset="-127"/>
+                </a:rPr>
+                <a:t>Unity</a:t>
+              </a:r>
+              <a:endParaRPr lang="ko-KR" altLang="en-US" sz="2000" dirty="0">
+                <a:ln w="9525">
+                  <a:solidFill>
+                    <a:schemeClr val="bg1">
+                      <a:lumMod val="65000"/>
+                      <a:alpha val="0"/>
+                    </a:schemeClr>
+                  </a:solidFill>
+                </a:ln>
+                <a:latin typeface="08서울한강체 L" panose="02020603020101020101" pitchFamily="18" charset="-127"/>
+                <a:ea typeface="08서울한강체 L" panose="02020603020101020101" pitchFamily="18" charset="-127"/>
+              </a:endParaRPr>
+            </a:p>
+          </p:txBody>
+        </p:sp>
+        <p:pic>
+          <p:nvPicPr>
+            <p:cNvPr id="24" name="Picture 2" descr="https://cdn.discordapp.com/attachments/1124642447922827336/1168171988263653497/wzdlLGb469AfjaUs0dK0cw4P6DnZGh5Hckap0QuMUxSNNdNaYq1VKrtdPtI87y2g5kfZezG6L76WUUjCIIgCIIgCIIgCIIgCIIgCIIgCIIgCIKog38JN6zRZmEMiAAAAABJRU5ErkJggg.png?ex=6550cbf1&amp;is=653e56f1&amp;hm=e493f5f09fe8ca6dcb1954a32838357714b4c2b37d5b60980967ea2d1964196b&amp;"/>
+            <p:cNvPicPr>
+              <a:picLocks noChangeAspect="1" noChangeArrowheads="1"/>
+            </p:cNvPicPr>
+            <p:nvPr/>
+          </p:nvPicPr>
+          <p:blipFill>
+            <a:blip r:embed="rId5" cstate="print">
+              <a:extLst>
+                <a:ext uri="{28A0092B-C50C-407E-A947-70E740481C1C}">
+                  <a14:useLocalDpi xmlns:a14="http://schemas.microsoft.com/office/drawing/2010/main" val="0"/>
+                </a:ext>
+              </a:extLst>
+            </a:blip>
+            <a:srcRect/>
+            <a:stretch>
+              <a:fillRect/>
+            </a:stretch>
+          </p:blipFill>
+          <p:spPr bwMode="auto">
+            <a:xfrm>
+              <a:off x="5094953" y="1662163"/>
+              <a:ext cx="714133" cy="714133"/>
+            </a:xfrm>
+            <a:prstGeom prst="rect">
+              <a:avLst/>
+            </a:prstGeom>
+            <a:noFill/>
+            <a:extLst>
+              <a:ext uri="{909E8E84-426E-40DD-AFC4-6F175D3DCCD1}">
+                <a14:hiddenFill xmlns:a14="http://schemas.microsoft.com/office/drawing/2010/main">
+                  <a:solidFill>
+                    <a:srgbClr val="FFFFFF"/>
+                  </a:solidFill>
+                </a14:hiddenFill>
+              </a:ext>
+            </a:extLst>
+          </p:spPr>
+        </p:pic>
+      </p:grpSp>
+      <p:pic>
+        <p:nvPicPr>
+          <p:cNvPr id="25" name="Picture 4" descr="https://cdn.discordapp.com/attachments/1124642447922827336/1168172262218805348/1200px-Font_Awesome_5_brands_github.png?ex=6550cc32&amp;is=653e5732&amp;hm=fac2ade85ca7928e780e1caffe3a94bcfc7f89ab150e0e2a0353a0207b34b86e&amp;"/>
+          <p:cNvPicPr>
+            <a:picLocks noChangeAspect="1" noChangeArrowheads="1"/>
+          </p:cNvPicPr>
+          <p:nvPr/>
+        </p:nvPicPr>
+        <p:blipFill>
+          <a:blip r:embed="rId6" cstate="print">
+            <a:extLst>
+              <a:ext uri="{28A0092B-C50C-407E-A947-70E740481C1C}">
+                <a14:useLocalDpi xmlns:a14="http://schemas.microsoft.com/office/drawing/2010/main" val="0"/>
+              </a:ext>
+            </a:extLst>
+          </a:blip>
+          <a:srcRect/>
+          <a:stretch>
+            <a:fillRect/>
+          </a:stretch>
+        </p:blipFill>
+        <p:spPr bwMode="auto">
+          <a:xfrm>
+            <a:off x="5581989" y="4418756"/>
+            <a:ext cx="760588" cy="785307"/>
+          </a:xfrm>
+          <a:prstGeom prst="rect">
+            <a:avLst/>
+          </a:prstGeom>
+          <a:noFill/>
+          <a:extLst>
+            <a:ext uri="{909E8E84-426E-40DD-AFC4-6F175D3DCCD1}">
+              <a14:hiddenFill xmlns:a14="http://schemas.microsoft.com/office/drawing/2010/main">
+                <a:solidFill>
+                  <a:srgbClr val="FFFFFF"/>
+                </a:solidFill>
+              </a14:hiddenFill>
+            </a:ext>
+          </a:extLst>
+        </p:spPr>
+      </p:pic>
+      <p:sp>
+        <p:nvSpPr>
+          <p:cNvPr id="26" name="직사각형 25">
+            <a:extLst>
+              <a:ext uri="{FF2B5EF4-FFF2-40B4-BE49-F238E27FC236}">
+                <a16:creationId xmlns:a16="http://schemas.microsoft.com/office/drawing/2014/main" id="{29A2099B-F19F-4235-B59B-48EB888DA1AD}"/>
+              </a:ext>
+            </a:extLst>
+          </p:cNvPr>
+          <p:cNvSpPr/>
+          <p:nvPr/>
+        </p:nvSpPr>
+        <p:spPr>
+          <a:xfrm>
+            <a:off x="3315271" y="5295469"/>
+            <a:ext cx="824757" cy="400110"/>
+          </a:xfrm>
+          <a:prstGeom prst="rect">
+            <a:avLst/>
+          </a:prstGeom>
+        </p:spPr>
+        <p:txBody>
+          <a:bodyPr wrap="square" lIns="91440" tIns="45720" rIns="91440" bIns="45720" anchor="t">
+            <a:spAutoFit/>
+          </a:bodyPr>
+          <a:lstStyle/>
+          <a:p>
+            <a:pPr algn="ctr">
+              <a:defRPr lang="ko-KR" altLang="en-US"/>
+            </a:pPr>
+            <a:r>
+              <a:rPr lang="en-US" altLang="ko-KR" sz="2000" dirty="0" err="1">
+                <a:ln w="9525">
+                  <a:solidFill>
+                    <a:schemeClr val="bg1">
+                      <a:lumMod val="65000"/>
+                      <a:alpha val="0"/>
+                    </a:schemeClr>
+                  </a:solidFill>
+                </a:ln>
+                <a:latin typeface="08서울한강체 L" panose="02020603020101020101" pitchFamily="18" charset="-127"/>
+                <a:ea typeface="08서울한강체 L" panose="02020603020101020101" pitchFamily="18" charset="-127"/>
+              </a:rPr>
+              <a:t>Swit</a:t>
+            </a:r>
+            <a:endParaRPr lang="ko-KR" dirty="0" err="1">
+              <a:latin typeface="08서울한강체 L" panose="02020603020101020101" pitchFamily="18" charset="-127"/>
+              <a:ea typeface="08서울한강체 L" panose="02020603020101020101" pitchFamily="18" charset="-127"/>
+            </a:endParaRPr>
+          </a:p>
+        </p:txBody>
+      </p:sp>
+      <p:sp>
+        <p:nvSpPr>
+          <p:cNvPr id="27" name="직사각형 26">
+            <a:extLst>
+              <a:ext uri="{FF2B5EF4-FFF2-40B4-BE49-F238E27FC236}">
+                <a16:creationId xmlns:a16="http://schemas.microsoft.com/office/drawing/2014/main" id="{29A2099B-F19F-4235-B59B-48EB888DA1AD}"/>
+              </a:ext>
+            </a:extLst>
+          </p:cNvPr>
+          <p:cNvSpPr/>
+          <p:nvPr/>
+        </p:nvSpPr>
+        <p:spPr>
+          <a:xfrm>
+            <a:off x="7557388" y="5309655"/>
+            <a:ext cx="1172266" cy="400110"/>
+          </a:xfrm>
+          <a:prstGeom prst="rect">
+            <a:avLst/>
+          </a:prstGeom>
+        </p:spPr>
+        <p:txBody>
+          <a:bodyPr wrap="square">
+            <a:spAutoFit/>
+          </a:bodyPr>
+          <a:lstStyle/>
+          <a:p>
+            <a:pPr algn="ctr">
+              <a:defRPr lang="ko-KR" altLang="en-US"/>
+            </a:pPr>
+            <a:r>
+              <a:rPr lang="en-US" altLang="ko-KR" sz="2000" dirty="0" err="1">
+                <a:ln w="9525">
+                  <a:solidFill>
+                    <a:schemeClr val="bg1">
+                      <a:lumMod val="65000"/>
+                      <a:alpha val="0"/>
+                    </a:schemeClr>
+                  </a:solidFill>
+                </a:ln>
+                <a:latin typeface="08서울한강체 L" panose="02020603020101020101" pitchFamily="18" charset="-127"/>
+                <a:ea typeface="08서울한강체 L" panose="02020603020101020101" pitchFamily="18" charset="-127"/>
+              </a:rPr>
+              <a:t>ZBrush</a:t>
+            </a:r>
+            <a:endParaRPr lang="ko-KR" altLang="en-US" sz="2000" dirty="0">
+              <a:ln w="9525">
+                <a:solidFill>
+                  <a:schemeClr val="bg1">
+                    <a:lumMod val="65000"/>
+                    <a:alpha val="0"/>
+                  </a:schemeClr>
+                </a:solidFill>
+              </a:ln>
+              <a:latin typeface="08서울한강체 L" panose="02020603020101020101" pitchFamily="18" charset="-127"/>
+              <a:ea typeface="08서울한강체 L" panose="02020603020101020101" pitchFamily="18" charset="-127"/>
+            </a:endParaRPr>
+          </a:p>
+        </p:txBody>
+      </p:sp>
+      <p:sp>
+        <p:nvSpPr>
+          <p:cNvPr id="28" name="직사각형 27">
+            <a:extLst>
+              <a:ext uri="{FF2B5EF4-FFF2-40B4-BE49-F238E27FC236}">
+                <a16:creationId xmlns:a16="http://schemas.microsoft.com/office/drawing/2014/main" id="{29A2099B-F19F-4235-B59B-48EB888DA1AD}"/>
+              </a:ext>
+            </a:extLst>
+          </p:cNvPr>
+          <p:cNvSpPr/>
+          <p:nvPr/>
+        </p:nvSpPr>
+        <p:spPr>
+          <a:xfrm>
+            <a:off x="9748462" y="5286249"/>
+            <a:ext cx="1172266" cy="707886"/>
+          </a:xfrm>
+          <a:prstGeom prst="rect">
+            <a:avLst/>
+          </a:prstGeom>
+        </p:spPr>
+        <p:txBody>
+          <a:bodyPr wrap="square">
+            <a:spAutoFit/>
+          </a:bodyPr>
+          <a:lstStyle/>
+          <a:p>
+            <a:pPr algn="ctr">
+              <a:defRPr lang="ko-KR" altLang="en-US"/>
+            </a:pPr>
+            <a:r>
+              <a:rPr lang="en-US" altLang="ko-KR" sz="2000" dirty="0">
+                <a:ln w="9525">
+                  <a:solidFill>
+                    <a:schemeClr val="bg1">
+                      <a:lumMod val="65000"/>
+                      <a:alpha val="0"/>
+                    </a:schemeClr>
+                  </a:solidFill>
+                </a:ln>
+                <a:latin typeface="08서울한강체 L" panose="02020603020101020101" pitchFamily="18" charset="-127"/>
+                <a:ea typeface="08서울한강체 L" panose="02020603020101020101" pitchFamily="18" charset="-127"/>
+              </a:rPr>
+              <a:t>Visual Studio</a:t>
+            </a:r>
+            <a:endParaRPr lang="ko-KR" altLang="en-US" sz="2000" dirty="0">
+              <a:ln w="9525">
+                <a:solidFill>
+                  <a:schemeClr val="bg1">
+                    <a:lumMod val="65000"/>
+                    <a:alpha val="0"/>
+                  </a:schemeClr>
+                </a:solidFill>
+              </a:ln>
+              <a:latin typeface="08서울한강체 L" panose="02020603020101020101" pitchFamily="18" charset="-127"/>
+              <a:ea typeface="08서울한강체 L" panose="02020603020101020101" pitchFamily="18" charset="-127"/>
+            </a:endParaRPr>
+          </a:p>
+        </p:txBody>
+      </p:sp>
+      <p:pic>
+        <p:nvPicPr>
+          <p:cNvPr id="29" name="Picture 2" descr="https://cdn.discordapp.com/attachments/1124642447922827336/1168172811903316009/Product-Icon.png?ex=656341b5&amp;is=6550ccb5&amp;hm=7bd0f68e5fea7099ff044f6530889fe51d86ce81abb50196defc5e6cda32e614&amp;"/>
+          <p:cNvPicPr>
+            <a:picLocks noChangeAspect="1" noChangeArrowheads="1"/>
+          </p:cNvPicPr>
+          <p:nvPr/>
+        </p:nvPicPr>
+        <p:blipFill>
+          <a:blip r:embed="rId7">
+            <a:extLst>
+              <a:ext uri="{28A0092B-C50C-407E-A947-70E740481C1C}">
+                <a14:useLocalDpi xmlns:a14="http://schemas.microsoft.com/office/drawing/2010/main" val="0"/>
+              </a:ext>
+            </a:extLst>
+          </a:blip>
+          <a:srcRect/>
+          <a:stretch>
+            <a:fillRect/>
+          </a:stretch>
+        </p:blipFill>
+        <p:spPr bwMode="auto">
+          <a:xfrm>
+            <a:off x="9891048" y="4367863"/>
+            <a:ext cx="887094" cy="887094"/>
+          </a:xfrm>
+          <a:prstGeom prst="rect">
+            <a:avLst/>
+          </a:prstGeom>
+          <a:noFill/>
+          <a:extLst>
+            <a:ext uri="{909E8E84-426E-40DD-AFC4-6F175D3DCCD1}">
+              <a14:hiddenFill xmlns:a14="http://schemas.microsoft.com/office/drawing/2010/main">
+                <a:solidFill>
+                  <a:srgbClr val="FFFFFF"/>
+                </a:solidFill>
+              </a14:hiddenFill>
+            </a:ext>
+          </a:extLst>
+        </p:spPr>
+      </p:pic>
+    </p:spTree>
+    <p:extLst>
+      <p:ext uri="{BB962C8B-B14F-4D97-AF65-F5344CB8AC3E}">
+        <p14:creationId xmlns:p14="http://schemas.microsoft.com/office/powerpoint/2010/main" val="1795576191"/>
+      </p:ext>
+    </p:extLst>
+  </p:cSld>
+  <p:clrMapOvr>
+    <a:masterClrMapping/>
+  </p:clrMapOvr>
+</p:sld>
+</file>
+
+<file path=ppt/slides/slide11.xml><?xml version="1.0" encoding="utf-8"?>
+<p:sld xmlns:a="http://schemas.openxmlformats.org/drawingml/2006/main" xmlns:r="http://schemas.openxmlformats.org/officeDocument/2006/relationships" xmlns:p="http://schemas.openxmlformats.org/presentationml/2006/main">
+  <p:cSld>
+    <p:spTree>
+      <p:nvGrpSpPr>
+        <p:cNvPr id="1" name=""/>
+        <p:cNvGrpSpPr/>
+        <p:nvPr/>
+      </p:nvGrpSpPr>
+      <p:grpSpPr>
+        <a:xfrm>
+          <a:off x="0" y="0"/>
+          <a:ext cx="0" cy="0"/>
+          <a:chOff x="0" y="0"/>
+          <a:chExt cx="0" cy="0"/>
+        </a:xfrm>
+      </p:grpSpPr>
+      <p:sp>
+        <p:nvSpPr>
+          <p:cNvPr id="4" name="직사각형 3"/>
+          <p:cNvSpPr/>
+          <p:nvPr/>
+        </p:nvSpPr>
+        <p:spPr>
+          <a:xfrm>
+            <a:off x="0" y="0"/>
+            <a:ext cx="904875" cy="904875"/>
+          </a:xfrm>
+          <a:prstGeom prst="rect">
+            <a:avLst/>
+          </a:prstGeom>
+          <a:solidFill>
+            <a:srgbClr val="A2272C"/>
+          </a:solidFill>
+          <a:ln>
+            <a:noFill/>
+          </a:ln>
+        </p:spPr>
+        <p:style>
+          <a:lnRef idx="2">
+            <a:schemeClr val="accent1">
+              <a:shade val="50000"/>
+            </a:schemeClr>
+          </a:lnRef>
+          <a:fillRef idx="1">
+            <a:schemeClr val="accent1"/>
+          </a:fillRef>
+          <a:effectRef idx="0">
+            <a:schemeClr val="accent1"/>
+          </a:effectRef>
+          <a:fontRef idx="minor">
+            <a:schemeClr val="lt1"/>
+          </a:fontRef>
+        </p:style>
+        <p:txBody>
+          <a:bodyPr rtlCol="0" anchor="ctr"/>
+          <a:lstStyle/>
+          <a:p>
+            <a:pPr algn="ctr"/>
+            <a:endParaRPr lang="ko-KR" altLang="en-US" dirty="0">
+              <a:latin typeface="08서울한강체 L" panose="02020603020101020101" pitchFamily="18" charset="-127"/>
+              <a:ea typeface="08서울한강체 L" panose="02020603020101020101" pitchFamily="18" charset="-127"/>
+            </a:endParaRPr>
+          </a:p>
+        </p:txBody>
+      </p:sp>
+      <p:sp>
+        <p:nvSpPr>
+          <p:cNvPr id="5" name="TextBox 4"/>
+          <p:cNvSpPr txBox="1"/>
+          <p:nvPr/>
+        </p:nvSpPr>
+        <p:spPr>
+          <a:xfrm>
+            <a:off x="101440" y="67716"/>
+            <a:ext cx="748923" cy="769441"/>
+          </a:xfrm>
+          <a:prstGeom prst="rect">
+            <a:avLst/>
+          </a:prstGeom>
+          <a:noFill/>
+        </p:spPr>
+        <p:txBody>
+          <a:bodyPr wrap="none" rtlCol="0">
+            <a:spAutoFit/>
+          </a:bodyPr>
+          <a:lstStyle/>
+          <a:p>
+            <a:r>
+              <a:rPr lang="en-US" altLang="ko-KR" sz="4400" dirty="0">
+                <a:solidFill>
+                  <a:schemeClr val="bg1"/>
+                </a:solidFill>
+                <a:latin typeface="08서울한강체 L" panose="02020603020101020101" pitchFamily="18" charset="-127"/>
+                <a:ea typeface="08서울한강체 L" panose="02020603020101020101" pitchFamily="18" charset="-127"/>
+              </a:rPr>
               <a:t>05</a:t>
             </a:r>
             <a:endParaRPr lang="ko-KR" altLang="en-US" sz="4400" dirty="0">
@@ -4843,7 +5588,7 @@
 </p:sld>
 </file>
 
-<file path=ppt/slides/slide11.xml><?xml version="1.0" encoding="utf-8"?>
+<file path=ppt/slides/slide12.xml><?xml version="1.0" encoding="utf-8"?>
 <p:sld xmlns:a="http://schemas.openxmlformats.org/drawingml/2006/main" xmlns:r="http://schemas.openxmlformats.org/officeDocument/2006/relationships" xmlns:p="http://schemas.openxmlformats.org/presentationml/2006/main">
   <p:cSld>
     <p:spTree>
@@ -6072,7 +6817,7 @@
 </p:sld>
 </file>
 
-<file path=ppt/slides/slide12.xml><?xml version="1.0" encoding="utf-8"?>
+<file path=ppt/slides/slide13.xml><?xml version="1.0" encoding="utf-8"?>
 <p:sld xmlns:a="http://schemas.openxmlformats.org/drawingml/2006/main" xmlns:r="http://schemas.openxmlformats.org/officeDocument/2006/relationships" xmlns:p="http://schemas.openxmlformats.org/presentationml/2006/main">
   <p:cSld>
     <p:spTree>
@@ -6435,7 +7180,7 @@
 </p:sld>
 </file>
 
-<file path=ppt/slides/slide13.xml><?xml version="1.0" encoding="utf-8"?>
+<file path=ppt/slides/slide14.xml><?xml version="1.0" encoding="utf-8"?>
 <p:sld xmlns:a="http://schemas.openxmlformats.org/drawingml/2006/main" xmlns:r="http://schemas.openxmlformats.org/officeDocument/2006/relationships" xmlns:p="http://schemas.openxmlformats.org/presentationml/2006/main">
   <p:cSld>
     <p:spTree>
@@ -6993,7 +7738,7 @@
         <p:fade/>
       </p:transition>
     </mc:Choice>
-    <mc:Fallback xmlns="" xmlns:c="http://schemas.openxmlformats.org/drawingml/2006/chart" xmlns:dgm="http://schemas.openxmlformats.org/drawingml/2006/diagram" xmlns:dsp="http://schemas.microsoft.com/office/drawing/2008/diagram">
+    <mc:Fallback xmlns:dsp="http://schemas.microsoft.com/office/drawing/2008/diagram" xmlns:dgm="http://schemas.openxmlformats.org/drawingml/2006/diagram" xmlns:c="http://schemas.openxmlformats.org/drawingml/2006/chart" xmlns="">
       <p:transition xmlns:mc="http://schemas.openxmlformats.org/markup-compatibility/2006" xmlns:hp="http://schemas.haansoft.com/office/presentation/8.0" mc:Ignorable="hp" hp:hslDur="700">
         <p:fade/>
       </p:transition>
@@ -7002,7 +7747,7 @@
 </p:sld>
 </file>
 
-<file path=ppt/slides/slide14.xml><?xml version="1.0" encoding="utf-8"?>
+<file path=ppt/slides/slide15.xml><?xml version="1.0" encoding="utf-8"?>
 <p:sld xmlns:a="http://schemas.openxmlformats.org/drawingml/2006/main" xmlns:r="http://schemas.openxmlformats.org/officeDocument/2006/relationships" xmlns:p="http://schemas.openxmlformats.org/presentationml/2006/main">
   <p:cSld>
     <p:spTree>
@@ -7133,7 +7878,7 @@
 </p:sld>
 </file>
 
-<file path=ppt/slides/slide15.xml><?xml version="1.0" encoding="utf-8"?>
+<file path=ppt/slides/slide16.xml><?xml version="1.0" encoding="utf-8"?>
 <p:sld xmlns:a="http://schemas.openxmlformats.org/drawingml/2006/main" xmlns:r="http://schemas.openxmlformats.org/officeDocument/2006/relationships" xmlns:p="http://schemas.openxmlformats.org/presentationml/2006/main">
   <p:cSld>
     <p:spTree>
@@ -7222,7 +7967,7 @@
           <a:lstStyle/>
           <a:p>
             <a:r>
-              <a:rPr lang="en-US" altLang="ko-KR" sz="4400" dirty="0" smtClean="0">
+              <a:rPr lang="en-US" altLang="ko-KR" sz="4400" dirty="0">
                 <a:solidFill>
                   <a:schemeClr val="bg1"/>
                 </a:solidFill>
@@ -7264,7 +8009,7 @@
           <a:lstStyle/>
           <a:p>
             <a:r>
-              <a:rPr lang="ko-KR" altLang="en-US" sz="2400" dirty="0" smtClean="0">
+              <a:rPr lang="ko-KR" altLang="en-US" sz="2400" dirty="0">
                 <a:solidFill>
                   <a:srgbClr val="A2272C"/>
                 </a:solidFill>
@@ -7273,13 +8018,6 @@
               </a:rPr>
               <a:t>부록</a:t>
             </a:r>
-            <a:endParaRPr lang="ko-KR" altLang="en-US" sz="2400" dirty="0">
-              <a:solidFill>
-                <a:srgbClr val="A2272C"/>
-              </a:solidFill>
-              <a:latin typeface="08서울한강체 L" panose="02020603020101020101" pitchFamily="18" charset="-127"/>
-              <a:ea typeface="08서울한강체 L" panose="02020603020101020101" pitchFamily="18" charset="-127"/>
-            </a:endParaRPr>
           </a:p>
         </p:txBody>
       </p:sp>
@@ -8103,7 +8841,7 @@
           <a:lstStyle/>
           <a:p>
             <a:r>
-              <a:rPr lang="ko-KR" altLang="en-US" dirty="0" err="1" smtClean="0">
+              <a:rPr lang="ko-KR" altLang="en-US" dirty="0" err="1">
                 <a:solidFill>
                   <a:srgbClr val="A2272C"/>
                 </a:solidFill>
@@ -8113,7 +8851,7 @@
               <a:t>플로우</a:t>
             </a:r>
             <a:r>
-              <a:rPr lang="ko-KR" altLang="en-US" dirty="0" smtClean="0">
+              <a:rPr lang="ko-KR" altLang="en-US" dirty="0">
                 <a:solidFill>
                   <a:srgbClr val="A2272C"/>
                 </a:solidFill>
@@ -8145,7 +8883,7 @@
 </p:sld>
 </file>
 
-<file path=ppt/slides/slide16.xml><?xml version="1.0" encoding="utf-8"?>
+<file path=ppt/slides/slide17.xml><?xml version="1.0" encoding="utf-8"?>
 <p:sld xmlns:a="http://schemas.openxmlformats.org/drawingml/2006/main" xmlns:r="http://schemas.openxmlformats.org/officeDocument/2006/relationships" xmlns:p="http://schemas.openxmlformats.org/presentationml/2006/main">
   <p:cSld>
     <p:spTree>
@@ -8893,7 +9631,7 @@
 </p:sld>
 </file>
 
-<file path=ppt/slides/slide17.xml><?xml version="1.0" encoding="utf-8"?>
+<file path=ppt/slides/slide18.xml><?xml version="1.0" encoding="utf-8"?>
 <p:sld xmlns:a="http://schemas.openxmlformats.org/drawingml/2006/main" xmlns:r="http://schemas.openxmlformats.org/officeDocument/2006/relationships" xmlns:p="http://schemas.openxmlformats.org/presentationml/2006/main">
   <p:cSld>
     <p:spTree>
@@ -10132,7 +10870,7 @@
 </p:sld>
 </file>
 
-<file path=ppt/slides/slide18.xml><?xml version="1.0" encoding="utf-8"?>
+<file path=ppt/slides/slide19.xml><?xml version="1.0" encoding="utf-8"?>
 <p:sld xmlns:a="http://schemas.openxmlformats.org/drawingml/2006/main" xmlns:r="http://schemas.openxmlformats.org/officeDocument/2006/relationships" xmlns:p="http://schemas.openxmlformats.org/presentationml/2006/main">
   <p:cSld>
     <p:spTree>
@@ -12408,370 +13146,6 @@
 </p:sld>
 </file>
 
-<file path=ppt/slides/slide19.xml><?xml version="1.0" encoding="utf-8"?>
-<p:sld xmlns:a="http://schemas.openxmlformats.org/drawingml/2006/main" xmlns:r="http://schemas.openxmlformats.org/officeDocument/2006/relationships" xmlns:p="http://schemas.openxmlformats.org/presentationml/2006/main">
-  <p:cSld>
-    <p:spTree>
-      <p:nvGrpSpPr>
-        <p:cNvPr id="1" name=""/>
-        <p:cNvGrpSpPr/>
-        <p:nvPr/>
-      </p:nvGrpSpPr>
-      <p:grpSpPr>
-        <a:xfrm>
-          <a:off x="0" y="0"/>
-          <a:ext cx="0" cy="0"/>
-          <a:chOff x="0" y="0"/>
-          <a:chExt cx="0" cy="0"/>
-        </a:xfrm>
-      </p:grpSpPr>
-      <p:sp>
-        <p:nvSpPr>
-          <p:cNvPr id="4" name="직사각형 3"/>
-          <p:cNvSpPr/>
-          <p:nvPr/>
-        </p:nvSpPr>
-        <p:spPr>
-          <a:xfrm>
-            <a:off x="0" y="0"/>
-            <a:ext cx="904875" cy="904875"/>
-          </a:xfrm>
-          <a:prstGeom prst="rect">
-            <a:avLst/>
-          </a:prstGeom>
-          <a:solidFill>
-            <a:srgbClr val="A2272C"/>
-          </a:solidFill>
-          <a:ln>
-            <a:noFill/>
-          </a:ln>
-        </p:spPr>
-        <p:style>
-          <a:lnRef idx="2">
-            <a:schemeClr val="accent1">
-              <a:shade val="50000"/>
-            </a:schemeClr>
-          </a:lnRef>
-          <a:fillRef idx="1">
-            <a:schemeClr val="accent1"/>
-          </a:fillRef>
-          <a:effectRef idx="0">
-            <a:schemeClr val="accent1"/>
-          </a:effectRef>
-          <a:fontRef idx="minor">
-            <a:schemeClr val="lt1"/>
-          </a:fontRef>
-        </p:style>
-        <p:txBody>
-          <a:bodyPr rtlCol="0" anchor="ctr"/>
-          <a:lstStyle/>
-          <a:p>
-            <a:pPr algn="ctr"/>
-            <a:endParaRPr lang="ko-KR" altLang="en-US"/>
-          </a:p>
-        </p:txBody>
-      </p:sp>
-      <p:sp>
-        <p:nvSpPr>
-          <p:cNvPr id="5" name="TextBox 4"/>
-          <p:cNvSpPr txBox="1"/>
-          <p:nvPr/>
-        </p:nvSpPr>
-        <p:spPr>
-          <a:xfrm>
-            <a:off x="101440" y="67716"/>
-            <a:ext cx="829073" cy="769441"/>
-          </a:xfrm>
-          <a:prstGeom prst="rect">
-            <a:avLst/>
-          </a:prstGeom>
-          <a:noFill/>
-        </p:spPr>
-        <p:txBody>
-          <a:bodyPr wrap="none" rtlCol="0">
-            <a:spAutoFit/>
-          </a:bodyPr>
-          <a:lstStyle/>
-          <a:p>
-            <a:r>
-              <a:rPr lang="en-US" altLang="ko-KR" sz="4400" dirty="0">
-                <a:solidFill>
-                  <a:schemeClr val="bg1"/>
-                </a:solidFill>
-                <a:latin typeface="08서울한강체 M" panose="02020603020101020101" pitchFamily="18" charset="-127"/>
-                <a:ea typeface="08서울한강체 M" panose="02020603020101020101" pitchFamily="18" charset="-127"/>
-              </a:rPr>
-              <a:t>00</a:t>
-            </a:r>
-            <a:endParaRPr lang="ko-KR" altLang="en-US" sz="4400" dirty="0">
-              <a:solidFill>
-                <a:schemeClr val="bg1"/>
-              </a:solidFill>
-              <a:latin typeface="08서울한강체 M" panose="02020603020101020101" pitchFamily="18" charset="-127"/>
-              <a:ea typeface="08서울한강체 M" panose="02020603020101020101" pitchFamily="18" charset="-127"/>
-            </a:endParaRPr>
-          </a:p>
-        </p:txBody>
-      </p:sp>
-      <p:sp>
-        <p:nvSpPr>
-          <p:cNvPr id="6" name="TextBox 5"/>
-          <p:cNvSpPr txBox="1"/>
-          <p:nvPr/>
-        </p:nvSpPr>
-        <p:spPr>
-          <a:xfrm>
-            <a:off x="951803" y="96291"/>
-            <a:ext cx="739305" cy="461665"/>
-          </a:xfrm>
-          <a:prstGeom prst="rect">
-            <a:avLst/>
-          </a:prstGeom>
-          <a:noFill/>
-        </p:spPr>
-        <p:txBody>
-          <a:bodyPr wrap="none" rtlCol="0">
-            <a:spAutoFit/>
-          </a:bodyPr>
-          <a:lstStyle/>
-          <a:p>
-            <a:r>
-              <a:rPr lang="ko-KR" altLang="en-US" sz="2400" dirty="0">
-                <a:solidFill>
-                  <a:srgbClr val="A2272C"/>
-                </a:solidFill>
-                <a:latin typeface="08서울한강체 M" panose="02020603020101020101" pitchFamily="18" charset="-127"/>
-                <a:ea typeface="08서울한강체 M" panose="02020603020101020101" pitchFamily="18" charset="-127"/>
-              </a:rPr>
-              <a:t>부록</a:t>
-            </a:r>
-          </a:p>
-        </p:txBody>
-      </p:sp>
-      <p:sp>
-        <p:nvSpPr>
-          <p:cNvPr id="61" name="TextBox 60"/>
-          <p:cNvSpPr txBox="1"/>
-          <p:nvPr/>
-        </p:nvSpPr>
-        <p:spPr>
-          <a:xfrm>
-            <a:off x="951803" y="452436"/>
-            <a:ext cx="1189749" cy="369332"/>
-          </a:xfrm>
-          <a:prstGeom prst="rect">
-            <a:avLst/>
-          </a:prstGeom>
-          <a:noFill/>
-        </p:spPr>
-        <p:txBody>
-          <a:bodyPr wrap="none" rtlCol="0">
-            <a:spAutoFit/>
-          </a:bodyPr>
-          <a:lstStyle/>
-          <a:p>
-            <a:r>
-              <a:rPr lang="ko-KR" altLang="en-US" dirty="0">
-                <a:solidFill>
-                  <a:srgbClr val="A2272C"/>
-                </a:solidFill>
-                <a:latin typeface="08서울한강체 M" panose="02020603020101020101" pitchFamily="18" charset="-127"/>
-                <a:ea typeface="08서울한강체 M" panose="02020603020101020101" pitchFamily="18" charset="-127"/>
-              </a:rPr>
-              <a:t>맵 에디터</a:t>
-            </a:r>
-            <a:endParaRPr lang="en-US" altLang="ko-KR" dirty="0">
-              <a:solidFill>
-                <a:srgbClr val="A2272C"/>
-              </a:solidFill>
-              <a:latin typeface="08서울한강체 M" panose="02020603020101020101" pitchFamily="18" charset="-127"/>
-              <a:ea typeface="08서울한강체 M" panose="02020603020101020101" pitchFamily="18" charset="-127"/>
-            </a:endParaRPr>
-          </a:p>
-        </p:txBody>
-      </p:sp>
-      <p:sp>
-        <p:nvSpPr>
-          <p:cNvPr id="7" name="TextBox 6">
-            <a:extLst>
-              <a:ext uri="{FF2B5EF4-FFF2-40B4-BE49-F238E27FC236}">
-                <a16:creationId xmlns:a16="http://schemas.microsoft.com/office/drawing/2014/main" id="{8FA5D562-029F-D001-2EB2-F0ECD49ACFB5}"/>
-              </a:ext>
-            </a:extLst>
-          </p:cNvPr>
-          <p:cNvSpPr txBox="1"/>
-          <p:nvPr/>
-        </p:nvSpPr>
-        <p:spPr>
-          <a:xfrm>
-            <a:off x="406400" y="1819564"/>
-            <a:ext cx="11637818" cy="3693319"/>
-          </a:xfrm>
-          <a:prstGeom prst="rect">
-            <a:avLst/>
-          </a:prstGeom>
-          <a:noFill/>
-        </p:spPr>
-        <p:txBody>
-          <a:bodyPr wrap="square">
-            <a:spAutoFit/>
-          </a:bodyPr>
-          <a:lstStyle/>
-          <a:p>
-            <a:r>
-              <a:rPr lang="en-US" altLang="ko-KR" dirty="0"/>
-              <a:t>- </a:t>
-            </a:r>
-            <a:r>
-              <a:rPr lang="ko-KR" altLang="en-US" dirty="0"/>
-              <a:t>네이티브 플러그인</a:t>
-            </a:r>
-            <a:endParaRPr lang="en-US" altLang="ko-KR" dirty="0"/>
-          </a:p>
-          <a:p>
-            <a:r>
-              <a:rPr lang="en-US" altLang="ko-KR" dirty="0"/>
-              <a:t>: C </a:t>
-            </a:r>
-            <a:r>
-              <a:rPr lang="ko-KR" altLang="en-US" dirty="0"/>
-              <a:t>기반 언어로 작성 가능하며 타겟 플랫폼에서 네이티브 코드 컴파일러로 </a:t>
-            </a:r>
-            <a:r>
-              <a:rPr lang="ko-KR" altLang="en-US" dirty="0" err="1"/>
-              <a:t>빌드됨</a:t>
-            </a:r>
-            <a:r>
-              <a:rPr lang="en-US" altLang="ko-KR" dirty="0"/>
-              <a:t>.</a:t>
-            </a:r>
-          </a:p>
-          <a:p>
-            <a:endParaRPr lang="en-US" altLang="ko-KR" dirty="0"/>
-          </a:p>
-          <a:p>
-            <a:endParaRPr lang="en-US" altLang="ko-KR" dirty="0"/>
-          </a:p>
-          <a:p>
-            <a:r>
-              <a:rPr lang="ko-KR" altLang="en-US" dirty="0"/>
-              <a:t>네이티브 플러그인 활용해 </a:t>
-            </a:r>
-            <a:r>
-              <a:rPr lang="en-US" altLang="ko-KR" dirty="0"/>
-              <a:t>C++</a:t>
-            </a:r>
-            <a:r>
-              <a:rPr lang="ko-KR" altLang="en-US" dirty="0"/>
-              <a:t>로 작성한 맵 에디터 기능 연결</a:t>
-            </a:r>
-            <a:endParaRPr lang="en-US" altLang="ko-KR" dirty="0"/>
-          </a:p>
-          <a:p>
-            <a:r>
-              <a:rPr lang="en-US" altLang="ko-KR" dirty="0"/>
-              <a:t>Json </a:t>
-            </a:r>
-            <a:r>
-              <a:rPr lang="ko-KR" altLang="en-US" dirty="0"/>
-              <a:t>파일로 맵 데이터 저장 후 </a:t>
-            </a:r>
-            <a:r>
-              <a:rPr lang="en-US" altLang="ko-KR" dirty="0"/>
-              <a:t>unity</a:t>
-            </a:r>
-            <a:r>
-              <a:rPr lang="ko-KR" altLang="en-US" dirty="0"/>
-              <a:t>에서 자체 제공하는 모듈</a:t>
-            </a:r>
-            <a:r>
-              <a:rPr lang="en-US" altLang="ko-KR" dirty="0"/>
-              <a:t>, </a:t>
-            </a:r>
-            <a:r>
-              <a:rPr lang="ko-KR" altLang="en-US" dirty="0"/>
-              <a:t>혹은 자체적으로 생성한 기능을 통해 맵 데이터 읽어오기</a:t>
-            </a:r>
-            <a:endParaRPr lang="en-US" altLang="ko-KR" dirty="0"/>
-          </a:p>
-          <a:p>
-            <a:endParaRPr lang="en-US" altLang="ko-KR" dirty="0"/>
-          </a:p>
-          <a:p>
-            <a:r>
-              <a:rPr lang="en-US" altLang="ko-KR" dirty="0"/>
-              <a:t>Json </a:t>
-            </a:r>
-            <a:r>
-              <a:rPr lang="ko-KR" altLang="en-US" dirty="0"/>
-              <a:t>파일을 읽으면 이해가 쉬워 파일 내에서 수정이 가능하니 암호화하는 것이 좋음</a:t>
-            </a:r>
-            <a:r>
-              <a:rPr lang="en-US" altLang="ko-KR" dirty="0"/>
-              <a:t>. </a:t>
-            </a:r>
-          </a:p>
-          <a:p>
-            <a:endParaRPr lang="en-US" altLang="ko-KR" dirty="0"/>
-          </a:p>
-          <a:p>
-            <a:r>
-              <a:rPr lang="en-US" altLang="ko-KR" dirty="0"/>
-              <a:t>Json vs binary </a:t>
-            </a:r>
-          </a:p>
-          <a:p>
-            <a:r>
-              <a:rPr lang="en-US" altLang="ko-KR" dirty="0"/>
-              <a:t>Json</a:t>
-            </a:r>
-            <a:r>
-              <a:rPr lang="ko-KR" altLang="en-US" dirty="0"/>
-              <a:t>이 더 빠르지만</a:t>
-            </a:r>
-            <a:r>
-              <a:rPr lang="en-US" altLang="ko-KR" dirty="0"/>
-              <a:t>, binary</a:t>
-            </a:r>
-            <a:r>
-              <a:rPr lang="ko-KR" altLang="en-US" dirty="0"/>
-              <a:t>의 용량이 더 작음</a:t>
-            </a:r>
-            <a:r>
-              <a:rPr lang="en-US" altLang="ko-KR" dirty="0"/>
-              <a:t>. </a:t>
-            </a:r>
-          </a:p>
-          <a:p>
-            <a:r>
-              <a:rPr lang="ko-KR" altLang="en-US" dirty="0"/>
-              <a:t>후에 </a:t>
-            </a:r>
-            <a:r>
-              <a:rPr lang="ko-KR" altLang="en-US" dirty="0" err="1"/>
-              <a:t>맵을</a:t>
-            </a:r>
-            <a:r>
-              <a:rPr lang="ko-KR" altLang="en-US" dirty="0"/>
-              <a:t> 만들고 그 용량 차이를 보고 난 후 결정 할 예정</a:t>
-            </a:r>
-            <a:endParaRPr lang="en-US" altLang="ko-KR" dirty="0"/>
-          </a:p>
-        </p:txBody>
-      </p:sp>
-    </p:spTree>
-    <p:extLst>
-      <p:ext uri="{BB962C8B-B14F-4D97-AF65-F5344CB8AC3E}">
-        <p14:creationId xmlns:p14="http://schemas.microsoft.com/office/powerpoint/2010/main" val="774805739"/>
-      </p:ext>
-    </p:extLst>
-  </p:cSld>
-  <p:clrMapOvr>
-    <a:masterClrMapping/>
-  </p:clrMapOvr>
-</p:sld>
-</file>
-
 <file path=ppt/slides/slide2.xml><?xml version="1.0" encoding="utf-8"?>
 <p:sld xmlns:a="http://schemas.openxmlformats.org/drawingml/2006/main" xmlns:r="http://schemas.openxmlformats.org/officeDocument/2006/relationships" xmlns:p="http://schemas.openxmlformats.org/presentationml/2006/main">
   <p:cSld>
@@ -13289,6 +13663,370 @@
 </file>
 
 <file path=ppt/slides/slide20.xml><?xml version="1.0" encoding="utf-8"?>
+<p:sld xmlns:a="http://schemas.openxmlformats.org/drawingml/2006/main" xmlns:r="http://schemas.openxmlformats.org/officeDocument/2006/relationships" xmlns:p="http://schemas.openxmlformats.org/presentationml/2006/main">
+  <p:cSld>
+    <p:spTree>
+      <p:nvGrpSpPr>
+        <p:cNvPr id="1" name=""/>
+        <p:cNvGrpSpPr/>
+        <p:nvPr/>
+      </p:nvGrpSpPr>
+      <p:grpSpPr>
+        <a:xfrm>
+          <a:off x="0" y="0"/>
+          <a:ext cx="0" cy="0"/>
+          <a:chOff x="0" y="0"/>
+          <a:chExt cx="0" cy="0"/>
+        </a:xfrm>
+      </p:grpSpPr>
+      <p:sp>
+        <p:nvSpPr>
+          <p:cNvPr id="4" name="직사각형 3"/>
+          <p:cNvSpPr/>
+          <p:nvPr/>
+        </p:nvSpPr>
+        <p:spPr>
+          <a:xfrm>
+            <a:off x="0" y="0"/>
+            <a:ext cx="904875" cy="904875"/>
+          </a:xfrm>
+          <a:prstGeom prst="rect">
+            <a:avLst/>
+          </a:prstGeom>
+          <a:solidFill>
+            <a:srgbClr val="A2272C"/>
+          </a:solidFill>
+          <a:ln>
+            <a:noFill/>
+          </a:ln>
+        </p:spPr>
+        <p:style>
+          <a:lnRef idx="2">
+            <a:schemeClr val="accent1">
+              <a:shade val="50000"/>
+            </a:schemeClr>
+          </a:lnRef>
+          <a:fillRef idx="1">
+            <a:schemeClr val="accent1"/>
+          </a:fillRef>
+          <a:effectRef idx="0">
+            <a:schemeClr val="accent1"/>
+          </a:effectRef>
+          <a:fontRef idx="minor">
+            <a:schemeClr val="lt1"/>
+          </a:fontRef>
+        </p:style>
+        <p:txBody>
+          <a:bodyPr rtlCol="0" anchor="ctr"/>
+          <a:lstStyle/>
+          <a:p>
+            <a:pPr algn="ctr"/>
+            <a:endParaRPr lang="ko-KR" altLang="en-US"/>
+          </a:p>
+        </p:txBody>
+      </p:sp>
+      <p:sp>
+        <p:nvSpPr>
+          <p:cNvPr id="5" name="TextBox 4"/>
+          <p:cNvSpPr txBox="1"/>
+          <p:nvPr/>
+        </p:nvSpPr>
+        <p:spPr>
+          <a:xfrm>
+            <a:off x="101440" y="67716"/>
+            <a:ext cx="829073" cy="769441"/>
+          </a:xfrm>
+          <a:prstGeom prst="rect">
+            <a:avLst/>
+          </a:prstGeom>
+          <a:noFill/>
+        </p:spPr>
+        <p:txBody>
+          <a:bodyPr wrap="none" rtlCol="0">
+            <a:spAutoFit/>
+          </a:bodyPr>
+          <a:lstStyle/>
+          <a:p>
+            <a:r>
+              <a:rPr lang="en-US" altLang="ko-KR" sz="4400" dirty="0">
+                <a:solidFill>
+                  <a:schemeClr val="bg1"/>
+                </a:solidFill>
+                <a:latin typeface="08서울한강체 M" panose="02020603020101020101" pitchFamily="18" charset="-127"/>
+                <a:ea typeface="08서울한강체 M" panose="02020603020101020101" pitchFamily="18" charset="-127"/>
+              </a:rPr>
+              <a:t>00</a:t>
+            </a:r>
+            <a:endParaRPr lang="ko-KR" altLang="en-US" sz="4400" dirty="0">
+              <a:solidFill>
+                <a:schemeClr val="bg1"/>
+              </a:solidFill>
+              <a:latin typeface="08서울한강체 M" panose="02020603020101020101" pitchFamily="18" charset="-127"/>
+              <a:ea typeface="08서울한강체 M" panose="02020603020101020101" pitchFamily="18" charset="-127"/>
+            </a:endParaRPr>
+          </a:p>
+        </p:txBody>
+      </p:sp>
+      <p:sp>
+        <p:nvSpPr>
+          <p:cNvPr id="6" name="TextBox 5"/>
+          <p:cNvSpPr txBox="1"/>
+          <p:nvPr/>
+        </p:nvSpPr>
+        <p:spPr>
+          <a:xfrm>
+            <a:off x="951803" y="96291"/>
+            <a:ext cx="739305" cy="461665"/>
+          </a:xfrm>
+          <a:prstGeom prst="rect">
+            <a:avLst/>
+          </a:prstGeom>
+          <a:noFill/>
+        </p:spPr>
+        <p:txBody>
+          <a:bodyPr wrap="none" rtlCol="0">
+            <a:spAutoFit/>
+          </a:bodyPr>
+          <a:lstStyle/>
+          <a:p>
+            <a:r>
+              <a:rPr lang="ko-KR" altLang="en-US" sz="2400" dirty="0">
+                <a:solidFill>
+                  <a:srgbClr val="A2272C"/>
+                </a:solidFill>
+                <a:latin typeface="08서울한강체 M" panose="02020603020101020101" pitchFamily="18" charset="-127"/>
+                <a:ea typeface="08서울한강체 M" panose="02020603020101020101" pitchFamily="18" charset="-127"/>
+              </a:rPr>
+              <a:t>부록</a:t>
+            </a:r>
+          </a:p>
+        </p:txBody>
+      </p:sp>
+      <p:sp>
+        <p:nvSpPr>
+          <p:cNvPr id="61" name="TextBox 60"/>
+          <p:cNvSpPr txBox="1"/>
+          <p:nvPr/>
+        </p:nvSpPr>
+        <p:spPr>
+          <a:xfrm>
+            <a:off x="951803" y="452436"/>
+            <a:ext cx="1189749" cy="369332"/>
+          </a:xfrm>
+          <a:prstGeom prst="rect">
+            <a:avLst/>
+          </a:prstGeom>
+          <a:noFill/>
+        </p:spPr>
+        <p:txBody>
+          <a:bodyPr wrap="none" rtlCol="0">
+            <a:spAutoFit/>
+          </a:bodyPr>
+          <a:lstStyle/>
+          <a:p>
+            <a:r>
+              <a:rPr lang="ko-KR" altLang="en-US" dirty="0">
+                <a:solidFill>
+                  <a:srgbClr val="A2272C"/>
+                </a:solidFill>
+                <a:latin typeface="08서울한강체 M" panose="02020603020101020101" pitchFamily="18" charset="-127"/>
+                <a:ea typeface="08서울한강체 M" panose="02020603020101020101" pitchFamily="18" charset="-127"/>
+              </a:rPr>
+              <a:t>맵 에디터</a:t>
+            </a:r>
+            <a:endParaRPr lang="en-US" altLang="ko-KR" dirty="0">
+              <a:solidFill>
+                <a:srgbClr val="A2272C"/>
+              </a:solidFill>
+              <a:latin typeface="08서울한강체 M" panose="02020603020101020101" pitchFamily="18" charset="-127"/>
+              <a:ea typeface="08서울한강체 M" panose="02020603020101020101" pitchFamily="18" charset="-127"/>
+            </a:endParaRPr>
+          </a:p>
+        </p:txBody>
+      </p:sp>
+      <p:sp>
+        <p:nvSpPr>
+          <p:cNvPr id="7" name="TextBox 6">
+            <a:extLst>
+              <a:ext uri="{FF2B5EF4-FFF2-40B4-BE49-F238E27FC236}">
+                <a16:creationId xmlns:a16="http://schemas.microsoft.com/office/drawing/2014/main" id="{8FA5D562-029F-D001-2EB2-F0ECD49ACFB5}"/>
+              </a:ext>
+            </a:extLst>
+          </p:cNvPr>
+          <p:cNvSpPr txBox="1"/>
+          <p:nvPr/>
+        </p:nvSpPr>
+        <p:spPr>
+          <a:xfrm>
+            <a:off x="406400" y="1819564"/>
+            <a:ext cx="11637818" cy="3693319"/>
+          </a:xfrm>
+          <a:prstGeom prst="rect">
+            <a:avLst/>
+          </a:prstGeom>
+          <a:noFill/>
+        </p:spPr>
+        <p:txBody>
+          <a:bodyPr wrap="square">
+            <a:spAutoFit/>
+          </a:bodyPr>
+          <a:lstStyle/>
+          <a:p>
+            <a:r>
+              <a:rPr lang="en-US" altLang="ko-KR" dirty="0"/>
+              <a:t>- </a:t>
+            </a:r>
+            <a:r>
+              <a:rPr lang="ko-KR" altLang="en-US" dirty="0"/>
+              <a:t>네이티브 플러그인</a:t>
+            </a:r>
+            <a:endParaRPr lang="en-US" altLang="ko-KR" dirty="0"/>
+          </a:p>
+          <a:p>
+            <a:r>
+              <a:rPr lang="en-US" altLang="ko-KR" dirty="0"/>
+              <a:t>: C </a:t>
+            </a:r>
+            <a:r>
+              <a:rPr lang="ko-KR" altLang="en-US" dirty="0"/>
+              <a:t>기반 언어로 작성 가능하며 타겟 플랫폼에서 네이티브 코드 컴파일러로 </a:t>
+            </a:r>
+            <a:r>
+              <a:rPr lang="ko-KR" altLang="en-US" dirty="0" err="1"/>
+              <a:t>빌드됨</a:t>
+            </a:r>
+            <a:r>
+              <a:rPr lang="en-US" altLang="ko-KR" dirty="0"/>
+              <a:t>.</a:t>
+            </a:r>
+          </a:p>
+          <a:p>
+            <a:endParaRPr lang="en-US" altLang="ko-KR" dirty="0"/>
+          </a:p>
+          <a:p>
+            <a:endParaRPr lang="en-US" altLang="ko-KR" dirty="0"/>
+          </a:p>
+          <a:p>
+            <a:r>
+              <a:rPr lang="ko-KR" altLang="en-US" dirty="0"/>
+              <a:t>네이티브 플러그인 활용해 </a:t>
+            </a:r>
+            <a:r>
+              <a:rPr lang="en-US" altLang="ko-KR" dirty="0"/>
+              <a:t>C++</a:t>
+            </a:r>
+            <a:r>
+              <a:rPr lang="ko-KR" altLang="en-US" dirty="0"/>
+              <a:t>로 작성한 맵 에디터 기능 연결</a:t>
+            </a:r>
+            <a:endParaRPr lang="en-US" altLang="ko-KR" dirty="0"/>
+          </a:p>
+          <a:p>
+            <a:r>
+              <a:rPr lang="en-US" altLang="ko-KR" dirty="0"/>
+              <a:t>Json </a:t>
+            </a:r>
+            <a:r>
+              <a:rPr lang="ko-KR" altLang="en-US" dirty="0"/>
+              <a:t>파일로 맵 데이터 저장 후 </a:t>
+            </a:r>
+            <a:r>
+              <a:rPr lang="en-US" altLang="ko-KR" dirty="0"/>
+              <a:t>unity</a:t>
+            </a:r>
+            <a:r>
+              <a:rPr lang="ko-KR" altLang="en-US" dirty="0"/>
+              <a:t>에서 자체 제공하는 모듈</a:t>
+            </a:r>
+            <a:r>
+              <a:rPr lang="en-US" altLang="ko-KR" dirty="0"/>
+              <a:t>, </a:t>
+            </a:r>
+            <a:r>
+              <a:rPr lang="ko-KR" altLang="en-US" dirty="0"/>
+              <a:t>혹은 자체적으로 생성한 기능을 통해 맵 데이터 읽어오기</a:t>
+            </a:r>
+            <a:endParaRPr lang="en-US" altLang="ko-KR" dirty="0"/>
+          </a:p>
+          <a:p>
+            <a:endParaRPr lang="en-US" altLang="ko-KR" dirty="0"/>
+          </a:p>
+          <a:p>
+            <a:r>
+              <a:rPr lang="en-US" altLang="ko-KR" dirty="0"/>
+              <a:t>Json </a:t>
+            </a:r>
+            <a:r>
+              <a:rPr lang="ko-KR" altLang="en-US" dirty="0"/>
+              <a:t>파일을 읽으면 이해가 쉬워 파일 내에서 수정이 가능하니 암호화하는 것이 좋음</a:t>
+            </a:r>
+            <a:r>
+              <a:rPr lang="en-US" altLang="ko-KR" dirty="0"/>
+              <a:t>. </a:t>
+            </a:r>
+          </a:p>
+          <a:p>
+            <a:endParaRPr lang="en-US" altLang="ko-KR" dirty="0"/>
+          </a:p>
+          <a:p>
+            <a:r>
+              <a:rPr lang="en-US" altLang="ko-KR" dirty="0"/>
+              <a:t>Json vs binary </a:t>
+            </a:r>
+          </a:p>
+          <a:p>
+            <a:r>
+              <a:rPr lang="en-US" altLang="ko-KR" dirty="0"/>
+              <a:t>Json</a:t>
+            </a:r>
+            <a:r>
+              <a:rPr lang="ko-KR" altLang="en-US" dirty="0"/>
+              <a:t>이 더 빠르지만</a:t>
+            </a:r>
+            <a:r>
+              <a:rPr lang="en-US" altLang="ko-KR" dirty="0"/>
+              <a:t>, binary</a:t>
+            </a:r>
+            <a:r>
+              <a:rPr lang="ko-KR" altLang="en-US" dirty="0"/>
+              <a:t>의 용량이 더 작음</a:t>
+            </a:r>
+            <a:r>
+              <a:rPr lang="en-US" altLang="ko-KR" dirty="0"/>
+              <a:t>. </a:t>
+            </a:r>
+          </a:p>
+          <a:p>
+            <a:r>
+              <a:rPr lang="ko-KR" altLang="en-US" dirty="0"/>
+              <a:t>후에 </a:t>
+            </a:r>
+            <a:r>
+              <a:rPr lang="ko-KR" altLang="en-US" dirty="0" err="1"/>
+              <a:t>맵을</a:t>
+            </a:r>
+            <a:r>
+              <a:rPr lang="ko-KR" altLang="en-US" dirty="0"/>
+              <a:t> 만들고 그 용량 차이를 보고 난 후 결정 할 예정</a:t>
+            </a:r>
+            <a:endParaRPr lang="en-US" altLang="ko-KR" dirty="0"/>
+          </a:p>
+        </p:txBody>
+      </p:sp>
+    </p:spTree>
+    <p:extLst>
+      <p:ext uri="{BB962C8B-B14F-4D97-AF65-F5344CB8AC3E}">
+        <p14:creationId xmlns:p14="http://schemas.microsoft.com/office/powerpoint/2010/main" val="774805739"/>
+      </p:ext>
+    </p:extLst>
+  </p:cSld>
+  <p:clrMapOvr>
+    <a:masterClrMapping/>
+  </p:clrMapOvr>
+</p:sld>
+</file>
+
+<file path=ppt/slides/slide21.xml><?xml version="1.0" encoding="utf-8"?>
 <p:sld xmlns:a="http://schemas.openxmlformats.org/drawingml/2006/main" xmlns:r="http://schemas.openxmlformats.org/officeDocument/2006/relationships" xmlns:p="http://schemas.openxmlformats.org/presentationml/2006/main">
   <p:cSld>
     <p:spTree>
@@ -13523,7 +14261,7 @@
 </p:sld>
 </file>
 
-<file path=ppt/slides/slide21.xml><?xml version="1.0" encoding="utf-8"?>
+<file path=ppt/slides/slide22.xml><?xml version="1.0" encoding="utf-8"?>
 <p:sld xmlns:a="http://schemas.openxmlformats.org/drawingml/2006/main" xmlns:r="http://schemas.openxmlformats.org/officeDocument/2006/relationships" xmlns:p="http://schemas.openxmlformats.org/presentationml/2006/main">
   <p:cSld>
     <p:spTree>
@@ -14046,7 +14784,7 @@
 </p:sld>
 </file>
 
-<file path=ppt/slides/slide22.xml><?xml version="1.0" encoding="utf-8"?>
+<file path=ppt/slides/slide23.xml><?xml version="1.0" encoding="utf-8"?>
 <p:sld xmlns:a="http://schemas.openxmlformats.org/drawingml/2006/main" xmlns:r="http://schemas.openxmlformats.org/officeDocument/2006/relationships" xmlns:p="http://schemas.openxmlformats.org/presentationml/2006/main">
   <p:cSld>
     <p:spTree>
@@ -14610,7 +15348,7 @@
 </p:sld>
 </file>
 
-<file path=ppt/slides/slide23.xml><?xml version="1.0" encoding="utf-8"?>
+<file path=ppt/slides/slide24.xml><?xml version="1.0" encoding="utf-8"?>
 <p:sld xmlns:a="http://schemas.openxmlformats.org/drawingml/2006/main" xmlns:r="http://schemas.openxmlformats.org/officeDocument/2006/relationships" xmlns:p="http://schemas.openxmlformats.org/presentationml/2006/main">
   <p:cSld>
     <p:spTree>
@@ -15105,7 +15843,7 @@
 </p:sld>
 </file>
 
-<file path=ppt/slides/slide24.xml><?xml version="1.0" encoding="utf-8"?>
+<file path=ppt/slides/slide25.xml><?xml version="1.0" encoding="utf-8"?>
 <p:sld xmlns:a="http://schemas.openxmlformats.org/drawingml/2006/main" xmlns:r="http://schemas.openxmlformats.org/officeDocument/2006/relationships" xmlns:p="http://schemas.openxmlformats.org/presentationml/2006/main">
   <p:cSld>
     <p:spTree>
@@ -15744,7 +16482,7 @@
 </p:sld>
 </file>
 
-<file path=ppt/slides/slide25.xml><?xml version="1.0" encoding="utf-8"?>
+<file path=ppt/slides/slide26.xml><?xml version="1.0" encoding="utf-8"?>
 <p:sld xmlns:a="http://schemas.openxmlformats.org/drawingml/2006/main" xmlns:r="http://schemas.openxmlformats.org/officeDocument/2006/relationships" xmlns:p="http://schemas.openxmlformats.org/presentationml/2006/main">
   <p:cSld>
     <p:spTree>
@@ -16328,7 +17066,7 @@
 </p:sld>
 </file>
 
-<file path=ppt/slides/slide26.xml><?xml version="1.0" encoding="utf-8"?>
+<file path=ppt/slides/slide27.xml><?xml version="1.0" encoding="utf-8"?>
 <p:sld xmlns:a="http://schemas.openxmlformats.org/drawingml/2006/main" xmlns:r="http://schemas.openxmlformats.org/officeDocument/2006/relationships" xmlns:p="http://schemas.openxmlformats.org/presentationml/2006/main">
   <p:cSld>
     <p:spTree>
@@ -16562,7 +17300,7 @@
 </p:sld>
 </file>
 
-<file path=ppt/slides/slide27.xml><?xml version="1.0" encoding="utf-8"?>
+<file path=ppt/slides/slide28.xml><?xml version="1.0" encoding="utf-8"?>
 <p:sld xmlns:a="http://schemas.openxmlformats.org/drawingml/2006/main" xmlns:r="http://schemas.openxmlformats.org/officeDocument/2006/relationships" xmlns:p="http://schemas.openxmlformats.org/presentationml/2006/main">
   <p:cSld>
     <p:spTree>
@@ -17401,32 +18139,11 @@
           </a:p>
           <a:p>
             <a:r>
-              <a:rPr lang="ko-KR" altLang="en-US" sz="2000" dirty="0" smtClean="0">
-                <a:latin typeface="08서울한강체 L" panose="02020603020101020101" pitchFamily="18" charset="-127"/>
-                <a:ea typeface="08서울한강체 L" panose="02020603020101020101" pitchFamily="18" charset="-127"/>
-              </a:rPr>
-              <a:t>장기적으로는  </a:t>
-            </a:r>
-            <a:r>
               <a:rPr lang="ko-KR" altLang="en-US" sz="2000" dirty="0">
                 <a:latin typeface="08서울한강체 L" panose="02020603020101020101" pitchFamily="18" charset="-127"/>
                 <a:ea typeface="08서울한강체 L" panose="02020603020101020101" pitchFamily="18" charset="-127"/>
               </a:rPr>
-              <a:t>시뮬레이션  게임이  높은  관심을  받고  </a:t>
-            </a:r>
-            <a:r>
-              <a:rPr lang="ko-KR" altLang="en-US" sz="2000" dirty="0" smtClean="0">
-                <a:latin typeface="08서울한강체 L" panose="02020603020101020101" pitchFamily="18" charset="-127"/>
-                <a:ea typeface="08서울한강체 L" panose="02020603020101020101" pitchFamily="18" charset="-127"/>
-              </a:rPr>
-              <a:t>지속적으로 성장할  </a:t>
-            </a:r>
-            <a:r>
-              <a:rPr lang="ko-KR" altLang="en-US" sz="2000" dirty="0">
-                <a:latin typeface="08서울한강체 L" panose="02020603020101020101" pitchFamily="18" charset="-127"/>
-                <a:ea typeface="08서울한강체 L" panose="02020603020101020101" pitchFamily="18" charset="-127"/>
-              </a:rPr>
-              <a:t>것으로  판단된다</a:t>
+              <a:t>장기적으로는  시뮬레이션  게임이  높은  관심을  받고  지속적으로 성장할  것으로  판단된다</a:t>
             </a:r>
             <a:r>
               <a:rPr lang="en-US" altLang="ko-KR" sz="2000" dirty="0">
@@ -17728,32 +18445,11 @@
           </a:p>
           <a:p>
             <a:r>
-              <a:rPr lang="ko-KR" altLang="en-US" sz="2000" dirty="0" smtClean="0">
-                <a:latin typeface="08서울한강체 L" panose="02020603020101020101" pitchFamily="18" charset="-127"/>
-                <a:ea typeface="08서울한강체 L" panose="02020603020101020101" pitchFamily="18" charset="-127"/>
-              </a:rPr>
-              <a:t>장기적으로는  </a:t>
-            </a:r>
-            <a:r>
               <a:rPr lang="ko-KR" altLang="en-US" sz="2000" dirty="0">
                 <a:latin typeface="08서울한강체 L" panose="02020603020101020101" pitchFamily="18" charset="-127"/>
                 <a:ea typeface="08서울한강체 L" panose="02020603020101020101" pitchFamily="18" charset="-127"/>
               </a:rPr>
-              <a:t>시뮬레이션  게임이  높은  관심을  받고  </a:t>
-            </a:r>
-            <a:r>
-              <a:rPr lang="ko-KR" altLang="en-US" sz="2000" dirty="0" smtClean="0">
-                <a:latin typeface="08서울한강체 L" panose="02020603020101020101" pitchFamily="18" charset="-127"/>
-                <a:ea typeface="08서울한강체 L" panose="02020603020101020101" pitchFamily="18" charset="-127"/>
-              </a:rPr>
-              <a:t>지속적으로 성장할  </a:t>
-            </a:r>
-            <a:r>
-              <a:rPr lang="ko-KR" altLang="en-US" sz="2000" dirty="0">
-                <a:latin typeface="08서울한강체 L" panose="02020603020101020101" pitchFamily="18" charset="-127"/>
-                <a:ea typeface="08서울한강체 L" panose="02020603020101020101" pitchFamily="18" charset="-127"/>
-              </a:rPr>
-              <a:t>것으로  판단된다</a:t>
+              <a:t>장기적으로는  시뮬레이션  게임이  높은  관심을  받고  지속적으로 성장할  것으로  판단된다</a:t>
             </a:r>
             <a:r>
               <a:rPr lang="en-US" altLang="ko-KR" sz="2000" dirty="0">
@@ -18093,7 +18789,7 @@
           <a:lstStyle/>
           <a:p>
             <a:r>
-              <a:rPr lang="en-US" altLang="ko-KR" sz="4400" dirty="0" smtClean="0">
+              <a:rPr lang="en-US" altLang="ko-KR" sz="4400" dirty="0">
                 <a:solidFill>
                   <a:schemeClr val="bg1"/>
                 </a:solidFill>
@@ -18135,7 +18831,7 @@
           <a:lstStyle/>
           <a:p>
             <a:r>
-              <a:rPr lang="ko-KR" altLang="en-US" sz="2400" dirty="0" smtClean="0">
+              <a:rPr lang="ko-KR" altLang="en-US" sz="2400" dirty="0">
                 <a:solidFill>
                   <a:srgbClr val="A2272C"/>
                 </a:solidFill>
@@ -18144,13 +18840,6 @@
               </a:rPr>
               <a:t>게임 소개</a:t>
             </a:r>
-            <a:endParaRPr lang="ko-KR" altLang="en-US" sz="2400" dirty="0">
-              <a:solidFill>
-                <a:srgbClr val="A2272C"/>
-              </a:solidFill>
-              <a:latin typeface="08서울한강체 L" panose="02020603020101020101" pitchFamily="18" charset="-127"/>
-              <a:ea typeface="08서울한강체 L" panose="02020603020101020101" pitchFamily="18" charset="-127"/>
-            </a:endParaRPr>
           </a:p>
         </p:txBody>
       </p:sp>
@@ -18183,7 +18872,7 @@
           <a:lstStyle/>
           <a:p>
             <a:r>
-              <a:rPr lang="ko-KR" altLang="en-US" sz="2000" dirty="0" smtClean="0">
+              <a:rPr lang="ko-KR" altLang="en-US" sz="2000" dirty="0">
                 <a:latin typeface="08서울한강체 L" panose="02020603020101020101" pitchFamily="18" charset="-127"/>
                 <a:ea typeface="08서울한강체 L" panose="02020603020101020101" pitchFamily="18" charset="-127"/>
               </a:rPr>
@@ -18194,23 +18883,16 @@
                 <a:latin typeface="08서울한강체 L" panose="02020603020101020101" pitchFamily="18" charset="-127"/>
                 <a:ea typeface="08서울한강체 L" panose="02020603020101020101" pitchFamily="18" charset="-127"/>
               </a:rPr>
-              <a:t> </a:t>
-            </a:r>
-            <a:r>
-              <a:rPr lang="en-US" altLang="ko-KR" sz="2000" dirty="0" smtClean="0">
+              <a:t> : </a:t>
+            </a:r>
+            <a:r>
+              <a:rPr lang="ko-KR" altLang="en-US" sz="2000" dirty="0">
                 <a:latin typeface="08서울한강체 L" panose="02020603020101020101" pitchFamily="18" charset="-127"/>
                 <a:ea typeface="08서울한강체 L" panose="02020603020101020101" pitchFamily="18" charset="-127"/>
               </a:rPr>
-              <a:t>: </a:t>
-            </a:r>
-            <a:r>
-              <a:rPr lang="ko-KR" altLang="en-US" sz="2000" dirty="0" smtClean="0">
-                <a:latin typeface="08서울한강체 L" panose="02020603020101020101" pitchFamily="18" charset="-127"/>
-                <a:ea typeface="08서울한강체 L" panose="02020603020101020101" pitchFamily="18" charset="-127"/>
-              </a:rPr>
               <a:t>전략 시뮬레이션</a:t>
             </a:r>
-            <a:endParaRPr lang="en-US" altLang="ko-KR" sz="2000" dirty="0" smtClean="0">
+            <a:endParaRPr lang="en-US" altLang="ko-KR" sz="2000" dirty="0">
               <a:latin typeface="08서울한강체 L" panose="02020603020101020101" pitchFamily="18" charset="-127"/>
               <a:ea typeface="08서울한강체 L" panose="02020603020101020101" pitchFamily="18" charset="-127"/>
             </a:endParaRPr>
@@ -18246,28 +18928,28 @@
           <a:lstStyle/>
           <a:p>
             <a:r>
-              <a:rPr lang="ko-KR" altLang="en-US" sz="2000" dirty="0" smtClean="0">
+              <a:rPr lang="ko-KR" altLang="en-US" sz="2000" dirty="0">
                 <a:latin typeface="08서울한강체 L" panose="02020603020101020101" pitchFamily="18" charset="-127"/>
                 <a:ea typeface="08서울한강체 L" panose="02020603020101020101" pitchFamily="18" charset="-127"/>
               </a:rPr>
               <a:t>각 지역마다 존재하는 자원을 채취하며 </a:t>
             </a:r>
             <a:r>
-              <a:rPr lang="ko-KR" altLang="en-US" sz="2000" dirty="0" err="1" smtClean="0">
+              <a:rPr lang="ko-KR" altLang="en-US" sz="2000" dirty="0" err="1">
                 <a:latin typeface="08서울한강체 L" panose="02020603020101020101" pitchFamily="18" charset="-127"/>
                 <a:ea typeface="08서울한강체 L" panose="02020603020101020101" pitchFamily="18" charset="-127"/>
               </a:rPr>
               <a:t>포탑을</a:t>
             </a:r>
             <a:r>
-              <a:rPr lang="ko-KR" altLang="en-US" sz="2000" dirty="0" smtClean="0">
+              <a:rPr lang="ko-KR" altLang="en-US" sz="2000" dirty="0">
                 <a:latin typeface="08서울한강체 L" panose="02020603020101020101" pitchFamily="18" charset="-127"/>
                 <a:ea typeface="08서울한강체 L" panose="02020603020101020101" pitchFamily="18" charset="-127"/>
               </a:rPr>
               <a:t> 건설한다</a:t>
             </a:r>
             <a:r>
-              <a:rPr lang="en-US" altLang="ko-KR" sz="2000" dirty="0" smtClean="0">
+              <a:rPr lang="en-US" altLang="ko-KR" sz="2000" dirty="0">
                 <a:latin typeface="08서울한강체 L" panose="02020603020101020101" pitchFamily="18" charset="-127"/>
                 <a:ea typeface="08서울한강체 L" panose="02020603020101020101" pitchFamily="18" charset="-127"/>
               </a:rPr>
@@ -18276,28 +18958,28 @@
           </a:p>
           <a:p>
             <a:r>
-              <a:rPr lang="ko-KR" altLang="en-US" sz="2000" dirty="0" smtClean="0">
+              <a:rPr lang="ko-KR" altLang="en-US" sz="2000" dirty="0">
                 <a:latin typeface="08서울한강체 L" panose="02020603020101020101" pitchFamily="18" charset="-127"/>
                 <a:ea typeface="08서울한강체 L" panose="02020603020101020101" pitchFamily="18" charset="-127"/>
               </a:rPr>
               <a:t>플레이어는 자원을 활용하여 </a:t>
             </a:r>
             <a:r>
-              <a:rPr lang="ko-KR" altLang="en-US" sz="2000" dirty="0" err="1" smtClean="0">
+              <a:rPr lang="ko-KR" altLang="en-US" sz="2000" dirty="0" err="1">
                 <a:latin typeface="08서울한강체 L" panose="02020603020101020101" pitchFamily="18" charset="-127"/>
                 <a:ea typeface="08서울한강체 L" panose="02020603020101020101" pitchFamily="18" charset="-127"/>
               </a:rPr>
               <a:t>포탑을</a:t>
             </a:r>
             <a:r>
-              <a:rPr lang="ko-KR" altLang="en-US" sz="2000" dirty="0" smtClean="0">
+              <a:rPr lang="ko-KR" altLang="en-US" sz="2000" dirty="0">
                 <a:latin typeface="08서울한강체 L" panose="02020603020101020101" pitchFamily="18" charset="-127"/>
                 <a:ea typeface="08서울한강체 L" panose="02020603020101020101" pitchFamily="18" charset="-127"/>
               </a:rPr>
               <a:t> 업그레이드하는 연구를 진행한다</a:t>
             </a:r>
             <a:r>
-              <a:rPr lang="en-US" altLang="ko-KR" sz="2000" dirty="0" smtClean="0">
+              <a:rPr lang="en-US" altLang="ko-KR" sz="2000" dirty="0">
                 <a:latin typeface="08서울한강체 L" panose="02020603020101020101" pitchFamily="18" charset="-127"/>
                 <a:ea typeface="08서울한강체 L" panose="02020603020101020101" pitchFamily="18" charset="-127"/>
               </a:rPr>
@@ -18306,45 +18988,11 @@
           </a:p>
           <a:p>
             <a:r>
-              <a:rPr lang="ko-KR" altLang="en-US" sz="2000" dirty="0" smtClean="0">
+              <a:rPr lang="ko-KR" altLang="en-US" sz="2000" dirty="0">
                 <a:latin typeface="08서울한강체 L" panose="02020603020101020101" pitchFamily="18" charset="-127"/>
                 <a:ea typeface="08서울한강체 L" panose="02020603020101020101" pitchFamily="18" charset="-127"/>
               </a:rPr>
               <a:t> </a:t>
-            </a:r>
-            <a:endParaRPr lang="en-US" altLang="ko-KR" sz="2000" dirty="0" smtClean="0">
-              <a:latin typeface="08서울한강체 L" panose="02020603020101020101" pitchFamily="18" charset="-127"/>
-              <a:ea typeface="08서울한강체 L" panose="02020603020101020101" pitchFamily="18" charset="-127"/>
-            </a:endParaRPr>
-          </a:p>
-          <a:p>
-            <a:r>
-              <a:rPr lang="ko-KR" altLang="en-US" sz="2000" dirty="0" smtClean="0">
-                <a:latin typeface="08서울한강체 L" panose="02020603020101020101" pitchFamily="18" charset="-127"/>
-                <a:ea typeface="08서울한강체 L" panose="02020603020101020101" pitchFamily="18" charset="-127"/>
-              </a:rPr>
-              <a:t>정해진 시간마다 웨이브가 진행되며 설치된 </a:t>
-            </a:r>
-            <a:r>
-              <a:rPr lang="ko-KR" altLang="en-US" sz="2000" dirty="0" err="1" smtClean="0">
-                <a:latin typeface="08서울한강체 L" panose="02020603020101020101" pitchFamily="18" charset="-127"/>
-                <a:ea typeface="08서울한강체 L" panose="02020603020101020101" pitchFamily="18" charset="-127"/>
-              </a:rPr>
-              <a:t>포탑으로</a:t>
-            </a:r>
-            <a:r>
-              <a:rPr lang="ko-KR" altLang="en-US" sz="2000" dirty="0" smtClean="0">
-                <a:latin typeface="08서울한강체 L" panose="02020603020101020101" pitchFamily="18" charset="-127"/>
-                <a:ea typeface="08서울한강체 L" panose="02020603020101020101" pitchFamily="18" charset="-127"/>
-              </a:rPr>
-              <a:t> 공격 및 방어를 한다</a:t>
-            </a:r>
-            <a:r>
-              <a:rPr lang="en-US" altLang="ko-KR" sz="2000" dirty="0" smtClean="0">
-                <a:latin typeface="08서울한강체 L" panose="02020603020101020101" pitchFamily="18" charset="-127"/>
-                <a:ea typeface="08서울한강체 L" panose="02020603020101020101" pitchFamily="18" charset="-127"/>
-              </a:rPr>
-              <a:t>.</a:t>
             </a:r>
             <a:endParaRPr lang="en-US" altLang="ko-KR" sz="2000" dirty="0">
               <a:latin typeface="08서울한강체 L" panose="02020603020101020101" pitchFamily="18" charset="-127"/>
@@ -18352,13 +19000,43 @@
             </a:endParaRPr>
           </a:p>
           <a:p>
-            <a:endParaRPr lang="en-US" altLang="ko-KR" sz="2000" dirty="0" smtClean="0">
+            <a:r>
+              <a:rPr lang="ko-KR" altLang="en-US" sz="2000" dirty="0">
+                <a:latin typeface="08서울한강체 L" panose="02020603020101020101" pitchFamily="18" charset="-127"/>
+                <a:ea typeface="08서울한강체 L" panose="02020603020101020101" pitchFamily="18" charset="-127"/>
+              </a:rPr>
+              <a:t>정해진 시간마다 웨이브가 진행되며 설치된 </a:t>
+            </a:r>
+            <a:r>
+              <a:rPr lang="ko-KR" altLang="en-US" sz="2000" dirty="0" err="1">
+                <a:latin typeface="08서울한강체 L" panose="02020603020101020101" pitchFamily="18" charset="-127"/>
+                <a:ea typeface="08서울한강체 L" panose="02020603020101020101" pitchFamily="18" charset="-127"/>
+              </a:rPr>
+              <a:t>포탑으로</a:t>
+            </a:r>
+            <a:r>
+              <a:rPr lang="ko-KR" altLang="en-US" sz="2000" dirty="0">
+                <a:latin typeface="08서울한강체 L" panose="02020603020101020101" pitchFamily="18" charset="-127"/>
+                <a:ea typeface="08서울한강체 L" panose="02020603020101020101" pitchFamily="18" charset="-127"/>
+              </a:rPr>
+              <a:t> 공격 및 방어를 한다</a:t>
+            </a:r>
+            <a:r>
+              <a:rPr lang="en-US" altLang="ko-KR" sz="2000" dirty="0">
+                <a:latin typeface="08서울한강체 L" panose="02020603020101020101" pitchFamily="18" charset="-127"/>
+                <a:ea typeface="08서울한강체 L" panose="02020603020101020101" pitchFamily="18" charset="-127"/>
+              </a:rPr>
+              <a:t>.</a:t>
+            </a:r>
+          </a:p>
+          <a:p>
+            <a:endParaRPr lang="en-US" altLang="ko-KR" sz="2000" dirty="0">
               <a:latin typeface="08서울한강체 L" panose="02020603020101020101" pitchFamily="18" charset="-127"/>
               <a:ea typeface="08서울한강체 L" panose="02020603020101020101" pitchFamily="18" charset="-127"/>
             </a:endParaRPr>
           </a:p>
           <a:p>
-            <a:endParaRPr lang="en-US" altLang="ko-KR" sz="2000" dirty="0" smtClean="0">
+            <a:endParaRPr lang="en-US" altLang="ko-KR" sz="2000" dirty="0">
               <a:latin typeface="08서울한강체 L" panose="02020603020101020101" pitchFamily="18" charset="-127"/>
               <a:ea typeface="08서울한강체 L" panose="02020603020101020101" pitchFamily="18" charset="-127"/>
             </a:endParaRPr>
@@ -18375,13 +19053,6 @@
   <p:clrMapOvr>
     <a:masterClrMapping/>
   </p:clrMapOvr>
-  <p:timing>
-    <p:tnLst>
-      <p:par>
-        <p:cTn id="1" dur="indefinite" restart="never" nodeType="tmRoot"/>
-      </p:par>
-    </p:tnLst>
-  </p:timing>
 </p:sld>
 </file>
 
@@ -18474,7 +19145,7 @@
           <a:lstStyle/>
           <a:p>
             <a:r>
-              <a:rPr lang="en-US" altLang="ko-KR" sz="4400" dirty="0" smtClean="0">
+              <a:rPr lang="en-US" altLang="ko-KR" sz="4400" dirty="0">
                 <a:solidFill>
                   <a:schemeClr val="bg1"/>
                 </a:solidFill>
@@ -18516,7 +19187,7 @@
           <a:lstStyle/>
           <a:p>
             <a:r>
-              <a:rPr lang="ko-KR" altLang="en-US" sz="2400" dirty="0" smtClean="0">
+              <a:rPr lang="ko-KR" altLang="en-US" sz="2400" dirty="0">
                 <a:solidFill>
                   <a:srgbClr val="A2272C"/>
                 </a:solidFill>
@@ -18525,13 +19196,6 @@
               </a:rPr>
               <a:t>게임 소개</a:t>
             </a:r>
-            <a:endParaRPr lang="ko-KR" altLang="en-US" sz="2400" dirty="0">
-              <a:solidFill>
-                <a:srgbClr val="A2272C"/>
-              </a:solidFill>
-              <a:latin typeface="08서울한강체 L" panose="02020603020101020101" pitchFamily="18" charset="-127"/>
-              <a:ea typeface="08서울한강체 L" panose="02020603020101020101" pitchFamily="18" charset="-127"/>
-            </a:endParaRPr>
           </a:p>
         </p:txBody>
       </p:sp>
@@ -18550,14 +19214,14 @@
           <p:nvPr>
             <p:extLst>
               <p:ext uri="{D42A27DB-BD31-4B8C-83A1-F6EECF244321}">
-                <p14:modId xmlns:p14="http://schemas.microsoft.com/office/powerpoint/2010/main" val="2583346465"/>
+                <p14:modId xmlns:p14="http://schemas.microsoft.com/office/powerpoint/2010/main" val="3206149879"/>
               </p:ext>
             </p:extLst>
           </p:nvPr>
         </p:nvGraphicFramePr>
         <p:xfrm>
-          <a:off x="2019494" y="724862"/>
-          <a:ext cx="8648505" cy="6020843"/>
+          <a:off x="951803" y="1533239"/>
+          <a:ext cx="10427854" cy="4701308"/>
         </p:xfrm>
         <a:graphic>
           <a:graphicData uri="http://schemas.openxmlformats.org/drawingml/2006/table">
@@ -18566,14 +19230,14 @@
                 <a:tableStyleId>{2D5ABB26-0587-4C30-8999-92F81FD0307C}</a:tableStyleId>
               </a:tblPr>
               <a:tblGrid>
-                <a:gridCol w="3776109">
+                <a:gridCol w="4553008">
                   <a:extLst>
                     <a:ext uri="{9D8B030D-6E8A-4147-A177-3AD203B41FA5}">
                       <a16:colId xmlns:a16="http://schemas.microsoft.com/office/drawing/2014/main" val="2748037351"/>
                     </a:ext>
                   </a:extLst>
                 </a:gridCol>
-                <a:gridCol w="4872396">
+                <a:gridCol w="5874846">
                   <a:extLst>
                     <a:ext uri="{9D8B030D-6E8A-4147-A177-3AD203B41FA5}">
                       <a16:colId xmlns:a16="http://schemas.microsoft.com/office/drawing/2014/main" val="820828031"/>
@@ -18581,7 +19245,7 @@
                   </a:extLst>
                 </a:gridCol>
               </a:tblGrid>
-              <a:tr h="1047153">
+              <a:tr h="839652">
                 <a:tc>
                   <a:txBody>
                     <a:bodyPr/>
@@ -18589,7 +19253,7 @@
                     <a:p>
                       <a:pPr algn="ctr" latinLnBrk="1"/>
                       <a:r>
-                        <a:rPr lang="ko-KR" altLang="en-US" sz="2400" spc="0" dirty="0" smtClean="0">
+                        <a:rPr lang="ko-KR" altLang="en-US" sz="2400" spc="0" dirty="0">
                           <a:solidFill>
                             <a:schemeClr val="bg1"/>
                           </a:solidFill>
@@ -18598,13 +19262,6 @@
                         </a:rPr>
                         <a:t>예상 플레이 시간</a:t>
                       </a:r>
-                      <a:endParaRPr lang="ko-KR" altLang="en-US" sz="2400" spc="0" dirty="0">
-                        <a:solidFill>
-                          <a:schemeClr val="bg1"/>
-                        </a:solidFill>
-                        <a:latin typeface="08서울한강체 L" panose="02020603020101020101" pitchFamily="18" charset="-127"/>
-                        <a:ea typeface="08서울한강체 L" panose="02020603020101020101" pitchFamily="18" charset="-127"/>
-                      </a:endParaRPr>
                     </a:p>
                   </a:txBody>
                   <a:tcPr anchor="ctr">
@@ -18676,7 +19333,7 @@
                         <a:defRPr/>
                       </a:pPr>
                       <a:r>
-                        <a:rPr lang="en-US" altLang="ko-KR" sz="2400" spc="0" dirty="0" smtClean="0">
+                        <a:rPr lang="en-US" altLang="ko-KR" sz="2400" spc="0" dirty="0">
                           <a:solidFill>
                             <a:schemeClr val="bg1"/>
                           </a:solidFill>
@@ -18686,7 +19343,7 @@
                         <a:t>1</a:t>
                       </a:r>
                       <a:r>
-                        <a:rPr lang="ko-KR" altLang="en-US" sz="2400" spc="0" dirty="0" smtClean="0">
+                        <a:rPr lang="ko-KR" altLang="en-US" sz="2400" spc="0" dirty="0">
                           <a:solidFill>
                             <a:schemeClr val="bg1"/>
                           </a:solidFill>
@@ -18696,7 +19353,7 @@
                         <a:t>판당 약 </a:t>
                       </a:r>
                       <a:r>
-                        <a:rPr lang="en-US" altLang="ko-KR" sz="2400" spc="0" dirty="0" smtClean="0">
+                        <a:rPr lang="en-US" altLang="ko-KR" sz="2400" spc="0" dirty="0">
                           <a:solidFill>
                             <a:schemeClr val="bg1"/>
                           </a:solidFill>
@@ -18706,7 +19363,7 @@
                         <a:t>25</a:t>
                       </a:r>
                       <a:r>
-                        <a:rPr lang="en-US" altLang="ko-KR" sz="2400" spc="0" baseline="0" dirty="0" smtClean="0">
+                        <a:rPr lang="en-US" altLang="ko-KR" sz="2400" spc="0" baseline="0" dirty="0">
                           <a:solidFill>
                             <a:schemeClr val="bg1"/>
                           </a:solidFill>
@@ -18716,7 +19373,7 @@
                         <a:t> </a:t>
                       </a:r>
                       <a:r>
-                        <a:rPr lang="en-US" altLang="ko-KR" sz="2400" spc="0" dirty="0" smtClean="0">
+                        <a:rPr lang="en-US" altLang="ko-KR" sz="2400" spc="0" dirty="0">
                           <a:solidFill>
                             <a:schemeClr val="bg1"/>
                           </a:solidFill>
@@ -18726,7 +19383,7 @@
                         <a:t>~ 30</a:t>
                       </a:r>
                       <a:r>
-                        <a:rPr lang="ko-KR" altLang="en-US" sz="2400" spc="0" dirty="0" smtClean="0">
+                        <a:rPr lang="ko-KR" altLang="en-US" sz="2400" spc="0" dirty="0">
                           <a:solidFill>
                             <a:schemeClr val="bg1"/>
                           </a:solidFill>
@@ -18736,7 +19393,7 @@
                         <a:t>분</a:t>
                       </a:r>
                       <a:r>
-                        <a:rPr lang="en-US" altLang="ko-KR" sz="2400" spc="0" dirty="0" smtClean="0">
+                        <a:rPr lang="en-US" altLang="ko-KR" sz="2400" spc="0" dirty="0">
                           <a:solidFill>
                             <a:schemeClr val="bg1"/>
                           </a:solidFill>
@@ -18814,7 +19471,7 @@
                   </a:ext>
                 </a:extLst>
               </a:tr>
-              <a:tr h="902414">
+              <a:tr h="723595">
                 <a:tc>
                   <a:txBody>
                     <a:bodyPr/>
@@ -18822,7 +19479,7 @@
                     <a:p>
                       <a:pPr algn="ctr" latinLnBrk="1"/>
                       <a:r>
-                        <a:rPr lang="ko-KR" altLang="en-US" sz="2400" spc="0" dirty="0" err="1" smtClean="0">
+                        <a:rPr lang="ko-KR" altLang="en-US" sz="2400" spc="0" dirty="0" err="1">
                           <a:solidFill>
                             <a:schemeClr val="bg1"/>
                           </a:solidFill>
@@ -18832,7 +19489,7 @@
                         <a:t>포탑</a:t>
                       </a:r>
                       <a:r>
-                        <a:rPr lang="ko-KR" altLang="en-US" sz="2400" spc="0" dirty="0" smtClean="0">
+                        <a:rPr lang="ko-KR" altLang="en-US" sz="2400" spc="0" dirty="0">
                           <a:solidFill>
                             <a:schemeClr val="bg1"/>
                           </a:solidFill>
@@ -18841,13 +19498,6 @@
                         </a:rPr>
                         <a:t> 종류</a:t>
                       </a:r>
-                      <a:endParaRPr lang="ko-KR" altLang="en-US" sz="2400" spc="0" dirty="0">
-                        <a:solidFill>
-                          <a:schemeClr val="bg1"/>
-                        </a:solidFill>
-                        <a:latin typeface="08서울한강체 L" panose="02020603020101020101" pitchFamily="18" charset="-127"/>
-                        <a:ea typeface="08서울한강체 L" panose="02020603020101020101" pitchFamily="18" charset="-127"/>
-                      </a:endParaRPr>
                     </a:p>
                   </a:txBody>
                   <a:tcPr anchor="ctr">
@@ -18923,7 +19573,7 @@
                         <a:defRPr/>
                       </a:pPr>
                       <a:r>
-                        <a:rPr lang="en-US" altLang="ko-KR" sz="2400" spc="0" dirty="0" smtClean="0">
+                        <a:rPr lang="en-US" altLang="ko-KR" sz="2400" spc="0" dirty="0">
                           <a:solidFill>
                             <a:schemeClr val="bg1"/>
                           </a:solidFill>
@@ -18933,7 +19583,7 @@
                         <a:t>5</a:t>
                       </a:r>
                       <a:r>
-                        <a:rPr lang="ko-KR" altLang="en-US" sz="2400" spc="0" dirty="0" smtClean="0">
+                        <a:rPr lang="ko-KR" altLang="en-US" sz="2400" spc="0" dirty="0">
                           <a:solidFill>
                             <a:schemeClr val="bg1"/>
                           </a:solidFill>
@@ -18943,7 +19593,7 @@
                         <a:t>개 </a:t>
                       </a:r>
                       <a:r>
-                        <a:rPr lang="en-US" altLang="ko-KR" sz="2400" spc="0" dirty="0" smtClean="0">
+                        <a:rPr lang="en-US" altLang="ko-KR" sz="2400" spc="0" dirty="0">
                           <a:solidFill>
                             <a:schemeClr val="bg1"/>
                           </a:solidFill>
@@ -18953,7 +19603,7 @@
                         <a:t>( </a:t>
                       </a:r>
                       <a:r>
-                        <a:rPr lang="ko-KR" altLang="en-US" sz="2400" spc="0" dirty="0" smtClean="0">
+                        <a:rPr lang="ko-KR" altLang="en-US" sz="2400" spc="0" dirty="0">
                           <a:solidFill>
                             <a:schemeClr val="bg1"/>
                           </a:solidFill>
@@ -18963,7 +19613,7 @@
                         <a:t>공격 </a:t>
                       </a:r>
                       <a:r>
-                        <a:rPr lang="ko-KR" altLang="en-US" sz="2400" spc="0" dirty="0" err="1" smtClean="0">
+                        <a:rPr lang="ko-KR" altLang="en-US" sz="2400" spc="0" dirty="0" err="1">
                           <a:solidFill>
                             <a:schemeClr val="bg1"/>
                           </a:solidFill>
@@ -18973,7 +19623,7 @@
                         <a:t>포탑</a:t>
                       </a:r>
                       <a:r>
-                        <a:rPr lang="ko-KR" altLang="en-US" sz="2400" spc="0" dirty="0" smtClean="0">
+                        <a:rPr lang="ko-KR" altLang="en-US" sz="2400" spc="0" dirty="0">
                           <a:solidFill>
                             <a:schemeClr val="bg1"/>
                           </a:solidFill>
@@ -18983,7 +19633,7 @@
                         <a:t> </a:t>
                       </a:r>
                       <a:r>
-                        <a:rPr lang="en-US" altLang="ko-KR" sz="2400" spc="0" dirty="0" smtClean="0">
+                        <a:rPr lang="en-US" altLang="ko-KR" sz="2400" spc="0" dirty="0">
                           <a:solidFill>
                             <a:schemeClr val="bg1"/>
                           </a:solidFill>
@@ -18993,7 +19643,7 @@
                         <a:t>2</a:t>
                       </a:r>
                       <a:r>
-                        <a:rPr lang="ko-KR" altLang="en-US" sz="2400" spc="0" dirty="0" smtClean="0">
+                        <a:rPr lang="ko-KR" altLang="en-US" sz="2400" spc="0" dirty="0">
                           <a:solidFill>
                             <a:schemeClr val="bg1"/>
                           </a:solidFill>
@@ -19003,7 +19653,7 @@
                         <a:t>개</a:t>
                       </a:r>
                       <a:r>
-                        <a:rPr lang="en-US" altLang="ko-KR" sz="2400" spc="0" dirty="0" smtClean="0">
+                        <a:rPr lang="en-US" altLang="ko-KR" sz="2400" spc="0" dirty="0">
                           <a:solidFill>
                             <a:schemeClr val="bg1"/>
                           </a:solidFill>
@@ -19013,7 +19663,7 @@
                         <a:t>,</a:t>
                       </a:r>
                       <a:r>
-                        <a:rPr lang="en-US" altLang="ko-KR" sz="2400" spc="0" baseline="0" dirty="0" smtClean="0">
+                        <a:rPr lang="en-US" altLang="ko-KR" sz="2400" spc="0" baseline="0" dirty="0">
                           <a:solidFill>
                             <a:schemeClr val="bg1"/>
                           </a:solidFill>
@@ -19023,7 +19673,7 @@
                         <a:t> </a:t>
                       </a:r>
                       <a:r>
-                        <a:rPr lang="ko-KR" altLang="en-US" sz="2400" spc="0" baseline="0" dirty="0" smtClean="0">
+                        <a:rPr lang="ko-KR" altLang="en-US" sz="2400" spc="0" baseline="0" dirty="0">
                           <a:solidFill>
                             <a:schemeClr val="bg1"/>
                           </a:solidFill>
@@ -19033,7 +19683,7 @@
                         <a:t>방어 </a:t>
                       </a:r>
                       <a:r>
-                        <a:rPr lang="ko-KR" altLang="en-US" sz="2400" spc="0" baseline="0" dirty="0" err="1" smtClean="0">
+                        <a:rPr lang="ko-KR" altLang="en-US" sz="2400" spc="0" baseline="0" dirty="0" err="1">
                           <a:solidFill>
                             <a:schemeClr val="bg1"/>
                           </a:solidFill>
@@ -19043,7 +19693,7 @@
                         <a:t>포탑</a:t>
                       </a:r>
                       <a:r>
-                        <a:rPr lang="ko-KR" altLang="en-US" sz="2400" spc="0" baseline="0" dirty="0" smtClean="0">
+                        <a:rPr lang="ko-KR" altLang="en-US" sz="2400" spc="0" baseline="0" dirty="0">
                           <a:solidFill>
                             <a:schemeClr val="bg1"/>
                           </a:solidFill>
@@ -19053,7 +19703,7 @@
                         <a:t> </a:t>
                       </a:r>
                       <a:r>
-                        <a:rPr lang="en-US" altLang="ko-KR" sz="2400" spc="0" baseline="0" dirty="0" smtClean="0">
+                        <a:rPr lang="en-US" altLang="ko-KR" sz="2400" spc="0" baseline="0" dirty="0">
                           <a:solidFill>
                             <a:schemeClr val="bg1"/>
                           </a:solidFill>
@@ -19063,7 +19713,7 @@
                         <a:t>3</a:t>
                       </a:r>
                       <a:r>
-                        <a:rPr lang="ko-KR" altLang="en-US" sz="2400" spc="0" baseline="0" dirty="0" smtClean="0">
+                        <a:rPr lang="ko-KR" altLang="en-US" sz="2400" spc="0" baseline="0" dirty="0">
                           <a:solidFill>
                             <a:schemeClr val="bg1"/>
                           </a:solidFill>
@@ -19073,7 +19723,7 @@
                         <a:t>개</a:t>
                       </a:r>
                       <a:r>
-                        <a:rPr lang="en-US" altLang="ko-KR" sz="2400" spc="0" baseline="0" dirty="0" smtClean="0">
+                        <a:rPr lang="en-US" altLang="ko-KR" sz="2400" spc="0" baseline="0" dirty="0">
                           <a:solidFill>
                             <a:schemeClr val="bg1"/>
                           </a:solidFill>
@@ -19148,7 +19798,7 @@
                   </a:ext>
                 </a:extLst>
               </a:tr>
-              <a:tr h="1216578">
+              <a:tr h="1076525">
                 <a:tc>
                   <a:txBody>
                     <a:bodyPr/>
@@ -19156,7 +19806,7 @@
                     <a:p>
                       <a:pPr algn="ctr" latinLnBrk="1"/>
                       <a:r>
-                        <a:rPr lang="ko-KR" altLang="en-US" sz="2400" spc="0" dirty="0" smtClean="0">
+                        <a:rPr lang="ko-KR" altLang="en-US" sz="2400" spc="0" dirty="0">
                           <a:solidFill>
                             <a:schemeClr val="bg1"/>
                           </a:solidFill>
@@ -19166,7 +19816,7 @@
                         <a:t>적</a:t>
                       </a:r>
                       <a:r>
-                        <a:rPr lang="ko-KR" altLang="en-US" sz="2400" spc="0" baseline="0" dirty="0" smtClean="0">
+                        <a:rPr lang="ko-KR" altLang="en-US" sz="2400" spc="0" baseline="0" dirty="0">
                           <a:solidFill>
                             <a:schemeClr val="bg1"/>
                           </a:solidFill>
@@ -19257,7 +19907,7 @@
                         <a:defRPr/>
                       </a:pPr>
                       <a:r>
-                        <a:rPr lang="en-US" altLang="ko-KR" sz="2400" spc="0" baseline="0" dirty="0" smtClean="0">
+                        <a:rPr lang="en-US" altLang="ko-KR" sz="2400" spc="0" baseline="0" dirty="0">
                           <a:solidFill>
                             <a:schemeClr val="bg1"/>
                           </a:solidFill>
@@ -19267,7 +19917,7 @@
                         <a:t>4</a:t>
                       </a:r>
                       <a:r>
-                        <a:rPr lang="ko-KR" altLang="en-US" sz="2400" spc="0" baseline="0" dirty="0" smtClean="0">
+                        <a:rPr lang="ko-KR" altLang="en-US" sz="2400" spc="0" baseline="0" dirty="0">
                           <a:solidFill>
                             <a:schemeClr val="bg1"/>
                           </a:solidFill>
@@ -19277,7 +19927,7 @@
                         <a:t>개 </a:t>
                       </a:r>
                       <a:r>
-                        <a:rPr lang="en-US" altLang="ko-KR" sz="2400" spc="0" baseline="0" dirty="0" smtClean="0">
+                        <a:rPr lang="en-US" altLang="ko-KR" sz="2400" spc="0" baseline="0" dirty="0">
                           <a:solidFill>
                             <a:schemeClr val="bg1"/>
                           </a:solidFill>
@@ -19287,7 +19937,7 @@
                         <a:t>( </a:t>
                       </a:r>
                       <a:r>
-                        <a:rPr lang="ko-KR" altLang="en-US" sz="2400" spc="0" baseline="0" dirty="0" smtClean="0">
+                        <a:rPr lang="ko-KR" altLang="en-US" sz="2400" spc="0" baseline="0" dirty="0">
                           <a:solidFill>
                             <a:schemeClr val="bg1"/>
                           </a:solidFill>
@@ -19297,7 +19947,7 @@
                         <a:t>근거리</a:t>
                       </a:r>
                       <a:r>
-                        <a:rPr lang="en-US" altLang="ko-KR" sz="2400" spc="0" baseline="0" dirty="0" smtClean="0">
+                        <a:rPr lang="en-US" altLang="ko-KR" sz="2400" spc="0" baseline="0" dirty="0">
                           <a:solidFill>
                             <a:schemeClr val="bg1"/>
                           </a:solidFill>
@@ -19307,7 +19957,7 @@
                         <a:t>, </a:t>
                       </a:r>
                       <a:r>
-                        <a:rPr lang="ko-KR" altLang="en-US" sz="2400" spc="0" baseline="0" dirty="0" smtClean="0">
+                        <a:rPr lang="ko-KR" altLang="en-US" sz="2400" spc="0" baseline="0" dirty="0">
                           <a:solidFill>
                             <a:schemeClr val="bg1"/>
                           </a:solidFill>
@@ -19317,7 +19967,7 @@
                         <a:t>원거리</a:t>
                       </a:r>
                       <a:r>
-                        <a:rPr lang="en-US" altLang="ko-KR" sz="2400" spc="0" baseline="0" dirty="0" smtClean="0">
+                        <a:rPr lang="en-US" altLang="ko-KR" sz="2400" spc="0" baseline="0" dirty="0">
                           <a:solidFill>
                             <a:schemeClr val="bg1"/>
                           </a:solidFill>
@@ -19327,7 +19977,7 @@
                         <a:t>, </a:t>
                       </a:r>
                       <a:r>
-                        <a:rPr lang="ko-KR" altLang="en-US" sz="2400" spc="0" baseline="0" dirty="0" err="1" smtClean="0">
+                        <a:rPr lang="ko-KR" altLang="en-US" sz="2400" spc="0" baseline="0" dirty="0" err="1">
                           <a:solidFill>
                             <a:schemeClr val="bg1"/>
                           </a:solidFill>
@@ -19337,7 +19987,7 @@
                         <a:t>중보스</a:t>
                       </a:r>
                       <a:r>
-                        <a:rPr lang="en-US" altLang="ko-KR" sz="2400" spc="0" baseline="0" dirty="0" smtClean="0">
+                        <a:rPr lang="en-US" altLang="ko-KR" sz="2400" spc="0" baseline="0" dirty="0">
                           <a:solidFill>
                             <a:schemeClr val="bg1"/>
                           </a:solidFill>
@@ -19347,7 +19997,7 @@
                         <a:t>, </a:t>
                       </a:r>
                       <a:r>
-                        <a:rPr lang="ko-KR" altLang="en-US" sz="2400" spc="0" baseline="0" dirty="0" smtClean="0">
+                        <a:rPr lang="ko-KR" altLang="en-US" sz="2400" spc="0" baseline="0" dirty="0">
                           <a:solidFill>
                             <a:schemeClr val="bg1"/>
                           </a:solidFill>
@@ -19357,7 +20007,7 @@
                         <a:t>최종보스</a:t>
                       </a:r>
                       <a:r>
-                        <a:rPr lang="en-US" altLang="ko-KR" sz="2400" spc="0" baseline="0" dirty="0" smtClean="0">
+                        <a:rPr lang="en-US" altLang="ko-KR" sz="2400" spc="0" baseline="0" dirty="0">
                           <a:solidFill>
                             <a:schemeClr val="bg1"/>
                           </a:solidFill>
@@ -19432,7 +20082,7 @@
                   </a:ext>
                 </a:extLst>
               </a:tr>
-              <a:tr h="1399492">
+              <a:tr h="894689">
                 <a:tc>
                   <a:txBody>
                     <a:bodyPr/>
@@ -19440,7 +20090,7 @@
                     <a:p>
                       <a:pPr algn="ctr" latinLnBrk="1"/>
                       <a:r>
-                        <a:rPr lang="ko-KR" altLang="en-US" sz="2400" spc="0" dirty="0" smtClean="0">
+                        <a:rPr lang="ko-KR" altLang="en-US" sz="2400" spc="0" dirty="0">
                           <a:solidFill>
                             <a:schemeClr val="bg1"/>
                           </a:solidFill>
@@ -19449,13 +20099,6 @@
                         </a:rPr>
                         <a:t>자원 종류</a:t>
                       </a:r>
-                      <a:endParaRPr lang="ko-KR" altLang="en-US" sz="2400" spc="0" dirty="0">
-                        <a:solidFill>
-                          <a:schemeClr val="bg1"/>
-                        </a:solidFill>
-                        <a:latin typeface="08서울한강체 L" panose="02020603020101020101" pitchFamily="18" charset="-127"/>
-                        <a:ea typeface="08서울한강체 L" panose="02020603020101020101" pitchFamily="18" charset="-127"/>
-                      </a:endParaRPr>
                     </a:p>
                   </a:txBody>
                   <a:tcPr anchor="ctr">
@@ -19531,7 +20174,7 @@
                         <a:defRPr/>
                       </a:pPr>
                       <a:r>
-                        <a:rPr lang="ko-KR" altLang="en-US" sz="2400" spc="0" baseline="0" dirty="0" smtClean="0">
+                        <a:rPr lang="ko-KR" altLang="en-US" sz="2400" spc="0" baseline="0" dirty="0">
                           <a:solidFill>
                             <a:schemeClr val="bg1"/>
                           </a:solidFill>
@@ -19540,7 +20183,7 @@
                         </a:rPr>
                         <a:t>물 불 철 땅</a:t>
                       </a:r>
-                      <a:endParaRPr lang="en-US" altLang="ko-KR" sz="2400" spc="0" baseline="0" dirty="0" smtClean="0">
+                      <a:endParaRPr lang="en-US" altLang="ko-KR" sz="2400" spc="0" baseline="0" dirty="0">
                         <a:solidFill>
                           <a:schemeClr val="bg1"/>
                         </a:solidFill>
@@ -19613,7 +20256,7 @@
                   </a:ext>
                 </a:extLst>
               </a:tr>
-              <a:tr h="1455206">
+              <a:tr h="1166847">
                 <a:tc>
                   <a:txBody>
                     <a:bodyPr/>
@@ -19621,7 +20264,7 @@
                     <a:p>
                       <a:pPr algn="ctr" latinLnBrk="1"/>
                       <a:r>
-                        <a:rPr lang="ko-KR" altLang="en-US" sz="2400" spc="0" dirty="0" smtClean="0">
+                        <a:rPr lang="ko-KR" altLang="en-US" sz="2400" spc="0" dirty="0">
                           <a:solidFill>
                             <a:schemeClr val="bg1"/>
                           </a:solidFill>
@@ -19630,13 +20273,6 @@
                         </a:rPr>
                         <a:t>건물 종류</a:t>
                       </a:r>
-                      <a:endParaRPr lang="ko-KR" altLang="en-US" sz="2400" spc="0" dirty="0">
-                        <a:solidFill>
-                          <a:schemeClr val="bg1"/>
-                        </a:solidFill>
-                        <a:latin typeface="08서울한강체 L" panose="02020603020101020101" pitchFamily="18" charset="-127"/>
-                        <a:ea typeface="08서울한강체 L" panose="02020603020101020101" pitchFamily="18" charset="-127"/>
-                      </a:endParaRPr>
                     </a:p>
                   </a:txBody>
                   <a:tcPr anchor="ctr">
@@ -19712,7 +20348,7 @@
                         <a:defRPr/>
                       </a:pPr>
                       <a:r>
-                        <a:rPr lang="ko-KR" altLang="en-US" sz="2400" spc="0" baseline="0" dirty="0" smtClean="0">
+                        <a:rPr lang="ko-KR" altLang="en-US" sz="2400" spc="0" baseline="0" dirty="0">
                           <a:solidFill>
                             <a:schemeClr val="bg1"/>
                           </a:solidFill>
@@ -19722,7 +20358,7 @@
                         <a:t>연구소</a:t>
                       </a:r>
                       <a:r>
-                        <a:rPr lang="en-US" altLang="ko-KR" sz="2400" spc="0" baseline="0" dirty="0" smtClean="0">
+                        <a:rPr lang="en-US" altLang="ko-KR" sz="2400" spc="0" baseline="0" dirty="0">
                           <a:solidFill>
                             <a:schemeClr val="bg1"/>
                           </a:solidFill>
@@ -19732,7 +20368,7 @@
                         <a:t>, </a:t>
                       </a:r>
                       <a:r>
-                        <a:rPr lang="ko-KR" altLang="en-US" sz="2400" spc="0" baseline="0" dirty="0" smtClean="0">
+                        <a:rPr lang="ko-KR" altLang="en-US" sz="2400" spc="0" baseline="0" dirty="0">
                           <a:solidFill>
                             <a:schemeClr val="bg1"/>
                           </a:solidFill>
@@ -19742,7 +20378,7 @@
                         <a:t>기지</a:t>
                       </a:r>
                       <a:r>
-                        <a:rPr lang="en-US" altLang="ko-KR" sz="2400" spc="0" baseline="0" dirty="0" smtClean="0">
+                        <a:rPr lang="en-US" altLang="ko-KR" sz="2400" spc="0" baseline="0" dirty="0">
                           <a:solidFill>
                             <a:schemeClr val="bg1"/>
                           </a:solidFill>
@@ -19752,7 +20388,7 @@
                         <a:t>, </a:t>
                       </a:r>
                       <a:r>
-                        <a:rPr lang="ko-KR" altLang="en-US" sz="2400" spc="0" baseline="0" dirty="0" smtClean="0">
+                        <a:rPr lang="ko-KR" altLang="en-US" sz="2400" spc="0" baseline="0" dirty="0">
                           <a:solidFill>
                             <a:schemeClr val="bg1"/>
                           </a:solidFill>
@@ -19762,7 +20398,7 @@
                         <a:t>적 기지</a:t>
                       </a:r>
                       <a:r>
-                        <a:rPr lang="en-US" altLang="ko-KR" sz="2400" spc="0" baseline="0" dirty="0" smtClean="0">
+                        <a:rPr lang="en-US" altLang="ko-KR" sz="2400" spc="0" baseline="0" dirty="0">
                           <a:solidFill>
                             <a:schemeClr val="bg1"/>
                           </a:solidFill>
@@ -19772,7 +20408,7 @@
                         <a:t>, </a:t>
                       </a:r>
                       <a:r>
-                        <a:rPr lang="ko-KR" altLang="en-US" sz="2400" spc="0" baseline="0" dirty="0" err="1" smtClean="0">
+                        <a:rPr lang="ko-KR" altLang="en-US" sz="2400" spc="0" baseline="0" dirty="0" err="1">
                           <a:solidFill>
                             <a:schemeClr val="bg1"/>
                           </a:solidFill>
@@ -19781,7 +20417,7 @@
                         </a:rPr>
                         <a:t>포탑</a:t>
                       </a:r>
-                      <a:endParaRPr lang="en-US" altLang="ko-KR" sz="2400" spc="0" baseline="0" dirty="0" smtClean="0">
+                      <a:endParaRPr lang="en-US" altLang="ko-KR" sz="2400" spc="0" baseline="0" dirty="0">
                         <a:solidFill>
                           <a:schemeClr val="bg1"/>
                         </a:solidFill>
@@ -19868,13 +20504,6 @@
   <p:clrMapOvr>
     <a:masterClrMapping/>
   </p:clrMapOvr>
-  <p:timing>
-    <p:tnLst>
-      <p:par>
-        <p:cTn id="1" dur="indefinite" restart="never" nodeType="tmRoot"/>
-      </p:par>
-    </p:tnLst>
-  </p:timing>
 </p:sld>
 </file>
 
@@ -19967,7 +20596,7 @@
           <a:lstStyle/>
           <a:p>
             <a:r>
-              <a:rPr lang="en-US" altLang="ko-KR" sz="4400" dirty="0" smtClean="0">
+              <a:rPr lang="en-US" altLang="ko-KR" sz="4400" dirty="0">
                 <a:solidFill>
                   <a:schemeClr val="bg1"/>
                 </a:solidFill>
@@ -20009,7 +20638,7 @@
           <a:lstStyle/>
           <a:p>
             <a:r>
-              <a:rPr lang="ko-KR" altLang="en-US" sz="2400" dirty="0" smtClean="0">
+              <a:rPr lang="ko-KR" altLang="en-US" sz="2400" dirty="0">
                 <a:solidFill>
                   <a:srgbClr val="A2272C"/>
                 </a:solidFill>
@@ -20018,13 +20647,162 @@
               </a:rPr>
               <a:t>게임 소개</a:t>
             </a:r>
-            <a:endParaRPr lang="ko-KR" altLang="en-US" sz="2400" dirty="0">
+          </a:p>
+        </p:txBody>
+      </p:sp>
+    </p:spTree>
+    <p:extLst>
+      <p:ext uri="{BB962C8B-B14F-4D97-AF65-F5344CB8AC3E}">
+        <p14:creationId xmlns:p14="http://schemas.microsoft.com/office/powerpoint/2010/main" val="1035440794"/>
+      </p:ext>
+    </p:extLst>
+  </p:cSld>
+  <p:clrMapOvr>
+    <a:masterClrMapping/>
+  </p:clrMapOvr>
+</p:sld>
+</file>
+
+<file path=ppt/slides/slide8.xml><?xml version="1.0" encoding="utf-8"?>
+<p:sld xmlns:a="http://schemas.openxmlformats.org/drawingml/2006/main" xmlns:r="http://schemas.openxmlformats.org/officeDocument/2006/relationships" xmlns:p="http://schemas.openxmlformats.org/presentationml/2006/main">
+  <p:cSld>
+    <p:spTree>
+      <p:nvGrpSpPr>
+        <p:cNvPr id="1" name=""/>
+        <p:cNvGrpSpPr/>
+        <p:nvPr/>
+      </p:nvGrpSpPr>
+      <p:grpSpPr>
+        <a:xfrm>
+          <a:off x="0" y="0"/>
+          <a:ext cx="0" cy="0"/>
+          <a:chOff x="0" y="0"/>
+          <a:chExt cx="0" cy="0"/>
+        </a:xfrm>
+      </p:grpSpPr>
+      <p:sp>
+        <p:nvSpPr>
+          <p:cNvPr id="4" name="직사각형 3"/>
+          <p:cNvSpPr/>
+          <p:nvPr/>
+        </p:nvSpPr>
+        <p:spPr>
+          <a:xfrm>
+            <a:off x="0" y="0"/>
+            <a:ext cx="904875" cy="904875"/>
+          </a:xfrm>
+          <a:prstGeom prst="rect">
+            <a:avLst/>
+          </a:prstGeom>
+          <a:solidFill>
+            <a:srgbClr val="A2272C"/>
+          </a:solidFill>
+          <a:ln>
+            <a:noFill/>
+          </a:ln>
+        </p:spPr>
+        <p:style>
+          <a:lnRef idx="2">
+            <a:schemeClr val="accent1">
+              <a:shade val="50000"/>
+            </a:schemeClr>
+          </a:lnRef>
+          <a:fillRef idx="1">
+            <a:schemeClr val="accent1"/>
+          </a:fillRef>
+          <a:effectRef idx="0">
+            <a:schemeClr val="accent1"/>
+          </a:effectRef>
+          <a:fontRef idx="minor">
+            <a:schemeClr val="lt1"/>
+          </a:fontRef>
+        </p:style>
+        <p:txBody>
+          <a:bodyPr rtlCol="0" anchor="ctr"/>
+          <a:lstStyle/>
+          <a:p>
+            <a:pPr algn="ctr"/>
+            <a:endParaRPr lang="ko-KR" altLang="en-US" dirty="0">
+              <a:latin typeface="08서울한강체 L" panose="02020603020101020101" pitchFamily="18" charset="-127"/>
+              <a:ea typeface="08서울한강체 L" panose="02020603020101020101" pitchFamily="18" charset="-127"/>
+            </a:endParaRPr>
+          </a:p>
+        </p:txBody>
+      </p:sp>
+      <p:sp>
+        <p:nvSpPr>
+          <p:cNvPr id="5" name="TextBox 4"/>
+          <p:cNvSpPr txBox="1"/>
+          <p:nvPr/>
+        </p:nvSpPr>
+        <p:spPr>
+          <a:xfrm>
+            <a:off x="101440" y="67716"/>
+            <a:ext cx="748923" cy="769441"/>
+          </a:xfrm>
+          <a:prstGeom prst="rect">
+            <a:avLst/>
+          </a:prstGeom>
+          <a:noFill/>
+        </p:spPr>
+        <p:txBody>
+          <a:bodyPr wrap="none" rtlCol="0">
+            <a:spAutoFit/>
+          </a:bodyPr>
+          <a:lstStyle/>
+          <a:p>
+            <a:r>
+              <a:rPr lang="en-US" altLang="ko-KR" sz="4400" dirty="0">
+                <a:solidFill>
+                  <a:schemeClr val="bg1"/>
+                </a:solidFill>
+                <a:latin typeface="08서울한강체 L" panose="02020603020101020101" pitchFamily="18" charset="-127"/>
+                <a:ea typeface="08서울한강체 L" panose="02020603020101020101" pitchFamily="18" charset="-127"/>
+              </a:rPr>
+              <a:t>02</a:t>
+            </a:r>
+            <a:endParaRPr lang="ko-KR" altLang="en-US" sz="4400" dirty="0">
               <a:solidFill>
-                <a:srgbClr val="A2272C"/>
+                <a:schemeClr val="bg1"/>
               </a:solidFill>
               <a:latin typeface="08서울한강체 L" panose="02020603020101020101" pitchFamily="18" charset="-127"/>
               <a:ea typeface="08서울한강체 L" panose="02020603020101020101" pitchFamily="18" charset="-127"/>
             </a:endParaRPr>
+          </a:p>
+        </p:txBody>
+      </p:sp>
+      <p:sp>
+        <p:nvSpPr>
+          <p:cNvPr id="6" name="TextBox 5"/>
+          <p:cNvSpPr txBox="1"/>
+          <p:nvPr/>
+        </p:nvSpPr>
+        <p:spPr>
+          <a:xfrm>
+            <a:off x="951803" y="96291"/>
+            <a:ext cx="1372492" cy="461665"/>
+          </a:xfrm>
+          <a:prstGeom prst="rect">
+            <a:avLst/>
+          </a:prstGeom>
+          <a:noFill/>
+        </p:spPr>
+        <p:txBody>
+          <a:bodyPr wrap="none" rtlCol="0">
+            <a:spAutoFit/>
+          </a:bodyPr>
+          <a:lstStyle/>
+          <a:p>
+            <a:r>
+              <a:rPr lang="ko-KR" altLang="en-US" sz="2400" dirty="0">
+                <a:solidFill>
+                  <a:srgbClr val="A2272C"/>
+                </a:solidFill>
+                <a:latin typeface="08서울한강체 L" panose="02020603020101020101" pitchFamily="18" charset="-127"/>
+                <a:ea typeface="08서울한강체 L" panose="02020603020101020101" pitchFamily="18" charset="-127"/>
+              </a:rPr>
+              <a:t>게임 소개</a:t>
+            </a:r>
           </a:p>
         </p:txBody>
       </p:sp>
@@ -20057,54 +20835,11 @@
           <a:lstStyle/>
           <a:p>
             <a:r>
-              <a:rPr lang="ko-KR" altLang="en-US" sz="2000" dirty="0" smtClean="0">
+              <a:rPr lang="ko-KR" altLang="en-US" sz="2000" dirty="0">
                 <a:latin typeface="08서울한강체 L" panose="02020603020101020101" pitchFamily="18" charset="-127"/>
                 <a:ea typeface="08서울한강체 L" panose="02020603020101020101" pitchFamily="18" charset="-127"/>
               </a:rPr>
               <a:t>플레이어</a:t>
-            </a:r>
-            <a:endParaRPr lang="en-US" altLang="ko-KR" sz="2000" dirty="0" smtClean="0">
-              <a:latin typeface="08서울한강체 L" panose="02020603020101020101" pitchFamily="18" charset="-127"/>
-              <a:ea typeface="08서울한강체 L" panose="02020603020101020101" pitchFamily="18" charset="-127"/>
-            </a:endParaRPr>
-          </a:p>
-          <a:p>
-            <a:r>
-              <a:rPr lang="ko-KR" altLang="en-US" sz="2000" dirty="0" smtClean="0">
-                <a:latin typeface="08서울한강체 L" panose="02020603020101020101" pitchFamily="18" charset="-127"/>
-                <a:ea typeface="08서울한강체 L" panose="02020603020101020101" pitchFamily="18" charset="-127"/>
-              </a:rPr>
-              <a:t>크기 </a:t>
-            </a:r>
-            <a:r>
-              <a:rPr lang="en-US" altLang="ko-KR" sz="2000" dirty="0" smtClean="0">
-                <a:latin typeface="08서울한강체 L" panose="02020603020101020101" pitchFamily="18" charset="-127"/>
-                <a:ea typeface="08서울한강체 L" panose="02020603020101020101" pitchFamily="18" charset="-127"/>
-              </a:rPr>
-              <a:t>( 0.5m * 0.5m * 1.5m)</a:t>
-            </a:r>
-          </a:p>
-          <a:p>
-            <a:r>
-              <a:rPr lang="ko-KR" altLang="en-US" sz="2000" dirty="0" smtClean="0">
-                <a:latin typeface="08서울한강체 L" panose="02020603020101020101" pitchFamily="18" charset="-127"/>
-                <a:ea typeface="08서울한강체 L" panose="02020603020101020101" pitchFamily="18" charset="-127"/>
-              </a:rPr>
-              <a:t>자원 채취</a:t>
-            </a:r>
-            <a:r>
-              <a:rPr lang="en-US" altLang="ko-KR" sz="2000" dirty="0" smtClean="0">
-                <a:latin typeface="08서울한강체 L" panose="02020603020101020101" pitchFamily="18" charset="-127"/>
-                <a:ea typeface="08서울한강체 L" panose="02020603020101020101" pitchFamily="18" charset="-127"/>
-              </a:rPr>
-              <a:t>, </a:t>
-            </a:r>
-            <a:r>
-              <a:rPr lang="ko-KR" altLang="en-US" sz="2000" dirty="0" smtClean="0">
-                <a:latin typeface="08서울한강체 L" panose="02020603020101020101" pitchFamily="18" charset="-127"/>
-                <a:ea typeface="08서울한강체 L" panose="02020603020101020101" pitchFamily="18" charset="-127"/>
-              </a:rPr>
-              <a:t>건물 건설</a:t>
             </a:r>
             <a:endParaRPr lang="en-US" altLang="ko-KR" sz="2000" dirty="0">
               <a:latin typeface="08서울한강체 L" panose="02020603020101020101" pitchFamily="18" charset="-127"/>
@@ -20113,348 +20848,380 @@
           </a:p>
           <a:p>
             <a:r>
-              <a:rPr lang="ko-KR" altLang="en-US" sz="2000" dirty="0" smtClean="0">
+              <a:rPr lang="ko-KR" altLang="en-US" sz="2000" dirty="0">
                 <a:latin typeface="08서울한강체 L" panose="02020603020101020101" pitchFamily="18" charset="-127"/>
                 <a:ea typeface="08서울한강체 L" panose="02020603020101020101" pitchFamily="18" charset="-127"/>
               </a:rPr>
-              <a:t>웨이브 중 </a:t>
-            </a:r>
-            <a:r>
-              <a:rPr lang="ko-KR" altLang="en-US" sz="2000" dirty="0" err="1" smtClean="0">
-                <a:latin typeface="08서울한강체 L" panose="02020603020101020101" pitchFamily="18" charset="-127"/>
-                <a:ea typeface="08서울한강체 L" panose="02020603020101020101" pitchFamily="18" charset="-127"/>
-              </a:rPr>
-              <a:t>포탑</a:t>
-            </a:r>
-            <a:r>
-              <a:rPr lang="ko-KR" altLang="en-US" sz="2000" dirty="0" smtClean="0">
-                <a:latin typeface="08서울한강체 L" panose="02020603020101020101" pitchFamily="18" charset="-127"/>
-                <a:ea typeface="08서울한강체 L" panose="02020603020101020101" pitchFamily="18" charset="-127"/>
-              </a:rPr>
-              <a:t> 수리 가능</a:t>
-            </a:r>
-            <a:endParaRPr lang="en-US" altLang="ko-KR" sz="2000" dirty="0" smtClean="0">
-              <a:latin typeface="08서울한강체 L" panose="02020603020101020101" pitchFamily="18" charset="-127"/>
-              <a:ea typeface="08서울한강체 L" panose="02020603020101020101" pitchFamily="18" charset="-127"/>
-            </a:endParaRPr>
-          </a:p>
-          <a:p>
-            <a:endParaRPr lang="en-US" altLang="ko-KR" sz="2000" dirty="0" smtClean="0">
-              <a:latin typeface="08서울한강체 L" panose="02020603020101020101" pitchFamily="18" charset="-127"/>
-              <a:ea typeface="08서울한강체 L" panose="02020603020101020101" pitchFamily="18" charset="-127"/>
-            </a:endParaRPr>
-          </a:p>
-          <a:p>
-            <a:r>
-              <a:rPr lang="ko-KR" altLang="en-US" sz="2000" dirty="0" err="1" smtClean="0">
-                <a:latin typeface="08서울한강체 L" panose="02020603020101020101" pitchFamily="18" charset="-127"/>
-                <a:ea typeface="08서울한강체 L" panose="02020603020101020101" pitchFamily="18" charset="-127"/>
-              </a:rPr>
-              <a:t>포탑</a:t>
-            </a:r>
-            <a:endParaRPr lang="en-US" altLang="ko-KR" sz="2000" dirty="0" smtClean="0">
-              <a:latin typeface="08서울한강체 L" panose="02020603020101020101" pitchFamily="18" charset="-127"/>
-              <a:ea typeface="08서울한강체 L" panose="02020603020101020101" pitchFamily="18" charset="-127"/>
-            </a:endParaRPr>
-          </a:p>
-          <a:p>
-            <a:r>
-              <a:rPr lang="ko-KR" altLang="en-US" sz="2000" dirty="0" smtClean="0">
-                <a:latin typeface="08서울한강체 L" panose="02020603020101020101" pitchFamily="18" charset="-127"/>
-                <a:ea typeface="08서울한강체 L" panose="02020603020101020101" pitchFamily="18" charset="-127"/>
-              </a:rPr>
               <a:t>크기 </a:t>
-            </a:r>
-            <a:r>
-              <a:rPr lang="en-US" altLang="ko-KR" sz="2000" dirty="0" smtClean="0">
-                <a:latin typeface="08서울한강체 L" panose="02020603020101020101" pitchFamily="18" charset="-127"/>
-                <a:ea typeface="08서울한강체 L" panose="02020603020101020101" pitchFamily="18" charset="-127"/>
-              </a:rPr>
-              <a:t>( 1m * 1m * 3m)</a:t>
-            </a:r>
-          </a:p>
-          <a:p>
-            <a:r>
-              <a:rPr lang="ko-KR" altLang="en-US" sz="2000" dirty="0" smtClean="0">
-                <a:latin typeface="08서울한강체 L" panose="02020603020101020101" pitchFamily="18" charset="-127"/>
-                <a:ea typeface="08서울한강체 L" panose="02020603020101020101" pitchFamily="18" charset="-127"/>
-              </a:rPr>
-              <a:t>공격 </a:t>
-            </a:r>
-            <a:r>
-              <a:rPr lang="ko-KR" altLang="en-US" sz="2000" dirty="0" err="1" smtClean="0">
-                <a:latin typeface="08서울한강체 L" panose="02020603020101020101" pitchFamily="18" charset="-127"/>
-                <a:ea typeface="08서울한강체 L" panose="02020603020101020101" pitchFamily="18" charset="-127"/>
-              </a:rPr>
-              <a:t>포탑</a:t>
-            </a:r>
-            <a:endParaRPr lang="en-US" altLang="ko-KR" sz="2000" dirty="0" smtClean="0">
-              <a:latin typeface="08서울한강체 L" panose="02020603020101020101" pitchFamily="18" charset="-127"/>
-              <a:ea typeface="08서울한강체 L" panose="02020603020101020101" pitchFamily="18" charset="-127"/>
-            </a:endParaRPr>
-          </a:p>
-          <a:p>
-            <a:r>
-              <a:rPr lang="en-US" altLang="ko-KR" sz="2000" dirty="0" smtClean="0">
-                <a:latin typeface="08서울한강체 L" panose="02020603020101020101" pitchFamily="18" charset="-127"/>
-                <a:ea typeface="08서울한강체 L" panose="02020603020101020101" pitchFamily="18" charset="-127"/>
-              </a:rPr>
-              <a:t>4</a:t>
-            </a:r>
-            <a:r>
-              <a:rPr lang="ko-KR" altLang="en-US" sz="2000" dirty="0" smtClean="0">
-                <a:latin typeface="08서울한강체 L" panose="02020603020101020101" pitchFamily="18" charset="-127"/>
-                <a:ea typeface="08서울한강체 L" panose="02020603020101020101" pitchFamily="18" charset="-127"/>
-              </a:rPr>
-              <a:t>가지 속성의 공격 </a:t>
-            </a:r>
-            <a:r>
-              <a:rPr lang="ko-KR" altLang="en-US" sz="2000" dirty="0" err="1" smtClean="0">
-                <a:latin typeface="08서울한강체 L" panose="02020603020101020101" pitchFamily="18" charset="-127"/>
-                <a:ea typeface="08서울한강체 L" panose="02020603020101020101" pitchFamily="18" charset="-127"/>
-              </a:rPr>
-              <a:t>포탑</a:t>
-            </a:r>
-            <a:r>
-              <a:rPr lang="en-US" altLang="ko-KR" sz="2000" dirty="0" smtClean="0">
-                <a:latin typeface="08서울한강체 L" panose="02020603020101020101" pitchFamily="18" charset="-127"/>
-                <a:ea typeface="08서울한강체 L" panose="02020603020101020101" pitchFamily="18" charset="-127"/>
-              </a:rPr>
-              <a:t>(</a:t>
-            </a:r>
-            <a:r>
-              <a:rPr lang="ko-KR" altLang="en-US" sz="2000" dirty="0" smtClean="0">
-                <a:latin typeface="08서울한강체 L" panose="02020603020101020101" pitchFamily="18" charset="-127"/>
-                <a:ea typeface="08서울한강체 L" panose="02020603020101020101" pitchFamily="18" charset="-127"/>
-              </a:rPr>
-              <a:t>근거리</a:t>
-            </a:r>
-            <a:r>
-              <a:rPr lang="en-US" altLang="ko-KR" sz="2000" dirty="0" smtClean="0">
-                <a:latin typeface="08서울한강체 L" panose="02020603020101020101" pitchFamily="18" charset="-127"/>
-                <a:ea typeface="08서울한강체 L" panose="02020603020101020101" pitchFamily="18" charset="-127"/>
-              </a:rPr>
-              <a:t>, </a:t>
-            </a:r>
-            <a:r>
-              <a:rPr lang="ko-KR" altLang="en-US" sz="2000" dirty="0" smtClean="0">
-                <a:latin typeface="08서울한강체 L" panose="02020603020101020101" pitchFamily="18" charset="-127"/>
-                <a:ea typeface="08서울한강체 L" panose="02020603020101020101" pitchFamily="18" charset="-127"/>
-              </a:rPr>
-              <a:t>원거리</a:t>
-            </a:r>
-            <a:r>
-              <a:rPr lang="en-US" altLang="ko-KR" sz="2000" dirty="0" smtClean="0">
-                <a:latin typeface="08서울한강체 L" panose="02020603020101020101" pitchFamily="18" charset="-127"/>
-                <a:ea typeface="08서울한강체 L" panose="02020603020101020101" pitchFamily="18" charset="-127"/>
-              </a:rPr>
-              <a:t>)</a:t>
-            </a:r>
-            <a:r>
-              <a:rPr lang="ko-KR" altLang="en-US" sz="2000" dirty="0" smtClean="0">
-                <a:latin typeface="08서울한강체 L" panose="02020603020101020101" pitchFamily="18" charset="-127"/>
-                <a:ea typeface="08서울한강체 L" panose="02020603020101020101" pitchFamily="18" charset="-127"/>
-              </a:rPr>
-              <a:t> 존재</a:t>
-            </a:r>
-            <a:endParaRPr lang="en-US" altLang="ko-KR" sz="2000" dirty="0" smtClean="0">
-              <a:latin typeface="08서울한강체 L" panose="02020603020101020101" pitchFamily="18" charset="-127"/>
-              <a:ea typeface="08서울한강체 L" panose="02020603020101020101" pitchFamily="18" charset="-127"/>
-            </a:endParaRPr>
-          </a:p>
-          <a:p>
-            <a:r>
-              <a:rPr lang="ko-KR" altLang="en-US" sz="2000" dirty="0" smtClean="0">
-                <a:latin typeface="08서울한강체 L" panose="02020603020101020101" pitchFamily="18" charset="-127"/>
-                <a:ea typeface="08서울한강체 L" panose="02020603020101020101" pitchFamily="18" charset="-127"/>
-              </a:rPr>
-              <a:t>방어 </a:t>
-            </a:r>
-            <a:r>
-              <a:rPr lang="ko-KR" altLang="en-US" sz="2000" dirty="0" err="1" smtClean="0">
-                <a:latin typeface="08서울한강체 L" panose="02020603020101020101" pitchFamily="18" charset="-127"/>
-                <a:ea typeface="08서울한강체 L" panose="02020603020101020101" pitchFamily="18" charset="-127"/>
-              </a:rPr>
-              <a:t>포탑</a:t>
-            </a:r>
-            <a:endParaRPr lang="en-US" altLang="ko-KR" sz="2000" dirty="0" smtClean="0">
-              <a:latin typeface="08서울한강체 L" panose="02020603020101020101" pitchFamily="18" charset="-127"/>
-              <a:ea typeface="08서울한강체 L" panose="02020603020101020101" pitchFamily="18" charset="-127"/>
-            </a:endParaRPr>
-          </a:p>
-          <a:p>
-            <a:r>
-              <a:rPr lang="ko-KR" altLang="en-US" sz="2000" dirty="0" smtClean="0">
-                <a:latin typeface="08서울한강체 L" panose="02020603020101020101" pitchFamily="18" charset="-127"/>
-                <a:ea typeface="08서울한강체 L" panose="02020603020101020101" pitchFamily="18" charset="-127"/>
-              </a:rPr>
-              <a:t>단일 </a:t>
-            </a:r>
-            <a:r>
-              <a:rPr lang="en-US" altLang="ko-KR" sz="2000" dirty="0" smtClean="0">
-                <a:latin typeface="08서울한강체 L" panose="02020603020101020101" pitchFamily="18" charset="-127"/>
-                <a:ea typeface="08서울한강체 L" panose="02020603020101020101" pitchFamily="18" charset="-127"/>
-              </a:rPr>
-              <a:t>, </a:t>
-            </a:r>
-            <a:r>
-              <a:rPr lang="ko-KR" altLang="en-US" sz="2000" dirty="0" smtClean="0">
-                <a:latin typeface="08서울한강체 L" panose="02020603020101020101" pitchFamily="18" charset="-127"/>
-                <a:ea typeface="08서울한강체 L" panose="02020603020101020101" pitchFamily="18" charset="-127"/>
-              </a:rPr>
-              <a:t>광역 </a:t>
-            </a:r>
-            <a:r>
-              <a:rPr lang="en-US" altLang="ko-KR" sz="2000" dirty="0" smtClean="0">
-                <a:latin typeface="08서울한강체 L" panose="02020603020101020101" pitchFamily="18" charset="-127"/>
-                <a:ea typeface="08서울한강체 L" panose="02020603020101020101" pitchFamily="18" charset="-127"/>
-              </a:rPr>
-              <a:t>, </a:t>
-            </a:r>
-            <a:r>
-              <a:rPr lang="ko-KR" altLang="en-US" sz="2000" dirty="0" smtClean="0">
-                <a:latin typeface="08서울한강체 L" panose="02020603020101020101" pitchFamily="18" charset="-127"/>
-                <a:ea typeface="08서울한강체 L" panose="02020603020101020101" pitchFamily="18" charset="-127"/>
-              </a:rPr>
-              <a:t>감속 </a:t>
-            </a:r>
-            <a:r>
-              <a:rPr lang="ko-KR" altLang="en-US" sz="2000" dirty="0" err="1" smtClean="0">
-                <a:latin typeface="08서울한강체 L" panose="02020603020101020101" pitchFamily="18" charset="-127"/>
-                <a:ea typeface="08서울한강체 L" panose="02020603020101020101" pitchFamily="18" charset="-127"/>
-              </a:rPr>
-              <a:t>포탑</a:t>
-            </a:r>
-            <a:r>
-              <a:rPr lang="ko-KR" altLang="en-US" sz="2000" dirty="0" smtClean="0">
-                <a:latin typeface="08서울한강체 L" panose="02020603020101020101" pitchFamily="18" charset="-127"/>
-                <a:ea typeface="08서울한강체 L" panose="02020603020101020101" pitchFamily="18" charset="-127"/>
-              </a:rPr>
-              <a:t> 존재</a:t>
-            </a:r>
-            <a:endParaRPr lang="en-US" altLang="ko-KR" sz="2000" dirty="0" smtClean="0">
-              <a:latin typeface="08서울한강체 L" panose="02020603020101020101" pitchFamily="18" charset="-127"/>
-              <a:ea typeface="08서울한강체 L" panose="02020603020101020101" pitchFamily="18" charset="-127"/>
-            </a:endParaRPr>
-          </a:p>
-          <a:p>
-            <a:endParaRPr lang="en-US" altLang="ko-KR" sz="2000" dirty="0" smtClean="0">
-              <a:latin typeface="08서울한강체 L" panose="02020603020101020101" pitchFamily="18" charset="-127"/>
-              <a:ea typeface="08서울한강체 L" panose="02020603020101020101" pitchFamily="18" charset="-127"/>
-            </a:endParaRPr>
-          </a:p>
-          <a:p>
-            <a:r>
-              <a:rPr lang="ko-KR" altLang="en-US" sz="2000" dirty="0" smtClean="0">
-                <a:latin typeface="08서울한강체 L" panose="02020603020101020101" pitchFamily="18" charset="-127"/>
-                <a:ea typeface="08서울한강체 L" panose="02020603020101020101" pitchFamily="18" charset="-127"/>
-              </a:rPr>
-              <a:t>원소</a:t>
-            </a:r>
-            <a:endParaRPr lang="en-US" altLang="ko-KR" sz="2000" dirty="0" smtClean="0">
-              <a:latin typeface="08서울한강체 L" panose="02020603020101020101" pitchFamily="18" charset="-127"/>
-              <a:ea typeface="08서울한강체 L" panose="02020603020101020101" pitchFamily="18" charset="-127"/>
-            </a:endParaRPr>
-          </a:p>
-          <a:p>
-            <a:r>
-              <a:rPr lang="ko-KR" altLang="en-US" sz="2000" dirty="0" smtClean="0">
-                <a:latin typeface="08서울한강체 L" panose="02020603020101020101" pitchFamily="18" charset="-127"/>
-                <a:ea typeface="08서울한강체 L" panose="02020603020101020101" pitchFamily="18" charset="-127"/>
-              </a:rPr>
-              <a:t>크기 </a:t>
-            </a:r>
-            <a:r>
-              <a:rPr lang="en-US" altLang="ko-KR" sz="2000" dirty="0" smtClean="0">
-                <a:latin typeface="08서울한강체 L" panose="02020603020101020101" pitchFamily="18" charset="-127"/>
-                <a:ea typeface="08서울한강체 L" panose="02020603020101020101" pitchFamily="18" charset="-127"/>
-              </a:rPr>
-              <a:t>( 0.25</a:t>
             </a:r>
             <a:r>
               <a:rPr lang="en-US" altLang="ko-KR" sz="2000" dirty="0">
                 <a:latin typeface="08서울한강체 L" panose="02020603020101020101" pitchFamily="18" charset="-127"/>
                 <a:ea typeface="08서울한강체 L" panose="02020603020101020101" pitchFamily="18" charset="-127"/>
               </a:rPr>
-              <a:t>m</a:t>
-            </a:r>
-            <a:r>
-              <a:rPr lang="ko-KR" altLang="en-US" sz="2000" dirty="0" smtClean="0">
+              <a:t>( 0.5m * 0.5m * 1.5m)</a:t>
+            </a:r>
+          </a:p>
+          <a:p>
+            <a:r>
+              <a:rPr lang="ko-KR" altLang="en-US" sz="2000" dirty="0">
                 <a:latin typeface="08서울한강체 L" panose="02020603020101020101" pitchFamily="18" charset="-127"/>
                 <a:ea typeface="08서울한강체 L" panose="02020603020101020101" pitchFamily="18" charset="-127"/>
               </a:rPr>
-              <a:t> </a:t>
-            </a:r>
-            <a:r>
-              <a:rPr lang="en-US" altLang="ko-KR" sz="2000" dirty="0" smtClean="0">
+              <a:t>자원 채취</a:t>
+            </a:r>
+            <a:r>
+              <a:rPr lang="en-US" altLang="ko-KR" sz="2000" dirty="0">
                 <a:latin typeface="08서울한강체 L" panose="02020603020101020101" pitchFamily="18" charset="-127"/>
                 <a:ea typeface="08서울한강체 L" panose="02020603020101020101" pitchFamily="18" charset="-127"/>
               </a:rPr>
-              <a:t>* 0.25m * 0.5m)</a:t>
-            </a:r>
-          </a:p>
-          <a:p>
-            <a:r>
-              <a:rPr lang="ko-KR" altLang="en-US" sz="2000" dirty="0" smtClean="0">
+              <a:t>, </a:t>
+            </a:r>
+            <a:r>
+              <a:rPr lang="ko-KR" altLang="en-US" sz="2000" dirty="0">
                 <a:latin typeface="08서울한강체 L" panose="02020603020101020101" pitchFamily="18" charset="-127"/>
                 <a:ea typeface="08서울한강체 L" panose="02020603020101020101" pitchFamily="18" charset="-127"/>
               </a:rPr>
-              <a:t>속성 간의 약점 존재</a:t>
-            </a:r>
-            <a:endParaRPr lang="en-US" altLang="ko-KR" sz="2000" dirty="0" smtClean="0">
-              <a:latin typeface="08서울한강체 L" panose="02020603020101020101" pitchFamily="18" charset="-127"/>
-              <a:ea typeface="08서울한강체 L" panose="02020603020101020101" pitchFamily="18" charset="-127"/>
-            </a:endParaRPr>
-          </a:p>
-          <a:p>
-            <a:r>
-              <a:rPr lang="ko-KR" altLang="en-US" sz="2000" dirty="0" smtClean="0">
-                <a:latin typeface="08서울한강체 L" panose="02020603020101020101" pitchFamily="18" charset="-127"/>
-                <a:ea typeface="08서울한강체 L" panose="02020603020101020101" pitchFamily="18" charset="-127"/>
-              </a:rPr>
-              <a:t>지속적으로 생성된다</a:t>
-            </a:r>
-            <a:r>
-              <a:rPr lang="en-US" altLang="ko-KR" sz="2000" dirty="0" smtClean="0">
-                <a:latin typeface="08서울한강체 L" panose="02020603020101020101" pitchFamily="18" charset="-127"/>
-                <a:ea typeface="08서울한강체 L" panose="02020603020101020101" pitchFamily="18" charset="-127"/>
-              </a:rPr>
-              <a:t>.</a:t>
-            </a:r>
-          </a:p>
-          <a:p>
-            <a:r>
-              <a:rPr lang="ko-KR" altLang="en-US" sz="2000" dirty="0" smtClean="0">
-                <a:latin typeface="08서울한강체 L" panose="02020603020101020101" pitchFamily="18" charset="-127"/>
-                <a:ea typeface="08서울한강체 L" panose="02020603020101020101" pitchFamily="18" charset="-127"/>
-              </a:rPr>
-              <a:t>연구 </a:t>
-            </a:r>
-            <a:r>
-              <a:rPr lang="ko-KR" altLang="en-US" sz="2000" dirty="0" err="1" smtClean="0">
-                <a:latin typeface="08서울한강체 L" panose="02020603020101020101" pitchFamily="18" charset="-127"/>
-                <a:ea typeface="08서울한강체 L" panose="02020603020101020101" pitchFamily="18" charset="-127"/>
-              </a:rPr>
-              <a:t>진행도에</a:t>
-            </a:r>
-            <a:r>
-              <a:rPr lang="ko-KR" altLang="en-US" sz="2000" dirty="0" smtClean="0">
-                <a:latin typeface="08서울한강체 L" panose="02020603020101020101" pitchFamily="18" charset="-127"/>
-                <a:ea typeface="08서울한강체 L" panose="02020603020101020101" pitchFamily="18" charset="-127"/>
-              </a:rPr>
-              <a:t> 따라 강해진다</a:t>
-            </a:r>
-            <a:r>
-              <a:rPr lang="en-US" altLang="ko-KR" sz="2000" dirty="0" smtClean="0">
-                <a:latin typeface="08서울한강체 L" panose="02020603020101020101" pitchFamily="18" charset="-127"/>
-                <a:ea typeface="08서울한강체 L" panose="02020603020101020101" pitchFamily="18" charset="-127"/>
-              </a:rPr>
-              <a:t>.</a:t>
+              <a:t>건물 건설</a:t>
             </a:r>
             <a:endParaRPr lang="en-US" altLang="ko-KR" sz="2000" dirty="0">
               <a:latin typeface="08서울한강체 L" panose="02020603020101020101" pitchFamily="18" charset="-127"/>
               <a:ea typeface="08서울한강체 L" panose="02020603020101020101" pitchFamily="18" charset="-127"/>
             </a:endParaRPr>
+          </a:p>
+          <a:p>
+            <a:r>
+              <a:rPr lang="ko-KR" altLang="en-US" sz="2000" dirty="0">
+                <a:latin typeface="08서울한강체 L" panose="02020603020101020101" pitchFamily="18" charset="-127"/>
+                <a:ea typeface="08서울한강체 L" panose="02020603020101020101" pitchFamily="18" charset="-127"/>
+              </a:rPr>
+              <a:t>웨이브 중 </a:t>
+            </a:r>
+            <a:r>
+              <a:rPr lang="ko-KR" altLang="en-US" sz="2000" dirty="0" err="1">
+                <a:latin typeface="08서울한강체 L" panose="02020603020101020101" pitchFamily="18" charset="-127"/>
+                <a:ea typeface="08서울한강체 L" panose="02020603020101020101" pitchFamily="18" charset="-127"/>
+              </a:rPr>
+              <a:t>포탑</a:t>
+            </a:r>
+            <a:r>
+              <a:rPr lang="ko-KR" altLang="en-US" sz="2000" dirty="0">
+                <a:latin typeface="08서울한강체 L" panose="02020603020101020101" pitchFamily="18" charset="-127"/>
+                <a:ea typeface="08서울한강체 L" panose="02020603020101020101" pitchFamily="18" charset="-127"/>
+              </a:rPr>
+              <a:t> 수리 가능</a:t>
+            </a:r>
+            <a:endParaRPr lang="en-US" altLang="ko-KR" sz="2000" dirty="0">
+              <a:latin typeface="08서울한강체 L" panose="02020603020101020101" pitchFamily="18" charset="-127"/>
+              <a:ea typeface="08서울한강체 L" panose="02020603020101020101" pitchFamily="18" charset="-127"/>
+            </a:endParaRPr>
+          </a:p>
+          <a:p>
+            <a:endParaRPr lang="en-US" altLang="ko-KR" sz="2000" dirty="0">
+              <a:latin typeface="08서울한강체 L" panose="02020603020101020101" pitchFamily="18" charset="-127"/>
+              <a:ea typeface="08서울한강체 L" panose="02020603020101020101" pitchFamily="18" charset="-127"/>
+            </a:endParaRPr>
+          </a:p>
+          <a:p>
+            <a:r>
+              <a:rPr lang="ko-KR" altLang="en-US" sz="2000" dirty="0" err="1">
+                <a:latin typeface="08서울한강체 L" panose="02020603020101020101" pitchFamily="18" charset="-127"/>
+                <a:ea typeface="08서울한강체 L" panose="02020603020101020101" pitchFamily="18" charset="-127"/>
+              </a:rPr>
+              <a:t>포탑</a:t>
+            </a:r>
+            <a:endParaRPr lang="en-US" altLang="ko-KR" sz="2000" dirty="0">
+              <a:latin typeface="08서울한강체 L" panose="02020603020101020101" pitchFamily="18" charset="-127"/>
+              <a:ea typeface="08서울한강체 L" panose="02020603020101020101" pitchFamily="18" charset="-127"/>
+            </a:endParaRPr>
+          </a:p>
+          <a:p>
+            <a:r>
+              <a:rPr lang="ko-KR" altLang="en-US" sz="2000" dirty="0">
+                <a:latin typeface="08서울한강체 L" panose="02020603020101020101" pitchFamily="18" charset="-127"/>
+                <a:ea typeface="08서울한강체 L" panose="02020603020101020101" pitchFamily="18" charset="-127"/>
+              </a:rPr>
+              <a:t>크기 </a:t>
+            </a:r>
+            <a:r>
+              <a:rPr lang="en-US" altLang="ko-KR" sz="2000" dirty="0">
+                <a:latin typeface="08서울한강체 L" panose="02020603020101020101" pitchFamily="18" charset="-127"/>
+                <a:ea typeface="08서울한강체 L" panose="02020603020101020101" pitchFamily="18" charset="-127"/>
+              </a:rPr>
+              <a:t>( 1m * 1m * 3m)</a:t>
+            </a:r>
+          </a:p>
+          <a:p>
+            <a:r>
+              <a:rPr lang="ko-KR" altLang="en-US" sz="2000" dirty="0">
+                <a:latin typeface="08서울한강체 L" panose="02020603020101020101" pitchFamily="18" charset="-127"/>
+                <a:ea typeface="08서울한강체 L" panose="02020603020101020101" pitchFamily="18" charset="-127"/>
+              </a:rPr>
+              <a:t>공격 </a:t>
+            </a:r>
+            <a:r>
+              <a:rPr lang="ko-KR" altLang="en-US" sz="2000" dirty="0" err="1">
+                <a:latin typeface="08서울한강체 L" panose="02020603020101020101" pitchFamily="18" charset="-127"/>
+                <a:ea typeface="08서울한강체 L" panose="02020603020101020101" pitchFamily="18" charset="-127"/>
+              </a:rPr>
+              <a:t>포탑</a:t>
+            </a:r>
+            <a:endParaRPr lang="en-US" altLang="ko-KR" sz="2000" dirty="0">
+              <a:latin typeface="08서울한강체 L" panose="02020603020101020101" pitchFamily="18" charset="-127"/>
+              <a:ea typeface="08서울한강체 L" panose="02020603020101020101" pitchFamily="18" charset="-127"/>
+            </a:endParaRPr>
+          </a:p>
+          <a:p>
+            <a:r>
+              <a:rPr lang="en-US" altLang="ko-KR" sz="2000" dirty="0">
+                <a:latin typeface="08서울한강체 L" panose="02020603020101020101" pitchFamily="18" charset="-127"/>
+                <a:ea typeface="08서울한강체 L" panose="02020603020101020101" pitchFamily="18" charset="-127"/>
+              </a:rPr>
+              <a:t>4</a:t>
+            </a:r>
+            <a:r>
+              <a:rPr lang="ko-KR" altLang="en-US" sz="2000" dirty="0">
+                <a:latin typeface="08서울한강체 L" panose="02020603020101020101" pitchFamily="18" charset="-127"/>
+                <a:ea typeface="08서울한강체 L" panose="02020603020101020101" pitchFamily="18" charset="-127"/>
+              </a:rPr>
+              <a:t>가지 속성의 공격 </a:t>
+            </a:r>
+            <a:r>
+              <a:rPr lang="ko-KR" altLang="en-US" sz="2000" dirty="0" err="1">
+                <a:latin typeface="08서울한강체 L" panose="02020603020101020101" pitchFamily="18" charset="-127"/>
+                <a:ea typeface="08서울한강체 L" panose="02020603020101020101" pitchFamily="18" charset="-127"/>
+              </a:rPr>
+              <a:t>포탑</a:t>
+            </a:r>
+            <a:r>
+              <a:rPr lang="en-US" altLang="ko-KR" sz="2000" dirty="0">
+                <a:latin typeface="08서울한강체 L" panose="02020603020101020101" pitchFamily="18" charset="-127"/>
+                <a:ea typeface="08서울한강체 L" panose="02020603020101020101" pitchFamily="18" charset="-127"/>
+              </a:rPr>
+              <a:t>(</a:t>
+            </a:r>
+            <a:r>
+              <a:rPr lang="ko-KR" altLang="en-US" sz="2000" dirty="0">
+                <a:latin typeface="08서울한강체 L" panose="02020603020101020101" pitchFamily="18" charset="-127"/>
+                <a:ea typeface="08서울한강체 L" panose="02020603020101020101" pitchFamily="18" charset="-127"/>
+              </a:rPr>
+              <a:t>근거리</a:t>
+            </a:r>
+            <a:r>
+              <a:rPr lang="en-US" altLang="ko-KR" sz="2000" dirty="0">
+                <a:latin typeface="08서울한강체 L" panose="02020603020101020101" pitchFamily="18" charset="-127"/>
+                <a:ea typeface="08서울한강체 L" panose="02020603020101020101" pitchFamily="18" charset="-127"/>
+              </a:rPr>
+              <a:t>, </a:t>
+            </a:r>
+            <a:r>
+              <a:rPr lang="ko-KR" altLang="en-US" sz="2000" dirty="0">
+                <a:latin typeface="08서울한강체 L" panose="02020603020101020101" pitchFamily="18" charset="-127"/>
+                <a:ea typeface="08서울한강체 L" panose="02020603020101020101" pitchFamily="18" charset="-127"/>
+              </a:rPr>
+              <a:t>원거리</a:t>
+            </a:r>
+            <a:r>
+              <a:rPr lang="en-US" altLang="ko-KR" sz="2000" dirty="0">
+                <a:latin typeface="08서울한강체 L" panose="02020603020101020101" pitchFamily="18" charset="-127"/>
+                <a:ea typeface="08서울한강체 L" panose="02020603020101020101" pitchFamily="18" charset="-127"/>
+              </a:rPr>
+              <a:t>)</a:t>
+            </a:r>
+            <a:r>
+              <a:rPr lang="ko-KR" altLang="en-US" sz="2000" dirty="0">
+                <a:latin typeface="08서울한강체 L" panose="02020603020101020101" pitchFamily="18" charset="-127"/>
+                <a:ea typeface="08서울한강체 L" panose="02020603020101020101" pitchFamily="18" charset="-127"/>
+              </a:rPr>
+              <a:t> 존재</a:t>
+            </a:r>
+            <a:endParaRPr lang="en-US" altLang="ko-KR" sz="2000" dirty="0">
+              <a:latin typeface="08서울한강체 L" panose="02020603020101020101" pitchFamily="18" charset="-127"/>
+              <a:ea typeface="08서울한강체 L" panose="02020603020101020101" pitchFamily="18" charset="-127"/>
+            </a:endParaRPr>
+          </a:p>
+          <a:p>
+            <a:r>
+              <a:rPr lang="ko-KR" altLang="en-US" sz="2000" dirty="0">
+                <a:latin typeface="08서울한강체 L" panose="02020603020101020101" pitchFamily="18" charset="-127"/>
+                <a:ea typeface="08서울한강체 L" panose="02020603020101020101" pitchFamily="18" charset="-127"/>
+              </a:rPr>
+              <a:t>방어 </a:t>
+            </a:r>
+            <a:r>
+              <a:rPr lang="ko-KR" altLang="en-US" sz="2000" dirty="0" err="1">
+                <a:latin typeface="08서울한강체 L" panose="02020603020101020101" pitchFamily="18" charset="-127"/>
+                <a:ea typeface="08서울한강체 L" panose="02020603020101020101" pitchFamily="18" charset="-127"/>
+              </a:rPr>
+              <a:t>포탑</a:t>
+            </a:r>
+            <a:endParaRPr lang="en-US" altLang="ko-KR" sz="2000" dirty="0">
+              <a:latin typeface="08서울한강체 L" panose="02020603020101020101" pitchFamily="18" charset="-127"/>
+              <a:ea typeface="08서울한강체 L" panose="02020603020101020101" pitchFamily="18" charset="-127"/>
+            </a:endParaRPr>
+          </a:p>
+          <a:p>
+            <a:r>
+              <a:rPr lang="ko-KR" altLang="en-US" sz="2000" dirty="0">
+                <a:latin typeface="08서울한강체 L" panose="02020603020101020101" pitchFamily="18" charset="-127"/>
+                <a:ea typeface="08서울한강체 L" panose="02020603020101020101" pitchFamily="18" charset="-127"/>
+              </a:rPr>
+              <a:t>단일 </a:t>
+            </a:r>
+            <a:r>
+              <a:rPr lang="en-US" altLang="ko-KR" sz="2000" dirty="0">
+                <a:latin typeface="08서울한강체 L" panose="02020603020101020101" pitchFamily="18" charset="-127"/>
+                <a:ea typeface="08서울한강체 L" panose="02020603020101020101" pitchFamily="18" charset="-127"/>
+              </a:rPr>
+              <a:t>, </a:t>
+            </a:r>
+            <a:r>
+              <a:rPr lang="ko-KR" altLang="en-US" sz="2000" dirty="0">
+                <a:latin typeface="08서울한강체 L" panose="02020603020101020101" pitchFamily="18" charset="-127"/>
+                <a:ea typeface="08서울한강체 L" panose="02020603020101020101" pitchFamily="18" charset="-127"/>
+              </a:rPr>
+              <a:t>광역 </a:t>
+            </a:r>
+            <a:r>
+              <a:rPr lang="en-US" altLang="ko-KR" sz="2000" dirty="0">
+                <a:latin typeface="08서울한강체 L" panose="02020603020101020101" pitchFamily="18" charset="-127"/>
+                <a:ea typeface="08서울한강체 L" panose="02020603020101020101" pitchFamily="18" charset="-127"/>
+              </a:rPr>
+              <a:t>, </a:t>
+            </a:r>
+            <a:r>
+              <a:rPr lang="ko-KR" altLang="en-US" sz="2000" dirty="0">
+                <a:latin typeface="08서울한강체 L" panose="02020603020101020101" pitchFamily="18" charset="-127"/>
+                <a:ea typeface="08서울한강체 L" panose="02020603020101020101" pitchFamily="18" charset="-127"/>
+              </a:rPr>
+              <a:t>감속 </a:t>
+            </a:r>
+            <a:r>
+              <a:rPr lang="ko-KR" altLang="en-US" sz="2000" dirty="0" err="1">
+                <a:latin typeface="08서울한강체 L" panose="02020603020101020101" pitchFamily="18" charset="-127"/>
+                <a:ea typeface="08서울한강체 L" panose="02020603020101020101" pitchFamily="18" charset="-127"/>
+              </a:rPr>
+              <a:t>포탑</a:t>
+            </a:r>
+            <a:r>
+              <a:rPr lang="ko-KR" altLang="en-US" sz="2000" dirty="0">
+                <a:latin typeface="08서울한강체 L" panose="02020603020101020101" pitchFamily="18" charset="-127"/>
+                <a:ea typeface="08서울한강체 L" panose="02020603020101020101" pitchFamily="18" charset="-127"/>
+              </a:rPr>
+              <a:t> 존재</a:t>
+            </a:r>
+            <a:endParaRPr lang="en-US" altLang="ko-KR" sz="2000" dirty="0">
+              <a:latin typeface="08서울한강체 L" panose="02020603020101020101" pitchFamily="18" charset="-127"/>
+              <a:ea typeface="08서울한강체 L" panose="02020603020101020101" pitchFamily="18" charset="-127"/>
+            </a:endParaRPr>
+          </a:p>
+          <a:p>
+            <a:endParaRPr lang="en-US" altLang="ko-KR" sz="2000" dirty="0">
+              <a:latin typeface="08서울한강체 L" panose="02020603020101020101" pitchFamily="18" charset="-127"/>
+              <a:ea typeface="08서울한강체 L" panose="02020603020101020101" pitchFamily="18" charset="-127"/>
+            </a:endParaRPr>
+          </a:p>
+          <a:p>
+            <a:r>
+              <a:rPr lang="ko-KR" altLang="en-US" sz="2000" dirty="0">
+                <a:latin typeface="08서울한강체 L" panose="02020603020101020101" pitchFamily="18" charset="-127"/>
+                <a:ea typeface="08서울한강체 L" panose="02020603020101020101" pitchFamily="18" charset="-127"/>
+              </a:rPr>
+              <a:t>원소</a:t>
+            </a:r>
+            <a:endParaRPr lang="en-US" altLang="ko-KR" sz="2000" dirty="0">
+              <a:latin typeface="08서울한강체 L" panose="02020603020101020101" pitchFamily="18" charset="-127"/>
+              <a:ea typeface="08서울한강체 L" panose="02020603020101020101" pitchFamily="18" charset="-127"/>
+            </a:endParaRPr>
+          </a:p>
+          <a:p>
+            <a:r>
+              <a:rPr lang="ko-KR" altLang="en-US" sz="2000" dirty="0">
+                <a:latin typeface="08서울한강체 L" panose="02020603020101020101" pitchFamily="18" charset="-127"/>
+                <a:ea typeface="08서울한강체 L" panose="02020603020101020101" pitchFamily="18" charset="-127"/>
+              </a:rPr>
+              <a:t>크기 </a:t>
+            </a:r>
+            <a:r>
+              <a:rPr lang="en-US" altLang="ko-KR" sz="2000" dirty="0">
+                <a:latin typeface="08서울한강체 L" panose="02020603020101020101" pitchFamily="18" charset="-127"/>
+                <a:ea typeface="08서울한강체 L" panose="02020603020101020101" pitchFamily="18" charset="-127"/>
+              </a:rPr>
+              <a:t>( 0.25m</a:t>
+            </a:r>
+            <a:r>
+              <a:rPr lang="ko-KR" altLang="en-US" sz="2000" dirty="0">
+                <a:latin typeface="08서울한강체 L" panose="02020603020101020101" pitchFamily="18" charset="-127"/>
+                <a:ea typeface="08서울한강체 L" panose="02020603020101020101" pitchFamily="18" charset="-127"/>
+              </a:rPr>
+              <a:t> </a:t>
+            </a:r>
+            <a:r>
+              <a:rPr lang="en-US" altLang="ko-KR" sz="2000" dirty="0">
+                <a:latin typeface="08서울한강체 L" panose="02020603020101020101" pitchFamily="18" charset="-127"/>
+                <a:ea typeface="08서울한강체 L" panose="02020603020101020101" pitchFamily="18" charset="-127"/>
+              </a:rPr>
+              <a:t>* 0.25m * 0.5m)</a:t>
+            </a:r>
+          </a:p>
+          <a:p>
+            <a:r>
+              <a:rPr lang="ko-KR" altLang="en-US" sz="2000" dirty="0">
+                <a:latin typeface="08서울한강체 L" panose="02020603020101020101" pitchFamily="18" charset="-127"/>
+                <a:ea typeface="08서울한강체 L" panose="02020603020101020101" pitchFamily="18" charset="-127"/>
+              </a:rPr>
+              <a:t>속성 간의 약점 존재</a:t>
+            </a:r>
+            <a:endParaRPr lang="en-US" altLang="ko-KR" sz="2000" dirty="0">
+              <a:latin typeface="08서울한강체 L" panose="02020603020101020101" pitchFamily="18" charset="-127"/>
+              <a:ea typeface="08서울한강체 L" panose="02020603020101020101" pitchFamily="18" charset="-127"/>
+            </a:endParaRPr>
+          </a:p>
+          <a:p>
+            <a:r>
+              <a:rPr lang="ko-KR" altLang="en-US" sz="2000" dirty="0">
+                <a:latin typeface="08서울한강체 L" panose="02020603020101020101" pitchFamily="18" charset="-127"/>
+                <a:ea typeface="08서울한강체 L" panose="02020603020101020101" pitchFamily="18" charset="-127"/>
+              </a:rPr>
+              <a:t>지속적으로 생성된다</a:t>
+            </a:r>
+            <a:r>
+              <a:rPr lang="en-US" altLang="ko-KR" sz="2000" dirty="0">
+                <a:latin typeface="08서울한강체 L" panose="02020603020101020101" pitchFamily="18" charset="-127"/>
+                <a:ea typeface="08서울한강체 L" panose="02020603020101020101" pitchFamily="18" charset="-127"/>
+              </a:rPr>
+              <a:t>.</a:t>
+            </a:r>
+          </a:p>
+          <a:p>
+            <a:r>
+              <a:rPr lang="ko-KR" altLang="en-US" sz="2000" dirty="0">
+                <a:latin typeface="08서울한강체 L" panose="02020603020101020101" pitchFamily="18" charset="-127"/>
+                <a:ea typeface="08서울한강체 L" panose="02020603020101020101" pitchFamily="18" charset="-127"/>
+              </a:rPr>
+              <a:t>연구 </a:t>
+            </a:r>
+            <a:r>
+              <a:rPr lang="ko-KR" altLang="en-US" sz="2000" dirty="0" err="1">
+                <a:latin typeface="08서울한강체 L" panose="02020603020101020101" pitchFamily="18" charset="-127"/>
+                <a:ea typeface="08서울한강체 L" panose="02020603020101020101" pitchFamily="18" charset="-127"/>
+              </a:rPr>
+              <a:t>진행도에</a:t>
+            </a:r>
+            <a:r>
+              <a:rPr lang="ko-KR" altLang="en-US" sz="2000" dirty="0">
+                <a:latin typeface="08서울한강체 L" panose="02020603020101020101" pitchFamily="18" charset="-127"/>
+                <a:ea typeface="08서울한강체 L" panose="02020603020101020101" pitchFamily="18" charset="-127"/>
+              </a:rPr>
+              <a:t> 따라 강해진다</a:t>
+            </a:r>
+            <a:r>
+              <a:rPr lang="en-US" altLang="ko-KR" sz="2000" dirty="0">
+                <a:latin typeface="08서울한강체 L" panose="02020603020101020101" pitchFamily="18" charset="-127"/>
+                <a:ea typeface="08서울한강체 L" panose="02020603020101020101" pitchFamily="18" charset="-127"/>
+              </a:rPr>
+              <a:t>.</a:t>
+            </a:r>
           </a:p>
         </p:txBody>
       </p:sp>
@@ -20468,17 +21235,10 @@
   <p:clrMapOvr>
     <a:masterClrMapping/>
   </p:clrMapOvr>
-  <p:timing>
-    <p:tnLst>
-      <p:par>
-        <p:cTn id="1" dur="indefinite" restart="never" nodeType="tmRoot"/>
-      </p:par>
-    </p:tnLst>
-  </p:timing>
 </p:sld>
 </file>
 
-<file path=ppt/slides/slide8.xml><?xml version="1.0" encoding="utf-8"?>
+<file path=ppt/slides/slide9.xml><?xml version="1.0" encoding="utf-8"?>
 <p:sld xmlns:a="http://schemas.openxmlformats.org/drawingml/2006/main" xmlns:r="http://schemas.openxmlformats.org/officeDocument/2006/relationships" xmlns:p="http://schemas.openxmlformats.org/presentationml/2006/main">
   <p:cSld>
     <p:spTree>
@@ -21172,758 +21932,6 @@
     <p:extLst>
       <p:ext uri="{BB962C8B-B14F-4D97-AF65-F5344CB8AC3E}">
         <p14:creationId xmlns:p14="http://schemas.microsoft.com/office/powerpoint/2010/main" val="3702408198"/>
-      </p:ext>
-    </p:extLst>
-  </p:cSld>
-  <p:clrMapOvr>
-    <a:masterClrMapping/>
-  </p:clrMapOvr>
-</p:sld>
-</file>
-
-<file path=ppt/slides/slide9.xml><?xml version="1.0" encoding="utf-8"?>
-<p:sld xmlns:a="http://schemas.openxmlformats.org/drawingml/2006/main" xmlns:r="http://schemas.openxmlformats.org/officeDocument/2006/relationships" xmlns:p="http://schemas.openxmlformats.org/presentationml/2006/main">
-  <p:cSld>
-    <p:spTree>
-      <p:nvGrpSpPr>
-        <p:cNvPr id="1" name=""/>
-        <p:cNvGrpSpPr/>
-        <p:nvPr/>
-      </p:nvGrpSpPr>
-      <p:grpSpPr>
-        <a:xfrm>
-          <a:off x="0" y="0"/>
-          <a:ext cx="0" cy="0"/>
-          <a:chOff x="0" y="0"/>
-          <a:chExt cx="0" cy="0"/>
-        </a:xfrm>
-      </p:grpSpPr>
-      <p:sp>
-        <p:nvSpPr>
-          <p:cNvPr id="4" name="직사각형 3"/>
-          <p:cNvSpPr/>
-          <p:nvPr/>
-        </p:nvSpPr>
-        <p:spPr>
-          <a:xfrm>
-            <a:off x="0" y="0"/>
-            <a:ext cx="904875" cy="904875"/>
-          </a:xfrm>
-          <a:prstGeom prst="rect">
-            <a:avLst/>
-          </a:prstGeom>
-          <a:solidFill>
-            <a:srgbClr val="A2272C"/>
-          </a:solidFill>
-          <a:ln>
-            <a:noFill/>
-          </a:ln>
-        </p:spPr>
-        <p:style>
-          <a:lnRef idx="2">
-            <a:schemeClr val="accent1">
-              <a:shade val="50000"/>
-            </a:schemeClr>
-          </a:lnRef>
-          <a:fillRef idx="1">
-            <a:schemeClr val="accent1"/>
-          </a:fillRef>
-          <a:effectRef idx="0">
-            <a:schemeClr val="accent1"/>
-          </a:effectRef>
-          <a:fontRef idx="minor">
-            <a:schemeClr val="lt1"/>
-          </a:fontRef>
-        </p:style>
-        <p:txBody>
-          <a:bodyPr rtlCol="0" anchor="ctr"/>
-          <a:lstStyle/>
-          <a:p>
-            <a:pPr algn="ctr"/>
-            <a:endParaRPr lang="ko-KR" altLang="en-US" dirty="0">
-              <a:latin typeface="08서울한강체 L" panose="02020603020101020101" pitchFamily="18" charset="-127"/>
-              <a:ea typeface="08서울한강체 L" panose="02020603020101020101" pitchFamily="18" charset="-127"/>
-            </a:endParaRPr>
-          </a:p>
-        </p:txBody>
-      </p:sp>
-      <p:sp>
-        <p:nvSpPr>
-          <p:cNvPr id="5" name="TextBox 4"/>
-          <p:cNvSpPr txBox="1"/>
-          <p:nvPr/>
-        </p:nvSpPr>
-        <p:spPr>
-          <a:xfrm>
-            <a:off x="101440" y="67716"/>
-            <a:ext cx="748923" cy="769441"/>
-          </a:xfrm>
-          <a:prstGeom prst="rect">
-            <a:avLst/>
-          </a:prstGeom>
-          <a:noFill/>
-        </p:spPr>
-        <p:txBody>
-          <a:bodyPr wrap="none" rtlCol="0">
-            <a:spAutoFit/>
-          </a:bodyPr>
-          <a:lstStyle/>
-          <a:p>
-            <a:r>
-              <a:rPr lang="en-US" altLang="ko-KR" sz="4400" dirty="0">
-                <a:solidFill>
-                  <a:schemeClr val="bg1"/>
-                </a:solidFill>
-                <a:latin typeface="08서울한강체 L" panose="02020603020101020101" pitchFamily="18" charset="-127"/>
-                <a:ea typeface="08서울한강체 L" panose="02020603020101020101" pitchFamily="18" charset="-127"/>
-              </a:rPr>
-              <a:t>04</a:t>
-            </a:r>
-            <a:endParaRPr lang="ko-KR" altLang="en-US" sz="4400" dirty="0">
-              <a:solidFill>
-                <a:schemeClr val="bg1"/>
-              </a:solidFill>
-              <a:latin typeface="08서울한강체 L" panose="02020603020101020101" pitchFamily="18" charset="-127"/>
-              <a:ea typeface="08서울한강체 L" panose="02020603020101020101" pitchFamily="18" charset="-127"/>
-            </a:endParaRPr>
-          </a:p>
-        </p:txBody>
-      </p:sp>
-      <p:sp>
-        <p:nvSpPr>
-          <p:cNvPr id="6" name="TextBox 5"/>
-          <p:cNvSpPr txBox="1"/>
-          <p:nvPr/>
-        </p:nvSpPr>
-        <p:spPr>
-          <a:xfrm>
-            <a:off x="951803" y="96291"/>
-            <a:ext cx="1409360" cy="461665"/>
-          </a:xfrm>
-          <a:prstGeom prst="rect">
-            <a:avLst/>
-          </a:prstGeom>
-          <a:noFill/>
-        </p:spPr>
-        <p:txBody>
-          <a:bodyPr wrap="none" rtlCol="0">
-            <a:spAutoFit/>
-          </a:bodyPr>
-          <a:lstStyle/>
-          <a:p>
-            <a:r>
-              <a:rPr lang="ko-KR" altLang="en-US" sz="2400" dirty="0">
-                <a:solidFill>
-                  <a:srgbClr val="A2272C"/>
-                </a:solidFill>
-                <a:latin typeface="08서울한강체 L" panose="02020603020101020101" pitchFamily="18" charset="-127"/>
-                <a:ea typeface="08서울한강체 L" panose="02020603020101020101" pitchFamily="18" charset="-127"/>
-              </a:rPr>
-              <a:t>개발 환경</a:t>
-            </a:r>
-          </a:p>
-        </p:txBody>
-      </p:sp>
-      <p:pic>
-        <p:nvPicPr>
-          <p:cNvPr id="14" name="그림 13" descr="Swit - Google Play 앱">
-            <a:extLst>
-              <a:ext uri="{FF2B5EF4-FFF2-40B4-BE49-F238E27FC236}">
-                <a16:creationId xmlns:a16="http://schemas.microsoft.com/office/drawing/2014/main" id="{A33C1349-E6F7-A6B0-C481-1E5CF8F1B4FA}"/>
-              </a:ext>
-            </a:extLst>
-          </p:cNvPr>
-          <p:cNvPicPr>
-            <a:picLocks noChangeAspect="1"/>
-          </p:cNvPicPr>
-          <p:nvPr/>
-        </p:nvPicPr>
-        <p:blipFill>
-          <a:blip r:embed="rId2"/>
-          <a:stretch>
-            <a:fillRect/>
-          </a:stretch>
-        </p:blipFill>
-        <p:spPr>
-          <a:xfrm>
-            <a:off x="3089634" y="4180958"/>
-            <a:ext cx="1277545" cy="1263658"/>
-          </a:xfrm>
-          <a:prstGeom prst="rect">
-            <a:avLst/>
-          </a:prstGeom>
-        </p:spPr>
-      </p:pic>
-      <p:pic>
-        <p:nvPicPr>
-          <p:cNvPr id="15" name="Picture 2" descr="i0.wp.com/d15haboszopus7.cloudfront.net/wp-cont..."/>
-          <p:cNvPicPr>
-            <a:picLocks noChangeAspect="1" noChangeArrowheads="1"/>
-          </p:cNvPicPr>
-          <p:nvPr/>
-        </p:nvPicPr>
-        <p:blipFill>
-          <a:blip r:embed="rId3" cstate="print">
-            <a:extLst>
-              <a:ext uri="{28A0092B-C50C-407E-A947-70E740481C1C}">
-                <a14:useLocalDpi xmlns:a14="http://schemas.microsoft.com/office/drawing/2010/main" val="0"/>
-              </a:ext>
-            </a:extLst>
-          </a:blip>
-          <a:srcRect/>
-          <a:stretch>
-            <a:fillRect/>
-          </a:stretch>
-        </p:blipFill>
-        <p:spPr bwMode="auto">
-          <a:xfrm>
-            <a:off x="7641974" y="4392775"/>
-            <a:ext cx="949677" cy="949677"/>
-          </a:xfrm>
-          <a:prstGeom prst="rect">
-            <a:avLst/>
-          </a:prstGeom>
-          <a:noFill/>
-          <a:extLst>
-            <a:ext uri="{909E8E84-426E-40DD-AFC4-6F175D3DCCD1}">
-              <a14:hiddenFill xmlns:a14="http://schemas.microsoft.com/office/drawing/2010/main">
-                <a:solidFill>
-                  <a:srgbClr val="FFFFFF"/>
-                </a:solidFill>
-              </a14:hiddenFill>
-            </a:ext>
-          </a:extLst>
-        </p:spPr>
-      </p:pic>
-      <p:pic>
-        <p:nvPicPr>
-          <p:cNvPr id="16" name="Picture 2" descr="https://cdn.discordapp.com/attachments/1124642447922827336/1168172392170922004/mf4PMrVqvy9KVUQAAAAASUVORK5CYII.png?ex=6550cc51&amp;is=653e5751&amp;hm=960c21fd45c1af4e93c402b439d31f5b70b5c5b3f3dda7a021e80394fc6de043&amp;"/>
-          <p:cNvPicPr>
-            <a:picLocks noChangeAspect="1" noChangeArrowheads="1"/>
-          </p:cNvPicPr>
-          <p:nvPr/>
-        </p:nvPicPr>
-        <p:blipFill>
-          <a:blip r:embed="rId4" cstate="print">
-            <a:extLst>
-              <a:ext uri="{28A0092B-C50C-407E-A947-70E740481C1C}">
-                <a14:useLocalDpi xmlns:a14="http://schemas.microsoft.com/office/drawing/2010/main" val="0"/>
-              </a:ext>
-            </a:extLst>
-          </a:blip>
-          <a:srcRect/>
-          <a:stretch>
-            <a:fillRect/>
-          </a:stretch>
-        </p:blipFill>
-        <p:spPr bwMode="auto">
-          <a:xfrm>
-            <a:off x="1081551" y="4333751"/>
-            <a:ext cx="1008701" cy="1008701"/>
-          </a:xfrm>
-          <a:prstGeom prst="rect">
-            <a:avLst/>
-          </a:prstGeom>
-          <a:noFill/>
-          <a:extLst>
-            <a:ext uri="{909E8E84-426E-40DD-AFC4-6F175D3DCCD1}">
-              <a14:hiddenFill xmlns:a14="http://schemas.microsoft.com/office/drawing/2010/main">
-                <a:solidFill>
-                  <a:srgbClr val="FFFFFF"/>
-                </a:solidFill>
-              </a14:hiddenFill>
-            </a:ext>
-          </a:extLst>
-        </p:spPr>
-      </p:pic>
-      <p:sp>
-        <p:nvSpPr>
-          <p:cNvPr id="17" name="직사각형 16">
-            <a:extLst>
-              <a:ext uri="{FF2B5EF4-FFF2-40B4-BE49-F238E27FC236}">
-                <a16:creationId xmlns:a16="http://schemas.microsoft.com/office/drawing/2014/main" id="{29A2099B-F19F-4235-B59B-48EB888DA1AD}"/>
-              </a:ext>
-            </a:extLst>
-          </p:cNvPr>
-          <p:cNvSpPr/>
-          <p:nvPr/>
-        </p:nvSpPr>
-        <p:spPr>
-          <a:xfrm>
-            <a:off x="887687" y="5278390"/>
-            <a:ext cx="1396427" cy="400110"/>
-          </a:xfrm>
-          <a:prstGeom prst="rect">
-            <a:avLst/>
-          </a:prstGeom>
-        </p:spPr>
-        <p:txBody>
-          <a:bodyPr wrap="square">
-            <a:spAutoFit/>
-          </a:bodyPr>
-          <a:lstStyle/>
-          <a:p>
-            <a:pPr algn="ctr">
-              <a:defRPr lang="ko-KR" altLang="en-US"/>
-            </a:pPr>
-            <a:r>
-              <a:rPr lang="en-US" altLang="ko-KR" sz="2000" dirty="0">
-                <a:ln w="9525">
-                  <a:solidFill>
-                    <a:schemeClr val="bg1">
-                      <a:lumMod val="65000"/>
-                      <a:alpha val="0"/>
-                    </a:schemeClr>
-                  </a:solidFill>
-                </a:ln>
-                <a:latin typeface="08서울한강체 L" panose="02020603020101020101" pitchFamily="18" charset="-127"/>
-                <a:ea typeface="08서울한강체 L" panose="02020603020101020101" pitchFamily="18" charset="-127"/>
-              </a:rPr>
-              <a:t>3Ds Max</a:t>
-            </a:r>
-            <a:endParaRPr lang="ko-KR" altLang="en-US" sz="2000" dirty="0">
-              <a:ln w="9525">
-                <a:solidFill>
-                  <a:schemeClr val="bg1">
-                    <a:lumMod val="65000"/>
-                    <a:alpha val="0"/>
-                  </a:schemeClr>
-                </a:solidFill>
-              </a:ln>
-              <a:latin typeface="08서울한강체 L" panose="02020603020101020101" pitchFamily="18" charset="-127"/>
-              <a:ea typeface="08서울한강체 L" panose="02020603020101020101" pitchFamily="18" charset="-127"/>
-            </a:endParaRPr>
-          </a:p>
-        </p:txBody>
-      </p:sp>
-      <p:sp>
-        <p:nvSpPr>
-          <p:cNvPr id="21" name="직사각형 20"/>
-          <p:cNvSpPr/>
-          <p:nvPr/>
-        </p:nvSpPr>
-        <p:spPr>
-          <a:xfrm>
-            <a:off x="5384697" y="5342452"/>
-            <a:ext cx="1155173" cy="400110"/>
-          </a:xfrm>
-          <a:prstGeom prst="rect">
-            <a:avLst/>
-          </a:prstGeom>
-        </p:spPr>
-        <p:txBody>
-          <a:bodyPr wrap="square">
-            <a:spAutoFit/>
-          </a:bodyPr>
-          <a:lstStyle/>
-          <a:p>
-            <a:pPr algn="ctr">
-              <a:defRPr lang="ko-KR" altLang="en-US"/>
-            </a:pPr>
-            <a:r>
-              <a:rPr lang="en-US" altLang="ko-KR" sz="2000" dirty="0">
-                <a:ln w="9525">
-                  <a:solidFill>
-                    <a:schemeClr val="bg1">
-                      <a:lumMod val="65000"/>
-                      <a:alpha val="0"/>
-                    </a:schemeClr>
-                  </a:solidFill>
-                </a:ln>
-                <a:latin typeface="08서울한강체 L" panose="02020603020101020101" pitchFamily="18" charset="-127"/>
-                <a:ea typeface="08서울한강체 L" panose="02020603020101020101" pitchFamily="18" charset="-127"/>
-              </a:rPr>
-              <a:t>GitHub</a:t>
-            </a:r>
-            <a:endParaRPr lang="ko-KR" altLang="en-US" sz="2000" dirty="0">
-              <a:ln w="9525">
-                <a:solidFill>
-                  <a:schemeClr val="bg1">
-                    <a:lumMod val="65000"/>
-                    <a:alpha val="0"/>
-                  </a:schemeClr>
-                </a:solidFill>
-              </a:ln>
-              <a:latin typeface="08서울한강체 L" panose="02020603020101020101" pitchFamily="18" charset="-127"/>
-              <a:ea typeface="08서울한강체 L" panose="02020603020101020101" pitchFamily="18" charset="-127"/>
-            </a:endParaRPr>
-          </a:p>
-        </p:txBody>
-      </p:sp>
-      <p:grpSp>
-        <p:nvGrpSpPr>
-          <p:cNvPr id="22" name="그룹 21"/>
-          <p:cNvGrpSpPr/>
-          <p:nvPr/>
-        </p:nvGrpSpPr>
-        <p:grpSpPr>
-          <a:xfrm>
-            <a:off x="5147303" y="1722920"/>
-            <a:ext cx="1629960" cy="1805216"/>
-            <a:chOff x="4970345" y="1662163"/>
-            <a:chExt cx="939577" cy="1040602"/>
-          </a:xfrm>
-        </p:grpSpPr>
-        <p:sp>
-          <p:nvSpPr>
-            <p:cNvPr id="23" name="직사각형 22">
-              <a:extLst>
-                <a:ext uri="{FF2B5EF4-FFF2-40B4-BE49-F238E27FC236}">
-                  <a16:creationId xmlns:a16="http://schemas.microsoft.com/office/drawing/2014/main" id="{5DAA2B23-A0BF-449A-B421-78EFB7039076}"/>
-                </a:ext>
-              </a:extLst>
-            </p:cNvPr>
-            <p:cNvSpPr/>
-            <p:nvPr/>
-          </p:nvSpPr>
-          <p:spPr>
-            <a:xfrm>
-              <a:off x="4970345" y="2472125"/>
-              <a:ext cx="939577" cy="230640"/>
-            </a:xfrm>
-            <a:prstGeom prst="rect">
-              <a:avLst/>
-            </a:prstGeom>
-          </p:spPr>
-          <p:txBody>
-            <a:bodyPr wrap="square">
-              <a:spAutoFit/>
-            </a:bodyPr>
-            <a:lstStyle/>
-            <a:p>
-              <a:pPr algn="ctr">
-                <a:defRPr lang="ko-KR" altLang="en-US"/>
-              </a:pPr>
-              <a:r>
-                <a:rPr lang="en-US" altLang="ko-KR" sz="2000" dirty="0">
-                  <a:ln w="9525">
-                    <a:solidFill>
-                      <a:schemeClr val="bg1">
-                        <a:lumMod val="65000"/>
-                        <a:alpha val="0"/>
-                      </a:schemeClr>
-                    </a:solidFill>
-                  </a:ln>
-                  <a:latin typeface="08서울한강체 L" panose="02020603020101020101" pitchFamily="18" charset="-127"/>
-                  <a:ea typeface="08서울한강체 L" panose="02020603020101020101" pitchFamily="18" charset="-127"/>
-                </a:rPr>
-                <a:t>Unity</a:t>
-              </a:r>
-              <a:endParaRPr lang="ko-KR" altLang="en-US" sz="2000" dirty="0">
-                <a:ln w="9525">
-                  <a:solidFill>
-                    <a:schemeClr val="bg1">
-                      <a:lumMod val="65000"/>
-                      <a:alpha val="0"/>
-                    </a:schemeClr>
-                  </a:solidFill>
-                </a:ln>
-                <a:latin typeface="08서울한강체 L" panose="02020603020101020101" pitchFamily="18" charset="-127"/>
-                <a:ea typeface="08서울한강체 L" panose="02020603020101020101" pitchFamily="18" charset="-127"/>
-              </a:endParaRPr>
-            </a:p>
-          </p:txBody>
-        </p:sp>
-        <p:pic>
-          <p:nvPicPr>
-            <p:cNvPr id="24" name="Picture 2" descr="https://cdn.discordapp.com/attachments/1124642447922827336/1168171988263653497/wzdlLGb469AfjaUs0dK0cw4P6DnZGh5Hckap0QuMUxSNNdNaYq1VKrtdPtI87y2g5kfZezG6L76WUUjCIIgCIIgCIIgCIIgCIIgCIIgCIIgCIKog38JN6zRZmEMiAAAAABJRU5ErkJggg.png?ex=6550cbf1&amp;is=653e56f1&amp;hm=e493f5f09fe8ca6dcb1954a32838357714b4c2b37d5b60980967ea2d1964196b&amp;"/>
-            <p:cNvPicPr>
-              <a:picLocks noChangeAspect="1" noChangeArrowheads="1"/>
-            </p:cNvPicPr>
-            <p:nvPr/>
-          </p:nvPicPr>
-          <p:blipFill>
-            <a:blip r:embed="rId5" cstate="print">
-              <a:extLst>
-                <a:ext uri="{28A0092B-C50C-407E-A947-70E740481C1C}">
-                  <a14:useLocalDpi xmlns:a14="http://schemas.microsoft.com/office/drawing/2010/main" val="0"/>
-                </a:ext>
-              </a:extLst>
-            </a:blip>
-            <a:srcRect/>
-            <a:stretch>
-              <a:fillRect/>
-            </a:stretch>
-          </p:blipFill>
-          <p:spPr bwMode="auto">
-            <a:xfrm>
-              <a:off x="5094953" y="1662163"/>
-              <a:ext cx="714133" cy="714133"/>
-            </a:xfrm>
-            <a:prstGeom prst="rect">
-              <a:avLst/>
-            </a:prstGeom>
-            <a:noFill/>
-            <a:extLst>
-              <a:ext uri="{909E8E84-426E-40DD-AFC4-6F175D3DCCD1}">
-                <a14:hiddenFill xmlns:a14="http://schemas.microsoft.com/office/drawing/2010/main">
-                  <a:solidFill>
-                    <a:srgbClr val="FFFFFF"/>
-                  </a:solidFill>
-                </a14:hiddenFill>
-              </a:ext>
-            </a:extLst>
-          </p:spPr>
-        </p:pic>
-      </p:grpSp>
-      <p:pic>
-        <p:nvPicPr>
-          <p:cNvPr id="25" name="Picture 4" descr="https://cdn.discordapp.com/attachments/1124642447922827336/1168172262218805348/1200px-Font_Awesome_5_brands_github.png?ex=6550cc32&amp;is=653e5732&amp;hm=fac2ade85ca7928e780e1caffe3a94bcfc7f89ab150e0e2a0353a0207b34b86e&amp;"/>
-          <p:cNvPicPr>
-            <a:picLocks noChangeAspect="1" noChangeArrowheads="1"/>
-          </p:cNvPicPr>
-          <p:nvPr/>
-        </p:nvPicPr>
-        <p:blipFill>
-          <a:blip r:embed="rId6" cstate="print">
-            <a:extLst>
-              <a:ext uri="{28A0092B-C50C-407E-A947-70E740481C1C}">
-                <a14:useLocalDpi xmlns:a14="http://schemas.microsoft.com/office/drawing/2010/main" val="0"/>
-              </a:ext>
-            </a:extLst>
-          </a:blip>
-          <a:srcRect/>
-          <a:stretch>
-            <a:fillRect/>
-          </a:stretch>
-        </p:blipFill>
-        <p:spPr bwMode="auto">
-          <a:xfrm>
-            <a:off x="5581989" y="4418756"/>
-            <a:ext cx="760588" cy="785307"/>
-          </a:xfrm>
-          <a:prstGeom prst="rect">
-            <a:avLst/>
-          </a:prstGeom>
-          <a:noFill/>
-          <a:extLst>
-            <a:ext uri="{909E8E84-426E-40DD-AFC4-6F175D3DCCD1}">
-              <a14:hiddenFill xmlns:a14="http://schemas.microsoft.com/office/drawing/2010/main">
-                <a:solidFill>
-                  <a:srgbClr val="FFFFFF"/>
-                </a:solidFill>
-              </a14:hiddenFill>
-            </a:ext>
-          </a:extLst>
-        </p:spPr>
-      </p:pic>
-      <p:sp>
-        <p:nvSpPr>
-          <p:cNvPr id="26" name="직사각형 25">
-            <a:extLst>
-              <a:ext uri="{FF2B5EF4-FFF2-40B4-BE49-F238E27FC236}">
-                <a16:creationId xmlns:a16="http://schemas.microsoft.com/office/drawing/2014/main" id="{29A2099B-F19F-4235-B59B-48EB888DA1AD}"/>
-              </a:ext>
-            </a:extLst>
-          </p:cNvPr>
-          <p:cNvSpPr/>
-          <p:nvPr/>
-        </p:nvSpPr>
-        <p:spPr>
-          <a:xfrm>
-            <a:off x="3315271" y="5295469"/>
-            <a:ext cx="824757" cy="400110"/>
-          </a:xfrm>
-          <a:prstGeom prst="rect">
-            <a:avLst/>
-          </a:prstGeom>
-        </p:spPr>
-        <p:txBody>
-          <a:bodyPr wrap="square" lIns="91440" tIns="45720" rIns="91440" bIns="45720" anchor="t">
-            <a:spAutoFit/>
-          </a:bodyPr>
-          <a:lstStyle/>
-          <a:p>
-            <a:pPr algn="ctr">
-              <a:defRPr lang="ko-KR" altLang="en-US"/>
-            </a:pPr>
-            <a:r>
-              <a:rPr lang="en-US" altLang="ko-KR" sz="2000" dirty="0" err="1">
-                <a:ln w="9525">
-                  <a:solidFill>
-                    <a:schemeClr val="bg1">
-                      <a:lumMod val="65000"/>
-                      <a:alpha val="0"/>
-                    </a:schemeClr>
-                  </a:solidFill>
-                </a:ln>
-                <a:latin typeface="08서울한강체 L" panose="02020603020101020101" pitchFamily="18" charset="-127"/>
-                <a:ea typeface="08서울한강체 L" panose="02020603020101020101" pitchFamily="18" charset="-127"/>
-              </a:rPr>
-              <a:t>Swit</a:t>
-            </a:r>
-            <a:endParaRPr lang="ko-KR" dirty="0" err="1">
-              <a:latin typeface="08서울한강체 L" panose="02020603020101020101" pitchFamily="18" charset="-127"/>
-              <a:ea typeface="08서울한강체 L" panose="02020603020101020101" pitchFamily="18" charset="-127"/>
-            </a:endParaRPr>
-          </a:p>
-        </p:txBody>
-      </p:sp>
-      <p:sp>
-        <p:nvSpPr>
-          <p:cNvPr id="27" name="직사각형 26">
-            <a:extLst>
-              <a:ext uri="{FF2B5EF4-FFF2-40B4-BE49-F238E27FC236}">
-                <a16:creationId xmlns:a16="http://schemas.microsoft.com/office/drawing/2014/main" id="{29A2099B-F19F-4235-B59B-48EB888DA1AD}"/>
-              </a:ext>
-            </a:extLst>
-          </p:cNvPr>
-          <p:cNvSpPr/>
-          <p:nvPr/>
-        </p:nvSpPr>
-        <p:spPr>
-          <a:xfrm>
-            <a:off x="7557388" y="5309655"/>
-            <a:ext cx="1172266" cy="400110"/>
-          </a:xfrm>
-          <a:prstGeom prst="rect">
-            <a:avLst/>
-          </a:prstGeom>
-        </p:spPr>
-        <p:txBody>
-          <a:bodyPr wrap="square">
-            <a:spAutoFit/>
-          </a:bodyPr>
-          <a:lstStyle/>
-          <a:p>
-            <a:pPr algn="ctr">
-              <a:defRPr lang="ko-KR" altLang="en-US"/>
-            </a:pPr>
-            <a:r>
-              <a:rPr lang="en-US" altLang="ko-KR" sz="2000" dirty="0" err="1">
-                <a:ln w="9525">
-                  <a:solidFill>
-                    <a:schemeClr val="bg1">
-                      <a:lumMod val="65000"/>
-                      <a:alpha val="0"/>
-                    </a:schemeClr>
-                  </a:solidFill>
-                </a:ln>
-                <a:latin typeface="08서울한강체 L" panose="02020603020101020101" pitchFamily="18" charset="-127"/>
-                <a:ea typeface="08서울한강체 L" panose="02020603020101020101" pitchFamily="18" charset="-127"/>
-              </a:rPr>
-              <a:t>ZBrush</a:t>
-            </a:r>
-            <a:endParaRPr lang="ko-KR" altLang="en-US" sz="2000" dirty="0">
-              <a:ln w="9525">
-                <a:solidFill>
-                  <a:schemeClr val="bg1">
-                    <a:lumMod val="65000"/>
-                    <a:alpha val="0"/>
-                  </a:schemeClr>
-                </a:solidFill>
-              </a:ln>
-              <a:latin typeface="08서울한강체 L" panose="02020603020101020101" pitchFamily="18" charset="-127"/>
-              <a:ea typeface="08서울한강체 L" panose="02020603020101020101" pitchFamily="18" charset="-127"/>
-            </a:endParaRPr>
-          </a:p>
-        </p:txBody>
-      </p:sp>
-      <p:sp>
-        <p:nvSpPr>
-          <p:cNvPr id="28" name="직사각형 27">
-            <a:extLst>
-              <a:ext uri="{FF2B5EF4-FFF2-40B4-BE49-F238E27FC236}">
-                <a16:creationId xmlns:a16="http://schemas.microsoft.com/office/drawing/2014/main" id="{29A2099B-F19F-4235-B59B-48EB888DA1AD}"/>
-              </a:ext>
-            </a:extLst>
-          </p:cNvPr>
-          <p:cNvSpPr/>
-          <p:nvPr/>
-        </p:nvSpPr>
-        <p:spPr>
-          <a:xfrm>
-            <a:off x="9748462" y="5286249"/>
-            <a:ext cx="1172266" cy="707886"/>
-          </a:xfrm>
-          <a:prstGeom prst="rect">
-            <a:avLst/>
-          </a:prstGeom>
-        </p:spPr>
-        <p:txBody>
-          <a:bodyPr wrap="square">
-            <a:spAutoFit/>
-          </a:bodyPr>
-          <a:lstStyle/>
-          <a:p>
-            <a:pPr algn="ctr">
-              <a:defRPr lang="ko-KR" altLang="en-US"/>
-            </a:pPr>
-            <a:r>
-              <a:rPr lang="en-US" altLang="ko-KR" sz="2000" dirty="0">
-                <a:ln w="9525">
-                  <a:solidFill>
-                    <a:schemeClr val="bg1">
-                      <a:lumMod val="65000"/>
-                      <a:alpha val="0"/>
-                    </a:schemeClr>
-                  </a:solidFill>
-                </a:ln>
-                <a:latin typeface="08서울한강체 L" panose="02020603020101020101" pitchFamily="18" charset="-127"/>
-                <a:ea typeface="08서울한강체 L" panose="02020603020101020101" pitchFamily="18" charset="-127"/>
-              </a:rPr>
-              <a:t>Visual Studio</a:t>
-            </a:r>
-            <a:endParaRPr lang="ko-KR" altLang="en-US" sz="2000" dirty="0">
-              <a:ln w="9525">
-                <a:solidFill>
-                  <a:schemeClr val="bg1">
-                    <a:lumMod val="65000"/>
-                    <a:alpha val="0"/>
-                  </a:schemeClr>
-                </a:solidFill>
-              </a:ln>
-              <a:latin typeface="08서울한강체 L" panose="02020603020101020101" pitchFamily="18" charset="-127"/>
-              <a:ea typeface="08서울한강체 L" panose="02020603020101020101" pitchFamily="18" charset="-127"/>
-            </a:endParaRPr>
-          </a:p>
-        </p:txBody>
-      </p:sp>
-      <p:pic>
-        <p:nvPicPr>
-          <p:cNvPr id="29" name="Picture 2" descr="https://cdn.discordapp.com/attachments/1124642447922827336/1168172811903316009/Product-Icon.png?ex=656341b5&amp;is=6550ccb5&amp;hm=7bd0f68e5fea7099ff044f6530889fe51d86ce81abb50196defc5e6cda32e614&amp;"/>
-          <p:cNvPicPr>
-            <a:picLocks noChangeAspect="1" noChangeArrowheads="1"/>
-          </p:cNvPicPr>
-          <p:nvPr/>
-        </p:nvPicPr>
-        <p:blipFill>
-          <a:blip r:embed="rId7">
-            <a:extLst>
-              <a:ext uri="{28A0092B-C50C-407E-A947-70E740481C1C}">
-                <a14:useLocalDpi xmlns:a14="http://schemas.microsoft.com/office/drawing/2010/main" val="0"/>
-              </a:ext>
-            </a:extLst>
-          </a:blip>
-          <a:srcRect/>
-          <a:stretch>
-            <a:fillRect/>
-          </a:stretch>
-        </p:blipFill>
-        <p:spPr bwMode="auto">
-          <a:xfrm>
-            <a:off x="9891048" y="4367863"/>
-            <a:ext cx="887094" cy="887094"/>
-          </a:xfrm>
-          <a:prstGeom prst="rect">
-            <a:avLst/>
-          </a:prstGeom>
-          <a:noFill/>
-          <a:extLst>
-            <a:ext uri="{909E8E84-426E-40DD-AFC4-6F175D3DCCD1}">
-              <a14:hiddenFill xmlns:a14="http://schemas.microsoft.com/office/drawing/2010/main">
-                <a:solidFill>
-                  <a:srgbClr val="FFFFFF"/>
-                </a:solidFill>
-              </a14:hiddenFill>
-            </a:ext>
-          </a:extLst>
-        </p:spPr>
-      </p:pic>
-    </p:spTree>
-    <p:extLst>
-      <p:ext uri="{BB962C8B-B14F-4D97-AF65-F5344CB8AC3E}">
-        <p14:creationId xmlns:p14="http://schemas.microsoft.com/office/powerpoint/2010/main" val="1795576191"/>
       </p:ext>
     </p:extLst>
   </p:cSld>
